--- a/public/Exam Notes/Outline of Course - Machine Learning Course.pdf.pptx
+++ b/public/Exam Notes/Outline of Course - Machine Learning Course.pdf.pptx
@@ -10,16 +10,22 @@
   <p:sldIdLst>
     <p:sldId id="256" r:id="rId6"/>
     <p:sldId id="257" r:id="rId7"/>
+    <p:sldId id="258" r:id="rId8"/>
+    <p:sldId id="259" r:id="rId9"/>
+    <p:sldId id="260" r:id="rId10"/>
+    <p:sldId id="261" r:id="rId11"/>
+    <p:sldId id="262" r:id="rId12"/>
+    <p:sldId id="263" r:id="rId13"/>
   </p:sldIdLst>
   <p:sldSz cy="5143500" cx="9144000"/>
   <p:notesSz cx="6858000" cy="9144000"/>
   <p:embeddedFontLst>
     <p:embeddedFont>
       <p:font typeface="Open Sans"/>
-      <p:regular r:id="rId8"/>
-      <p:bold r:id="rId9"/>
-      <p:italic r:id="rId10"/>
-      <p:boldItalic r:id="rId11"/>
+      <p:regular r:id="rId14"/>
+      <p:bold r:id="rId15"/>
+      <p:italic r:id="rId16"/>
+      <p:boldItalic r:id="rId17"/>
     </p:embeddedFont>
   </p:embeddedFontLst>
   <p:defaultTextStyle>
@@ -850,6 +856,600 @@
       <p:sp>
         <p:nvSpPr>
           <p:cNvPr id="62" name="Google Shape;62;g6bf5eebc69_0_55:notes"/>
+          <p:cNvSpPr txBox="1"/>
+          <p:nvPr>
+            <p:ph idx="1" type="body"/>
+          </p:nvPr>
+        </p:nvSpPr>
+        <p:spPr>
+          <a:xfrm>
+            <a:off x="685800" y="4343400"/>
+            <a:ext cx="5486400" cy="4114800"/>
+          </a:xfrm>
+          <a:prstGeom prst="rect">
+            <a:avLst/>
+          </a:prstGeom>
+        </p:spPr>
+        <p:txBody>
+          <a:bodyPr anchorCtr="0" anchor="t" bIns="91425" lIns="91425" spcFirstLastPara="1" rIns="91425" wrap="square" tIns="91425">
+            <a:noAutofit/>
+          </a:bodyPr>
+          <a:lstStyle/>
+          <a:p>
+            <a:pPr indent="0" lvl="0" marL="0" rtl="0" algn="l">
+              <a:spcBef>
+                <a:spcPts val="0"/>
+              </a:spcBef>
+              <a:spcAft>
+                <a:spcPts val="0"/>
+              </a:spcAft>
+              <a:buNone/>
+            </a:pPr>
+            <a:r>
+              <a:t/>
+            </a:r>
+            <a:endParaRPr/>
+          </a:p>
+        </p:txBody>
+      </p:sp>
+    </p:spTree>
+  </p:cSld>
+  <p:clrMapOvr>
+    <a:masterClrMapping/>
+  </p:clrMapOvr>
+</p:notes>
+</file>
+
+<file path=ppt/notesSlides/notesSlide3.xml><?xml version="1.0" encoding="utf-8"?>
+<p:notes xmlns:a="http://schemas.openxmlformats.org/drawingml/2006/main" xmlns:r="http://schemas.openxmlformats.org/officeDocument/2006/relationships" xmlns:mc="http://schemas.openxmlformats.org/markup-compatibility/2006" xmlns:mv="urn:schemas-microsoft-com:mac:vml" xmlns:p="http://schemas.openxmlformats.org/presentationml/2006/main" xmlns:c="http://schemas.openxmlformats.org/drawingml/2006/chart" xmlns:dgm="http://schemas.openxmlformats.org/drawingml/2006/diagram" xmlns:o="urn:schemas-microsoft-com:office:office" xmlns:v="urn:schemas-microsoft-com:vml" xmlns:pvml="urn:schemas-microsoft-com:office:powerpoint" xmlns:com="http://schemas.openxmlformats.org/drawingml/2006/compatibility" xmlns:p14="http://schemas.microsoft.com/office/powerpoint/2010/main" xmlns:p15="http://schemas.microsoft.com/office/powerpoint/2012/main" showMasterPhAnim="0" showMasterSp="0">
+  <p:cSld>
+    <p:spTree>
+      <p:nvGrpSpPr>
+        <p:cNvPr id="80" name="Shape 80"/>
+        <p:cNvGrpSpPr/>
+        <p:nvPr/>
+      </p:nvGrpSpPr>
+      <p:grpSpPr>
+        <a:xfrm>
+          <a:off x="0" y="0"/>
+          <a:ext cx="0" cy="0"/>
+          <a:chOff x="0" y="0"/>
+          <a:chExt cx="0" cy="0"/>
+        </a:xfrm>
+      </p:grpSpPr>
+      <p:sp>
+        <p:nvSpPr>
+          <p:cNvPr id="81" name="Google Shape;81;g6bf5eebc69_0_75:notes"/>
+          <p:cNvSpPr/>
+          <p:nvPr>
+            <p:ph idx="2" type="sldImg"/>
+          </p:nvPr>
+        </p:nvSpPr>
+        <p:spPr>
+          <a:xfrm>
+            <a:off x="381300" y="685800"/>
+            <a:ext cx="6096000" cy="3429000"/>
+          </a:xfrm>
+          <a:custGeom>
+            <a:rect b="b" l="l" r="r" t="t"/>
+            <a:pathLst>
+              <a:path extrusionOk="0" h="120000" w="120000">
+                <a:moveTo>
+                  <a:pt x="0" y="0"/>
+                </a:moveTo>
+                <a:lnTo>
+                  <a:pt x="120000" y="0"/>
+                </a:lnTo>
+                <a:lnTo>
+                  <a:pt x="120000" y="120000"/>
+                </a:lnTo>
+                <a:lnTo>
+                  <a:pt x="0" y="120000"/>
+                </a:lnTo>
+                <a:close/>
+              </a:path>
+            </a:pathLst>
+          </a:custGeom>
+        </p:spPr>
+      </p:sp>
+      <p:sp>
+        <p:nvSpPr>
+          <p:cNvPr id="82" name="Google Shape;82;g6bf5eebc69_0_75:notes"/>
+          <p:cNvSpPr txBox="1"/>
+          <p:nvPr>
+            <p:ph idx="1" type="body"/>
+          </p:nvPr>
+        </p:nvSpPr>
+        <p:spPr>
+          <a:xfrm>
+            <a:off x="685800" y="4343400"/>
+            <a:ext cx="5486400" cy="4114800"/>
+          </a:xfrm>
+          <a:prstGeom prst="rect">
+            <a:avLst/>
+          </a:prstGeom>
+        </p:spPr>
+        <p:txBody>
+          <a:bodyPr anchorCtr="0" anchor="t" bIns="91425" lIns="91425" spcFirstLastPara="1" rIns="91425" wrap="square" tIns="91425">
+            <a:noAutofit/>
+          </a:bodyPr>
+          <a:lstStyle/>
+          <a:p>
+            <a:pPr indent="0" lvl="0" marL="0" rtl="0" algn="l">
+              <a:spcBef>
+                <a:spcPts val="0"/>
+              </a:spcBef>
+              <a:spcAft>
+                <a:spcPts val="0"/>
+              </a:spcAft>
+              <a:buNone/>
+            </a:pPr>
+            <a:r>
+              <a:t/>
+            </a:r>
+            <a:endParaRPr/>
+          </a:p>
+        </p:txBody>
+      </p:sp>
+    </p:spTree>
+  </p:cSld>
+  <p:clrMapOvr>
+    <a:masterClrMapping/>
+  </p:clrMapOvr>
+</p:notes>
+</file>
+
+<file path=ppt/notesSlides/notesSlide4.xml><?xml version="1.0" encoding="utf-8"?>
+<p:notes xmlns:a="http://schemas.openxmlformats.org/drawingml/2006/main" xmlns:r="http://schemas.openxmlformats.org/officeDocument/2006/relationships" xmlns:mc="http://schemas.openxmlformats.org/markup-compatibility/2006" xmlns:mv="urn:schemas-microsoft-com:mac:vml" xmlns:p="http://schemas.openxmlformats.org/presentationml/2006/main" xmlns:c="http://schemas.openxmlformats.org/drawingml/2006/chart" xmlns:dgm="http://schemas.openxmlformats.org/drawingml/2006/diagram" xmlns:o="urn:schemas-microsoft-com:office:office" xmlns:v="urn:schemas-microsoft-com:vml" xmlns:pvml="urn:schemas-microsoft-com:office:powerpoint" xmlns:com="http://schemas.openxmlformats.org/drawingml/2006/compatibility" xmlns:p14="http://schemas.microsoft.com/office/powerpoint/2010/main" xmlns:p15="http://schemas.microsoft.com/office/powerpoint/2012/main" showMasterPhAnim="0" showMasterSp="0">
+  <p:cSld>
+    <p:spTree>
+      <p:nvGrpSpPr>
+        <p:cNvPr id="94" name="Shape 94"/>
+        <p:cNvGrpSpPr/>
+        <p:nvPr/>
+      </p:nvGrpSpPr>
+      <p:grpSpPr>
+        <a:xfrm>
+          <a:off x="0" y="0"/>
+          <a:ext cx="0" cy="0"/>
+          <a:chOff x="0" y="0"/>
+          <a:chExt cx="0" cy="0"/>
+        </a:xfrm>
+      </p:grpSpPr>
+      <p:sp>
+        <p:nvSpPr>
+          <p:cNvPr id="95" name="Google Shape;95;g6bf5eebc69_0_98:notes"/>
+          <p:cNvSpPr/>
+          <p:nvPr>
+            <p:ph idx="2" type="sldImg"/>
+          </p:nvPr>
+        </p:nvSpPr>
+        <p:spPr>
+          <a:xfrm>
+            <a:off x="381300" y="685800"/>
+            <a:ext cx="6096000" cy="3429000"/>
+          </a:xfrm>
+          <a:custGeom>
+            <a:rect b="b" l="l" r="r" t="t"/>
+            <a:pathLst>
+              <a:path extrusionOk="0" h="120000" w="120000">
+                <a:moveTo>
+                  <a:pt x="0" y="0"/>
+                </a:moveTo>
+                <a:lnTo>
+                  <a:pt x="120000" y="0"/>
+                </a:lnTo>
+                <a:lnTo>
+                  <a:pt x="120000" y="120000"/>
+                </a:lnTo>
+                <a:lnTo>
+                  <a:pt x="0" y="120000"/>
+                </a:lnTo>
+                <a:close/>
+              </a:path>
+            </a:pathLst>
+          </a:custGeom>
+        </p:spPr>
+      </p:sp>
+      <p:sp>
+        <p:nvSpPr>
+          <p:cNvPr id="96" name="Google Shape;96;g6bf5eebc69_0_98:notes"/>
+          <p:cNvSpPr txBox="1"/>
+          <p:nvPr>
+            <p:ph idx="1" type="body"/>
+          </p:nvPr>
+        </p:nvSpPr>
+        <p:spPr>
+          <a:xfrm>
+            <a:off x="685800" y="4343400"/>
+            <a:ext cx="5486400" cy="4114800"/>
+          </a:xfrm>
+          <a:prstGeom prst="rect">
+            <a:avLst/>
+          </a:prstGeom>
+        </p:spPr>
+        <p:txBody>
+          <a:bodyPr anchorCtr="0" anchor="t" bIns="91425" lIns="91425" spcFirstLastPara="1" rIns="91425" wrap="square" tIns="91425">
+            <a:noAutofit/>
+          </a:bodyPr>
+          <a:lstStyle/>
+          <a:p>
+            <a:pPr indent="0" lvl="0" marL="0" rtl="0" algn="l">
+              <a:spcBef>
+                <a:spcPts val="0"/>
+              </a:spcBef>
+              <a:spcAft>
+                <a:spcPts val="0"/>
+              </a:spcAft>
+              <a:buNone/>
+            </a:pPr>
+            <a:r>
+              <a:t/>
+            </a:r>
+            <a:endParaRPr/>
+          </a:p>
+        </p:txBody>
+      </p:sp>
+    </p:spTree>
+  </p:cSld>
+  <p:clrMapOvr>
+    <a:masterClrMapping/>
+  </p:clrMapOvr>
+</p:notes>
+</file>
+
+<file path=ppt/notesSlides/notesSlide5.xml><?xml version="1.0" encoding="utf-8"?>
+<p:notes xmlns:a="http://schemas.openxmlformats.org/drawingml/2006/main" xmlns:r="http://schemas.openxmlformats.org/officeDocument/2006/relationships" xmlns:mc="http://schemas.openxmlformats.org/markup-compatibility/2006" xmlns:mv="urn:schemas-microsoft-com:mac:vml" xmlns:p="http://schemas.openxmlformats.org/presentationml/2006/main" xmlns:c="http://schemas.openxmlformats.org/drawingml/2006/chart" xmlns:dgm="http://schemas.openxmlformats.org/drawingml/2006/diagram" xmlns:o="urn:schemas-microsoft-com:office:office" xmlns:v="urn:schemas-microsoft-com:vml" xmlns:pvml="urn:schemas-microsoft-com:office:powerpoint" xmlns:com="http://schemas.openxmlformats.org/drawingml/2006/compatibility" xmlns:p14="http://schemas.microsoft.com/office/powerpoint/2010/main" xmlns:p15="http://schemas.microsoft.com/office/powerpoint/2012/main" showMasterPhAnim="0" showMasterSp="0">
+  <p:cSld>
+    <p:spTree>
+      <p:nvGrpSpPr>
+        <p:cNvPr id="116" name="Shape 116"/>
+        <p:cNvGrpSpPr/>
+        <p:nvPr/>
+      </p:nvGrpSpPr>
+      <p:grpSpPr>
+        <a:xfrm>
+          <a:off x="0" y="0"/>
+          <a:ext cx="0" cy="0"/>
+          <a:chOff x="0" y="0"/>
+          <a:chExt cx="0" cy="0"/>
+        </a:xfrm>
+      </p:grpSpPr>
+      <p:sp>
+        <p:nvSpPr>
+          <p:cNvPr id="117" name="Google Shape;117;g6bf5eebc69_0_114:notes"/>
+          <p:cNvSpPr/>
+          <p:nvPr>
+            <p:ph idx="2" type="sldImg"/>
+          </p:nvPr>
+        </p:nvSpPr>
+        <p:spPr>
+          <a:xfrm>
+            <a:off x="381300" y="685800"/>
+            <a:ext cx="6096000" cy="3429000"/>
+          </a:xfrm>
+          <a:custGeom>
+            <a:rect b="b" l="l" r="r" t="t"/>
+            <a:pathLst>
+              <a:path extrusionOk="0" h="120000" w="120000">
+                <a:moveTo>
+                  <a:pt x="0" y="0"/>
+                </a:moveTo>
+                <a:lnTo>
+                  <a:pt x="120000" y="0"/>
+                </a:lnTo>
+                <a:lnTo>
+                  <a:pt x="120000" y="120000"/>
+                </a:lnTo>
+                <a:lnTo>
+                  <a:pt x="0" y="120000"/>
+                </a:lnTo>
+                <a:close/>
+              </a:path>
+            </a:pathLst>
+          </a:custGeom>
+        </p:spPr>
+      </p:sp>
+      <p:sp>
+        <p:nvSpPr>
+          <p:cNvPr id="118" name="Google Shape;118;g6bf5eebc69_0_114:notes"/>
+          <p:cNvSpPr txBox="1"/>
+          <p:nvPr>
+            <p:ph idx="1" type="body"/>
+          </p:nvPr>
+        </p:nvSpPr>
+        <p:spPr>
+          <a:xfrm>
+            <a:off x="685800" y="4343400"/>
+            <a:ext cx="5486400" cy="4114800"/>
+          </a:xfrm>
+          <a:prstGeom prst="rect">
+            <a:avLst/>
+          </a:prstGeom>
+        </p:spPr>
+        <p:txBody>
+          <a:bodyPr anchorCtr="0" anchor="t" bIns="91425" lIns="91425" spcFirstLastPara="1" rIns="91425" wrap="square" tIns="91425">
+            <a:noAutofit/>
+          </a:bodyPr>
+          <a:lstStyle/>
+          <a:p>
+            <a:pPr indent="0" lvl="0" marL="0" rtl="0" algn="l">
+              <a:spcBef>
+                <a:spcPts val="0"/>
+              </a:spcBef>
+              <a:spcAft>
+                <a:spcPts val="0"/>
+              </a:spcAft>
+              <a:buNone/>
+            </a:pPr>
+            <a:r>
+              <a:t/>
+            </a:r>
+            <a:endParaRPr/>
+          </a:p>
+        </p:txBody>
+      </p:sp>
+    </p:spTree>
+  </p:cSld>
+  <p:clrMapOvr>
+    <a:masterClrMapping/>
+  </p:clrMapOvr>
+</p:notes>
+</file>
+
+<file path=ppt/notesSlides/notesSlide6.xml><?xml version="1.0" encoding="utf-8"?>
+<p:notes xmlns:a="http://schemas.openxmlformats.org/drawingml/2006/main" xmlns:r="http://schemas.openxmlformats.org/officeDocument/2006/relationships" xmlns:mc="http://schemas.openxmlformats.org/markup-compatibility/2006" xmlns:mv="urn:schemas-microsoft-com:mac:vml" xmlns:p="http://schemas.openxmlformats.org/presentationml/2006/main" xmlns:c="http://schemas.openxmlformats.org/drawingml/2006/chart" xmlns:dgm="http://schemas.openxmlformats.org/drawingml/2006/diagram" xmlns:o="urn:schemas-microsoft-com:office:office" xmlns:v="urn:schemas-microsoft-com:vml" xmlns:pvml="urn:schemas-microsoft-com:office:powerpoint" xmlns:com="http://schemas.openxmlformats.org/drawingml/2006/compatibility" xmlns:p14="http://schemas.microsoft.com/office/powerpoint/2010/main" xmlns:p15="http://schemas.microsoft.com/office/powerpoint/2012/main" showMasterPhAnim="0" showMasterSp="0">
+  <p:cSld>
+    <p:spTree>
+      <p:nvGrpSpPr>
+        <p:cNvPr id="133" name="Shape 133"/>
+        <p:cNvGrpSpPr/>
+        <p:nvPr/>
+      </p:nvGrpSpPr>
+      <p:grpSpPr>
+        <a:xfrm>
+          <a:off x="0" y="0"/>
+          <a:ext cx="0" cy="0"/>
+          <a:chOff x="0" y="0"/>
+          <a:chExt cx="0" cy="0"/>
+        </a:xfrm>
+      </p:grpSpPr>
+      <p:sp>
+        <p:nvSpPr>
+          <p:cNvPr id="134" name="Google Shape;134;g6bf5eebc69_0_130:notes"/>
+          <p:cNvSpPr/>
+          <p:nvPr>
+            <p:ph idx="2" type="sldImg"/>
+          </p:nvPr>
+        </p:nvSpPr>
+        <p:spPr>
+          <a:xfrm>
+            <a:off x="381300" y="685800"/>
+            <a:ext cx="6096000" cy="3429000"/>
+          </a:xfrm>
+          <a:custGeom>
+            <a:rect b="b" l="l" r="r" t="t"/>
+            <a:pathLst>
+              <a:path extrusionOk="0" h="120000" w="120000">
+                <a:moveTo>
+                  <a:pt x="0" y="0"/>
+                </a:moveTo>
+                <a:lnTo>
+                  <a:pt x="120000" y="0"/>
+                </a:lnTo>
+                <a:lnTo>
+                  <a:pt x="120000" y="120000"/>
+                </a:lnTo>
+                <a:lnTo>
+                  <a:pt x="0" y="120000"/>
+                </a:lnTo>
+                <a:close/>
+              </a:path>
+            </a:pathLst>
+          </a:custGeom>
+        </p:spPr>
+      </p:sp>
+      <p:sp>
+        <p:nvSpPr>
+          <p:cNvPr id="135" name="Google Shape;135;g6bf5eebc69_0_130:notes"/>
+          <p:cNvSpPr txBox="1"/>
+          <p:nvPr>
+            <p:ph idx="1" type="body"/>
+          </p:nvPr>
+        </p:nvSpPr>
+        <p:spPr>
+          <a:xfrm>
+            <a:off x="685800" y="4343400"/>
+            <a:ext cx="5486400" cy="4114800"/>
+          </a:xfrm>
+          <a:prstGeom prst="rect">
+            <a:avLst/>
+          </a:prstGeom>
+        </p:spPr>
+        <p:txBody>
+          <a:bodyPr anchorCtr="0" anchor="t" bIns="91425" lIns="91425" spcFirstLastPara="1" rIns="91425" wrap="square" tIns="91425">
+            <a:noAutofit/>
+          </a:bodyPr>
+          <a:lstStyle/>
+          <a:p>
+            <a:pPr indent="0" lvl="0" marL="0" rtl="0" algn="l">
+              <a:spcBef>
+                <a:spcPts val="0"/>
+              </a:spcBef>
+              <a:spcAft>
+                <a:spcPts val="0"/>
+              </a:spcAft>
+              <a:buNone/>
+            </a:pPr>
+            <a:r>
+              <a:t/>
+            </a:r>
+            <a:endParaRPr/>
+          </a:p>
+        </p:txBody>
+      </p:sp>
+    </p:spTree>
+  </p:cSld>
+  <p:clrMapOvr>
+    <a:masterClrMapping/>
+  </p:clrMapOvr>
+</p:notes>
+</file>
+
+<file path=ppt/notesSlides/notesSlide7.xml><?xml version="1.0" encoding="utf-8"?>
+<p:notes xmlns:a="http://schemas.openxmlformats.org/drawingml/2006/main" xmlns:r="http://schemas.openxmlformats.org/officeDocument/2006/relationships" xmlns:mc="http://schemas.openxmlformats.org/markup-compatibility/2006" xmlns:mv="urn:schemas-microsoft-com:mac:vml" xmlns:p="http://schemas.openxmlformats.org/presentationml/2006/main" xmlns:c="http://schemas.openxmlformats.org/drawingml/2006/chart" xmlns:dgm="http://schemas.openxmlformats.org/drawingml/2006/diagram" xmlns:o="urn:schemas-microsoft-com:office:office" xmlns:v="urn:schemas-microsoft-com:vml" xmlns:pvml="urn:schemas-microsoft-com:office:powerpoint" xmlns:com="http://schemas.openxmlformats.org/drawingml/2006/compatibility" xmlns:p14="http://schemas.microsoft.com/office/powerpoint/2010/main" xmlns:p15="http://schemas.microsoft.com/office/powerpoint/2012/main" showMasterPhAnim="0" showMasterSp="0">
+  <p:cSld>
+    <p:spTree>
+      <p:nvGrpSpPr>
+        <p:cNvPr id="158" name="Shape 158"/>
+        <p:cNvGrpSpPr/>
+        <p:nvPr/>
+      </p:nvGrpSpPr>
+      <p:grpSpPr>
+        <a:xfrm>
+          <a:off x="0" y="0"/>
+          <a:ext cx="0" cy="0"/>
+          <a:chOff x="0" y="0"/>
+          <a:chExt cx="0" cy="0"/>
+        </a:xfrm>
+      </p:grpSpPr>
+      <p:sp>
+        <p:nvSpPr>
+          <p:cNvPr id="159" name="Google Shape;159;g6bf5eebc69_0_142:notes"/>
+          <p:cNvSpPr/>
+          <p:nvPr>
+            <p:ph idx="2" type="sldImg"/>
+          </p:nvPr>
+        </p:nvSpPr>
+        <p:spPr>
+          <a:xfrm>
+            <a:off x="381300" y="685800"/>
+            <a:ext cx="6096000" cy="3429000"/>
+          </a:xfrm>
+          <a:custGeom>
+            <a:rect b="b" l="l" r="r" t="t"/>
+            <a:pathLst>
+              <a:path extrusionOk="0" h="120000" w="120000">
+                <a:moveTo>
+                  <a:pt x="0" y="0"/>
+                </a:moveTo>
+                <a:lnTo>
+                  <a:pt x="120000" y="0"/>
+                </a:lnTo>
+                <a:lnTo>
+                  <a:pt x="120000" y="120000"/>
+                </a:lnTo>
+                <a:lnTo>
+                  <a:pt x="0" y="120000"/>
+                </a:lnTo>
+                <a:close/>
+              </a:path>
+            </a:pathLst>
+          </a:custGeom>
+        </p:spPr>
+      </p:sp>
+      <p:sp>
+        <p:nvSpPr>
+          <p:cNvPr id="160" name="Google Shape;160;g6bf5eebc69_0_142:notes"/>
+          <p:cNvSpPr txBox="1"/>
+          <p:nvPr>
+            <p:ph idx="1" type="body"/>
+          </p:nvPr>
+        </p:nvSpPr>
+        <p:spPr>
+          <a:xfrm>
+            <a:off x="685800" y="4343400"/>
+            <a:ext cx="5486400" cy="4114800"/>
+          </a:xfrm>
+          <a:prstGeom prst="rect">
+            <a:avLst/>
+          </a:prstGeom>
+        </p:spPr>
+        <p:txBody>
+          <a:bodyPr anchorCtr="0" anchor="t" bIns="91425" lIns="91425" spcFirstLastPara="1" rIns="91425" wrap="square" tIns="91425">
+            <a:noAutofit/>
+          </a:bodyPr>
+          <a:lstStyle/>
+          <a:p>
+            <a:pPr indent="0" lvl="0" marL="0" rtl="0" algn="l">
+              <a:spcBef>
+                <a:spcPts val="0"/>
+              </a:spcBef>
+              <a:spcAft>
+                <a:spcPts val="0"/>
+              </a:spcAft>
+              <a:buNone/>
+            </a:pPr>
+            <a:r>
+              <a:t/>
+            </a:r>
+            <a:endParaRPr/>
+          </a:p>
+        </p:txBody>
+      </p:sp>
+    </p:spTree>
+  </p:cSld>
+  <p:clrMapOvr>
+    <a:masterClrMapping/>
+  </p:clrMapOvr>
+</p:notes>
+</file>
+
+<file path=ppt/notesSlides/notesSlide8.xml><?xml version="1.0" encoding="utf-8"?>
+<p:notes xmlns:a="http://schemas.openxmlformats.org/drawingml/2006/main" xmlns:r="http://schemas.openxmlformats.org/officeDocument/2006/relationships" xmlns:mc="http://schemas.openxmlformats.org/markup-compatibility/2006" xmlns:mv="urn:schemas-microsoft-com:mac:vml" xmlns:p="http://schemas.openxmlformats.org/presentationml/2006/main" xmlns:c="http://schemas.openxmlformats.org/drawingml/2006/chart" xmlns:dgm="http://schemas.openxmlformats.org/drawingml/2006/diagram" xmlns:o="urn:schemas-microsoft-com:office:office" xmlns:v="urn:schemas-microsoft-com:vml" xmlns:pvml="urn:schemas-microsoft-com:office:powerpoint" xmlns:com="http://schemas.openxmlformats.org/drawingml/2006/compatibility" xmlns:p14="http://schemas.microsoft.com/office/powerpoint/2010/main" xmlns:p15="http://schemas.microsoft.com/office/powerpoint/2012/main" showMasterPhAnim="0" showMasterSp="0">
+  <p:cSld>
+    <p:spTree>
+      <p:nvGrpSpPr>
+        <p:cNvPr id="172" name="Shape 172"/>
+        <p:cNvGrpSpPr/>
+        <p:nvPr/>
+      </p:nvGrpSpPr>
+      <p:grpSpPr>
+        <a:xfrm>
+          <a:off x="0" y="0"/>
+          <a:ext cx="0" cy="0"/>
+          <a:chOff x="0" y="0"/>
+          <a:chExt cx="0" cy="0"/>
+        </a:xfrm>
+      </p:grpSpPr>
+      <p:sp>
+        <p:nvSpPr>
+          <p:cNvPr id="173" name="Google Shape;173;g6bf5eebc69_0_159:notes"/>
+          <p:cNvSpPr/>
+          <p:nvPr>
+            <p:ph idx="2" type="sldImg"/>
+          </p:nvPr>
+        </p:nvSpPr>
+        <p:spPr>
+          <a:xfrm>
+            <a:off x="381300" y="685800"/>
+            <a:ext cx="6096000" cy="3429000"/>
+          </a:xfrm>
+          <a:custGeom>
+            <a:rect b="b" l="l" r="r" t="t"/>
+            <a:pathLst>
+              <a:path extrusionOk="0" h="120000" w="120000">
+                <a:moveTo>
+                  <a:pt x="0" y="0"/>
+                </a:moveTo>
+                <a:lnTo>
+                  <a:pt x="120000" y="0"/>
+                </a:lnTo>
+                <a:lnTo>
+                  <a:pt x="120000" y="120000"/>
+                </a:lnTo>
+                <a:lnTo>
+                  <a:pt x="0" y="120000"/>
+                </a:lnTo>
+                <a:close/>
+              </a:path>
+            </a:pathLst>
+          </a:custGeom>
+        </p:spPr>
+      </p:sp>
+      <p:sp>
+        <p:nvSpPr>
+          <p:cNvPr id="174" name="Google Shape;174;g6bf5eebc69_0_159:notes"/>
           <p:cNvSpPr txBox="1"/>
           <p:nvPr>
             <p:ph idx="1" type="body"/>
@@ -7344,6 +7944,6227 @@
 </p:sld>
 </file>
 
+<file path=ppt/slides/slide3.xml><?xml version="1.0" encoding="utf-8"?>
+<p:sld xmlns:a="http://schemas.openxmlformats.org/drawingml/2006/main" xmlns:r="http://schemas.openxmlformats.org/officeDocument/2006/relationships" xmlns:mc="http://schemas.openxmlformats.org/markup-compatibility/2006" xmlns:mv="urn:schemas-microsoft-com:mac:vml" xmlns:p="http://schemas.openxmlformats.org/presentationml/2006/main" xmlns:c="http://schemas.openxmlformats.org/drawingml/2006/chart" xmlns:dgm="http://schemas.openxmlformats.org/drawingml/2006/diagram" xmlns:o="urn:schemas-microsoft-com:office:office" xmlns:v="urn:schemas-microsoft-com:vml" xmlns:pvml="urn:schemas-microsoft-com:office:powerpoint" xmlns:com="http://schemas.openxmlformats.org/drawingml/2006/compatibility" xmlns:p14="http://schemas.microsoft.com/office/powerpoint/2010/main" xmlns:p15="http://schemas.microsoft.com/office/powerpoint/2012/main">
+  <p:cSld>
+    <p:spTree>
+      <p:nvGrpSpPr>
+        <p:cNvPr id="83" name="Shape 83"/>
+        <p:cNvGrpSpPr/>
+        <p:nvPr/>
+      </p:nvGrpSpPr>
+      <p:grpSpPr>
+        <a:xfrm>
+          <a:off x="0" y="0"/>
+          <a:ext cx="0" cy="0"/>
+          <a:chOff x="0" y="0"/>
+          <a:chExt cx="0" cy="0"/>
+        </a:xfrm>
+      </p:grpSpPr>
+      <p:sp>
+        <p:nvSpPr>
+          <p:cNvPr id="84" name="Google Shape;84;p15"/>
+          <p:cNvSpPr/>
+          <p:nvPr/>
+        </p:nvSpPr>
+        <p:spPr>
+          <a:xfrm>
+            <a:off x="-179682" y="-308191"/>
+            <a:ext cx="9647400" cy="1688700"/>
+          </a:xfrm>
+          <a:prstGeom prst="rect">
+            <a:avLst/>
+          </a:prstGeom>
+          <a:solidFill>
+            <a:srgbClr val="002645"/>
+          </a:solidFill>
+          <a:ln>
+            <a:noFill/>
+          </a:ln>
+          <a:effectLst>
+            <a:outerShdw blurRad="50800" rotWithShape="0" dir="5400000" dist="38100">
+              <a:srgbClr val="000000">
+                <a:alpha val="40000"/>
+              </a:srgbClr>
+            </a:outerShdw>
+          </a:effectLst>
+        </p:spPr>
+        <p:txBody>
+          <a:bodyPr anchorCtr="0" anchor="ctr" bIns="34275" lIns="34275" spcFirstLastPara="1" rIns="34275" wrap="square" tIns="34275">
+            <a:noAutofit/>
+          </a:bodyPr>
+          <a:lstStyle/>
+          <a:p>
+            <a:pPr indent="0" lvl="0" marL="0" marR="0" rtl="0" algn="ctr">
+              <a:lnSpc>
+                <a:spcPct val="100000"/>
+              </a:lnSpc>
+              <a:spcBef>
+                <a:spcPts val="0"/>
+              </a:spcBef>
+              <a:spcAft>
+                <a:spcPts val="0"/>
+              </a:spcAft>
+              <a:buClr>
+                <a:srgbClr val="FFFFFF"/>
+              </a:buClr>
+              <a:buSzPts val="1400"/>
+              <a:buFont typeface="Calibri"/>
+              <a:buNone/>
+            </a:pPr>
+            <a:r>
+              <a:t/>
+            </a:r>
+            <a:endParaRPr b="0" i="0" sz="1400" u="none" cap="none" strike="noStrike">
+              <a:solidFill>
+                <a:srgbClr val="FFFFFF"/>
+              </a:solidFill>
+              <a:latin typeface="Calibri"/>
+              <a:ea typeface="Calibri"/>
+              <a:cs typeface="Calibri"/>
+              <a:sym typeface="Calibri"/>
+            </a:endParaRPr>
+          </a:p>
+        </p:txBody>
+      </p:sp>
+      <p:sp>
+        <p:nvSpPr>
+          <p:cNvPr id="85" name="Google Shape;85;p15"/>
+          <p:cNvSpPr/>
+          <p:nvPr/>
+        </p:nvSpPr>
+        <p:spPr>
+          <a:xfrm>
+            <a:off x="228600" y="331700"/>
+            <a:ext cx="8915400" cy="468600"/>
+          </a:xfrm>
+          <a:prstGeom prst="rect">
+            <a:avLst/>
+          </a:prstGeom>
+          <a:noFill/>
+          <a:ln>
+            <a:noFill/>
+          </a:ln>
+        </p:spPr>
+        <p:txBody>
+          <a:bodyPr anchorCtr="0" anchor="t" bIns="34275" lIns="34275" spcFirstLastPara="1" rIns="34275" wrap="square" tIns="34275">
+            <a:noAutofit/>
+          </a:bodyPr>
+          <a:lstStyle/>
+          <a:p>
+            <a:pPr indent="0" lvl="0" marL="0" marR="0" rtl="0" algn="l">
+              <a:lnSpc>
+                <a:spcPct val="100000"/>
+              </a:lnSpc>
+              <a:spcBef>
+                <a:spcPts val="0"/>
+              </a:spcBef>
+              <a:spcAft>
+                <a:spcPts val="0"/>
+              </a:spcAft>
+              <a:buClr>
+                <a:srgbClr val="F2F2F2"/>
+              </a:buClr>
+              <a:buSzPts val="2600"/>
+              <a:buFont typeface="Open Sans"/>
+              <a:buNone/>
+            </a:pPr>
+            <a:r>
+              <a:rPr b="1" lang="en" sz="2600">
+                <a:solidFill>
+                  <a:srgbClr val="F2F2F2"/>
+                </a:solidFill>
+                <a:latin typeface="Open Sans"/>
+                <a:ea typeface="Open Sans"/>
+                <a:cs typeface="Open Sans"/>
+                <a:sym typeface="Open Sans"/>
+              </a:rPr>
+              <a:t>AWS Machine Learning Data Engineering Concepts</a:t>
+            </a:r>
+            <a:endParaRPr sz="1100"/>
+          </a:p>
+        </p:txBody>
+      </p:sp>
+      <p:sp>
+        <p:nvSpPr>
+          <p:cNvPr id="86" name="Google Shape;86;p15"/>
+          <p:cNvSpPr/>
+          <p:nvPr/>
+        </p:nvSpPr>
+        <p:spPr>
+          <a:xfrm>
+            <a:off x="313771" y="843754"/>
+            <a:ext cx="2789700" cy="34200"/>
+          </a:xfrm>
+          <a:prstGeom prst="rect">
+            <a:avLst/>
+          </a:prstGeom>
+          <a:solidFill>
+            <a:srgbClr val="DE6E22"/>
+          </a:solidFill>
+          <a:ln>
+            <a:noFill/>
+          </a:ln>
+        </p:spPr>
+        <p:txBody>
+          <a:bodyPr anchorCtr="0" anchor="ctr" bIns="34275" lIns="34275" spcFirstLastPara="1" rIns="34275" wrap="square" tIns="34275">
+            <a:noAutofit/>
+          </a:bodyPr>
+          <a:lstStyle/>
+          <a:p>
+            <a:pPr indent="0" lvl="0" marL="0" marR="0" rtl="0" algn="ctr">
+              <a:lnSpc>
+                <a:spcPct val="100000"/>
+              </a:lnSpc>
+              <a:spcBef>
+                <a:spcPts val="0"/>
+              </a:spcBef>
+              <a:spcAft>
+                <a:spcPts val="0"/>
+              </a:spcAft>
+              <a:buClr>
+                <a:srgbClr val="FFFFFF"/>
+              </a:buClr>
+              <a:buSzPts val="1400"/>
+              <a:buFont typeface="Calibri"/>
+              <a:buNone/>
+            </a:pPr>
+            <a:r>
+              <a:t/>
+            </a:r>
+            <a:endParaRPr b="0" i="0" sz="1400" u="none" cap="none" strike="noStrike">
+              <a:solidFill>
+                <a:srgbClr val="FFFFFF"/>
+              </a:solidFill>
+              <a:latin typeface="Calibri"/>
+              <a:ea typeface="Calibri"/>
+              <a:cs typeface="Calibri"/>
+              <a:sym typeface="Calibri"/>
+            </a:endParaRPr>
+          </a:p>
+        </p:txBody>
+      </p:sp>
+      <p:sp>
+        <p:nvSpPr>
+          <p:cNvPr id="87" name="Google Shape;87;p15"/>
+          <p:cNvSpPr/>
+          <p:nvPr/>
+        </p:nvSpPr>
+        <p:spPr>
+          <a:xfrm>
+            <a:off x="228600" y="952975"/>
+            <a:ext cx="4144200" cy="335100"/>
+          </a:xfrm>
+          <a:prstGeom prst="rect">
+            <a:avLst/>
+          </a:prstGeom>
+          <a:noFill/>
+          <a:ln>
+            <a:noFill/>
+          </a:ln>
+        </p:spPr>
+        <p:txBody>
+          <a:bodyPr anchorCtr="0" anchor="t" bIns="34275" lIns="34275" spcFirstLastPara="1" rIns="34275" wrap="square" tIns="34275">
+            <a:noAutofit/>
+          </a:bodyPr>
+          <a:lstStyle/>
+          <a:p>
+            <a:pPr indent="0" lvl="0" marL="0" marR="0" rtl="0" algn="l">
+              <a:lnSpc>
+                <a:spcPct val="100000"/>
+              </a:lnSpc>
+              <a:spcBef>
+                <a:spcPts val="0"/>
+              </a:spcBef>
+              <a:spcAft>
+                <a:spcPts val="0"/>
+              </a:spcAft>
+              <a:buClr>
+                <a:srgbClr val="D9D9D9"/>
+              </a:buClr>
+              <a:buSzPts val="1700"/>
+              <a:buFont typeface="Open Sans"/>
+              <a:buNone/>
+            </a:pPr>
+            <a:r>
+              <a:t/>
+            </a:r>
+            <a:endParaRPr sz="1100"/>
+          </a:p>
+        </p:txBody>
+      </p:sp>
+      <p:pic>
+        <p:nvPicPr>
+          <p:cNvPr id="88" name="Google Shape;88;p15"/>
+          <p:cNvPicPr preferRelativeResize="0"/>
+          <p:nvPr/>
+        </p:nvPicPr>
+        <p:blipFill>
+          <a:blip r:embed="rId3">
+            <a:alphaModFix/>
+          </a:blip>
+          <a:stretch>
+            <a:fillRect/>
+          </a:stretch>
+        </p:blipFill>
+        <p:spPr>
+          <a:xfrm>
+            <a:off x="8325525" y="4593059"/>
+            <a:ext cx="752475" cy="495300"/>
+          </a:xfrm>
+          <a:prstGeom prst="rect">
+            <a:avLst/>
+          </a:prstGeom>
+          <a:noFill/>
+          <a:ln>
+            <a:noFill/>
+          </a:ln>
+        </p:spPr>
+      </p:pic>
+      <p:sp>
+        <p:nvSpPr>
+          <p:cNvPr id="89" name="Google Shape;89;p15"/>
+          <p:cNvSpPr txBox="1"/>
+          <p:nvPr/>
+        </p:nvSpPr>
+        <p:spPr>
+          <a:xfrm>
+            <a:off x="460275" y="1726025"/>
+            <a:ext cx="6627900" cy="468600"/>
+          </a:xfrm>
+          <a:prstGeom prst="rect">
+            <a:avLst/>
+          </a:prstGeom>
+          <a:noFill/>
+          <a:ln>
+            <a:noFill/>
+          </a:ln>
+        </p:spPr>
+        <p:txBody>
+          <a:bodyPr anchorCtr="0" anchor="t" bIns="91425" lIns="91425" spcFirstLastPara="1" rIns="91425" wrap="square" tIns="91425">
+            <a:noAutofit/>
+          </a:bodyPr>
+          <a:lstStyle/>
+          <a:p>
+            <a:pPr indent="-317500" lvl="0" marL="457200" rtl="0" algn="l">
+              <a:spcBef>
+                <a:spcPts val="0"/>
+              </a:spcBef>
+              <a:spcAft>
+                <a:spcPts val="0"/>
+              </a:spcAft>
+              <a:buSzPts val="1400"/>
+              <a:buChar char="●"/>
+            </a:pPr>
+            <a:r>
+              <a:rPr lang="en"/>
+              <a:t>Basic data engineering concepts and terminology</a:t>
+            </a:r>
+            <a:endParaRPr/>
+          </a:p>
+        </p:txBody>
+      </p:sp>
+      <p:sp>
+        <p:nvSpPr>
+          <p:cNvPr id="90" name="Google Shape;90;p15"/>
+          <p:cNvSpPr txBox="1"/>
+          <p:nvPr/>
+        </p:nvSpPr>
+        <p:spPr>
+          <a:xfrm>
+            <a:off x="460275" y="2095258"/>
+            <a:ext cx="6627900" cy="468600"/>
+          </a:xfrm>
+          <a:prstGeom prst="rect">
+            <a:avLst/>
+          </a:prstGeom>
+          <a:noFill/>
+          <a:ln>
+            <a:noFill/>
+          </a:ln>
+        </p:spPr>
+        <p:txBody>
+          <a:bodyPr anchorCtr="0" anchor="t" bIns="91425" lIns="91425" spcFirstLastPara="1" rIns="91425" wrap="square" tIns="91425">
+            <a:noAutofit/>
+          </a:bodyPr>
+          <a:lstStyle/>
+          <a:p>
+            <a:pPr indent="-317500" lvl="0" marL="457200" rtl="0" algn="l">
+              <a:spcBef>
+                <a:spcPts val="0"/>
+              </a:spcBef>
+              <a:spcAft>
+                <a:spcPts val="0"/>
+              </a:spcAft>
+              <a:buSzPts val="1400"/>
+              <a:buChar char="●"/>
+            </a:pPr>
+            <a:r>
+              <a:rPr lang="en"/>
+              <a:t>Creating data repositories for machine learning</a:t>
+            </a:r>
+            <a:endParaRPr/>
+          </a:p>
+        </p:txBody>
+      </p:sp>
+      <p:sp>
+        <p:nvSpPr>
+          <p:cNvPr id="91" name="Google Shape;91;p15"/>
+          <p:cNvSpPr txBox="1"/>
+          <p:nvPr/>
+        </p:nvSpPr>
+        <p:spPr>
+          <a:xfrm>
+            <a:off x="460275" y="2464500"/>
+            <a:ext cx="4600800" cy="468600"/>
+          </a:xfrm>
+          <a:prstGeom prst="rect">
+            <a:avLst/>
+          </a:prstGeom>
+          <a:noFill/>
+          <a:ln>
+            <a:noFill/>
+          </a:ln>
+        </p:spPr>
+        <p:txBody>
+          <a:bodyPr anchorCtr="0" anchor="t" bIns="91425" lIns="91425" spcFirstLastPara="1" rIns="91425" wrap="square" tIns="91425">
+            <a:noAutofit/>
+          </a:bodyPr>
+          <a:lstStyle/>
+          <a:p>
+            <a:pPr indent="-317500" lvl="0" marL="457200" rtl="0" algn="l">
+              <a:spcBef>
+                <a:spcPts val="0"/>
+              </a:spcBef>
+              <a:spcAft>
+                <a:spcPts val="0"/>
+              </a:spcAft>
+              <a:buSzPts val="1400"/>
+              <a:buChar char="●"/>
+            </a:pPr>
+            <a:r>
+              <a:rPr lang="en"/>
+              <a:t>Identifying</a:t>
+            </a:r>
+            <a:r>
+              <a:rPr lang="en"/>
+              <a:t> and implementing data-ingestion and data-transformation solutions</a:t>
+            </a:r>
+            <a:endParaRPr/>
+          </a:p>
+        </p:txBody>
+      </p:sp>
+      <p:sp>
+        <p:nvSpPr>
+          <p:cNvPr id="92" name="Google Shape;92;p15"/>
+          <p:cNvSpPr txBox="1"/>
+          <p:nvPr/>
+        </p:nvSpPr>
+        <p:spPr>
+          <a:xfrm>
+            <a:off x="460275" y="3062325"/>
+            <a:ext cx="7143000" cy="468600"/>
+          </a:xfrm>
+          <a:prstGeom prst="rect">
+            <a:avLst/>
+          </a:prstGeom>
+          <a:noFill/>
+          <a:ln>
+            <a:noFill/>
+          </a:ln>
+        </p:spPr>
+        <p:txBody>
+          <a:bodyPr anchorCtr="0" anchor="t" bIns="91425" lIns="91425" spcFirstLastPara="1" rIns="91425" wrap="square" tIns="91425">
+            <a:noAutofit/>
+          </a:bodyPr>
+          <a:lstStyle/>
+          <a:p>
+            <a:pPr indent="-317500" lvl="0" marL="457200" rtl="0" algn="l">
+              <a:spcBef>
+                <a:spcPts val="0"/>
+              </a:spcBef>
+              <a:spcAft>
+                <a:spcPts val="0"/>
+              </a:spcAft>
+              <a:buSzPts val="1400"/>
+              <a:buChar char="●"/>
+            </a:pPr>
+            <a:r>
+              <a:rPr lang="en"/>
+              <a:t>AWS data migration services and tools</a:t>
+            </a:r>
+            <a:endParaRPr/>
+          </a:p>
+        </p:txBody>
+      </p:sp>
+      <p:pic>
+        <p:nvPicPr>
+          <p:cNvPr id="93" name="Google Shape;93;p15"/>
+          <p:cNvPicPr preferRelativeResize="0"/>
+          <p:nvPr/>
+        </p:nvPicPr>
+        <p:blipFill>
+          <a:blip r:embed="rId4">
+            <a:alphaModFix/>
+          </a:blip>
+          <a:stretch>
+            <a:fillRect/>
+          </a:stretch>
+        </p:blipFill>
+        <p:spPr>
+          <a:xfrm>
+            <a:off x="5715625" y="1946325"/>
+            <a:ext cx="1704975" cy="1504950"/>
+          </a:xfrm>
+          <a:prstGeom prst="rect">
+            <a:avLst/>
+          </a:prstGeom>
+          <a:noFill/>
+          <a:ln>
+            <a:noFill/>
+          </a:ln>
+          <a:effectLst>
+            <a:outerShdw blurRad="57150" rotWithShape="0" algn="bl" dir="5400000" dist="19050">
+              <a:srgbClr val="000000">
+                <a:alpha val="50000"/>
+              </a:srgbClr>
+            </a:outerShdw>
+          </a:effectLst>
+        </p:spPr>
+      </p:pic>
+    </p:spTree>
+  </p:cSld>
+  <p:clrMapOvr>
+    <a:masterClrMapping/>
+  </p:clrMapOvr>
+  <p:timing>
+    <p:tnLst>
+      <p:par>
+        <p:cTn dur="indefinite" nodeType="tmRoot" restart="never">
+          <p:childTnLst>
+            <p:seq concurrent="1" nextAc="seek">
+              <p:cTn dur="indefinite" id="2" nodeType="mainSeq">
+                <p:childTnLst>
+                  <p:par>
+                    <p:cTn fill="hold">
+                      <p:stCondLst>
+                        <p:cond delay="indefinite"/>
+                      </p:stCondLst>
+                      <p:childTnLst>
+                        <p:par>
+                          <p:cTn fill="hold">
+                            <p:stCondLst>
+                              <p:cond delay="0"/>
+                            </p:stCondLst>
+                            <p:childTnLst>
+                              <p:par>
+                                <p:cTn fill="hold" nodeType="clickEffect" presetClass="entr" presetID="10" presetSubtype="0">
+                                  <p:stCondLst>
+                                    <p:cond delay="0"/>
+                                  </p:stCondLst>
+                                  <p:childTnLst>
+                                    <p:set>
+                                      <p:cBhvr>
+                                        <p:cTn dur="1" fill="hold">
+                                          <p:stCondLst>
+                                            <p:cond delay="0"/>
+                                          </p:stCondLst>
+                                        </p:cTn>
+                                        <p:tgtEl>
+                                          <p:spTgt spid="89"/>
+                                        </p:tgtEl>
+                                        <p:attrNameLst>
+                                          <p:attrName>style.visibility</p:attrName>
+                                        </p:attrNameLst>
+                                      </p:cBhvr>
+                                      <p:to>
+                                        <p:strVal val="visible"/>
+                                      </p:to>
+                                    </p:set>
+                                    <p:animEffect filter="fade" transition="in">
+                                      <p:cBhvr>
+                                        <p:cTn dur="1000"/>
+                                        <p:tgtEl>
+                                          <p:spTgt spid="89"/>
+                                        </p:tgtEl>
+                                      </p:cBhvr>
+                                    </p:animEffect>
+                                  </p:childTnLst>
+                                </p:cTn>
+                              </p:par>
+                              <p:par>
+                                <p:cTn fill="hold" nodeType="withEffect" presetClass="entr" presetID="10" presetSubtype="0">
+                                  <p:stCondLst>
+                                    <p:cond delay="0"/>
+                                  </p:stCondLst>
+                                  <p:childTnLst>
+                                    <p:set>
+                                      <p:cBhvr>
+                                        <p:cTn dur="1" fill="hold">
+                                          <p:stCondLst>
+                                            <p:cond delay="0"/>
+                                          </p:stCondLst>
+                                        </p:cTn>
+                                        <p:tgtEl>
+                                          <p:spTgt spid="93"/>
+                                        </p:tgtEl>
+                                        <p:attrNameLst>
+                                          <p:attrName>style.visibility</p:attrName>
+                                        </p:attrNameLst>
+                                      </p:cBhvr>
+                                      <p:to>
+                                        <p:strVal val="visible"/>
+                                      </p:to>
+                                    </p:set>
+                                    <p:animEffect filter="fade" transition="in">
+                                      <p:cBhvr>
+                                        <p:cTn dur="1000"/>
+                                        <p:tgtEl>
+                                          <p:spTgt spid="93"/>
+                                        </p:tgtEl>
+                                      </p:cBhvr>
+                                    </p:animEffect>
+                                  </p:childTnLst>
+                                </p:cTn>
+                              </p:par>
+                            </p:childTnLst>
+                          </p:cTn>
+                        </p:par>
+                      </p:childTnLst>
+                    </p:cTn>
+                  </p:par>
+                  <p:par>
+                    <p:cTn fill="hold">
+                      <p:stCondLst>
+                        <p:cond delay="indefinite"/>
+                      </p:stCondLst>
+                      <p:childTnLst>
+                        <p:par>
+                          <p:cTn fill="hold">
+                            <p:stCondLst>
+                              <p:cond delay="0"/>
+                            </p:stCondLst>
+                            <p:childTnLst>
+                              <p:par>
+                                <p:cTn fill="hold" nodeType="clickEffect" presetClass="entr" presetID="10" presetSubtype="0">
+                                  <p:stCondLst>
+                                    <p:cond delay="0"/>
+                                  </p:stCondLst>
+                                  <p:childTnLst>
+                                    <p:set>
+                                      <p:cBhvr>
+                                        <p:cTn dur="1" fill="hold">
+                                          <p:stCondLst>
+                                            <p:cond delay="0"/>
+                                          </p:stCondLst>
+                                        </p:cTn>
+                                        <p:tgtEl>
+                                          <p:spTgt spid="90"/>
+                                        </p:tgtEl>
+                                        <p:attrNameLst>
+                                          <p:attrName>style.visibility</p:attrName>
+                                        </p:attrNameLst>
+                                      </p:cBhvr>
+                                      <p:to>
+                                        <p:strVal val="visible"/>
+                                      </p:to>
+                                    </p:set>
+                                    <p:animEffect filter="fade" transition="in">
+                                      <p:cBhvr>
+                                        <p:cTn dur="1000"/>
+                                        <p:tgtEl>
+                                          <p:spTgt spid="90"/>
+                                        </p:tgtEl>
+                                      </p:cBhvr>
+                                    </p:animEffect>
+                                  </p:childTnLst>
+                                </p:cTn>
+                              </p:par>
+                            </p:childTnLst>
+                          </p:cTn>
+                        </p:par>
+                      </p:childTnLst>
+                    </p:cTn>
+                  </p:par>
+                  <p:par>
+                    <p:cTn fill="hold">
+                      <p:stCondLst>
+                        <p:cond delay="indefinite"/>
+                      </p:stCondLst>
+                      <p:childTnLst>
+                        <p:par>
+                          <p:cTn fill="hold">
+                            <p:stCondLst>
+                              <p:cond delay="0"/>
+                            </p:stCondLst>
+                            <p:childTnLst>
+                              <p:par>
+                                <p:cTn fill="hold" nodeType="clickEffect" presetClass="entr" presetID="10" presetSubtype="0">
+                                  <p:stCondLst>
+                                    <p:cond delay="0"/>
+                                  </p:stCondLst>
+                                  <p:childTnLst>
+                                    <p:set>
+                                      <p:cBhvr>
+                                        <p:cTn dur="1" fill="hold">
+                                          <p:stCondLst>
+                                            <p:cond delay="0"/>
+                                          </p:stCondLst>
+                                        </p:cTn>
+                                        <p:tgtEl>
+                                          <p:spTgt spid="91"/>
+                                        </p:tgtEl>
+                                        <p:attrNameLst>
+                                          <p:attrName>style.visibility</p:attrName>
+                                        </p:attrNameLst>
+                                      </p:cBhvr>
+                                      <p:to>
+                                        <p:strVal val="visible"/>
+                                      </p:to>
+                                    </p:set>
+                                    <p:animEffect filter="fade" transition="in">
+                                      <p:cBhvr>
+                                        <p:cTn dur="1000"/>
+                                        <p:tgtEl>
+                                          <p:spTgt spid="91"/>
+                                        </p:tgtEl>
+                                      </p:cBhvr>
+                                    </p:animEffect>
+                                  </p:childTnLst>
+                                </p:cTn>
+                              </p:par>
+                            </p:childTnLst>
+                          </p:cTn>
+                        </p:par>
+                      </p:childTnLst>
+                    </p:cTn>
+                  </p:par>
+                  <p:par>
+                    <p:cTn fill="hold">
+                      <p:stCondLst>
+                        <p:cond delay="indefinite"/>
+                      </p:stCondLst>
+                      <p:childTnLst>
+                        <p:par>
+                          <p:cTn fill="hold">
+                            <p:stCondLst>
+                              <p:cond delay="0"/>
+                            </p:stCondLst>
+                            <p:childTnLst>
+                              <p:par>
+                                <p:cTn fill="hold" nodeType="clickEffect" presetClass="entr" presetID="10" presetSubtype="0">
+                                  <p:stCondLst>
+                                    <p:cond delay="0"/>
+                                  </p:stCondLst>
+                                  <p:childTnLst>
+                                    <p:set>
+                                      <p:cBhvr>
+                                        <p:cTn dur="1" fill="hold">
+                                          <p:stCondLst>
+                                            <p:cond delay="0"/>
+                                          </p:stCondLst>
+                                        </p:cTn>
+                                        <p:tgtEl>
+                                          <p:spTgt spid="92"/>
+                                        </p:tgtEl>
+                                        <p:attrNameLst>
+                                          <p:attrName>style.visibility</p:attrName>
+                                        </p:attrNameLst>
+                                      </p:cBhvr>
+                                      <p:to>
+                                        <p:strVal val="visible"/>
+                                      </p:to>
+                                    </p:set>
+                                    <p:animEffect filter="fade" transition="in">
+                                      <p:cBhvr>
+                                        <p:cTn dur="1000"/>
+                                        <p:tgtEl>
+                                          <p:spTgt spid="92"/>
+                                        </p:tgtEl>
+                                      </p:cBhvr>
+                                    </p:animEffect>
+                                  </p:childTnLst>
+                                </p:cTn>
+                              </p:par>
+                            </p:childTnLst>
+                          </p:cTn>
+                        </p:par>
+                      </p:childTnLst>
+                    </p:cTn>
+                  </p:par>
+                </p:childTnLst>
+              </p:cTn>
+              <p:prevCondLst>
+                <p:cond evt="onPrev">
+                  <p:tgtEl>
+                    <p:sldTgt/>
+                  </p:tgtEl>
+                </p:cond>
+              </p:prevCondLst>
+              <p:nextCondLst>
+                <p:cond evt="onNext">
+                  <p:tgtEl>
+                    <p:sldTgt/>
+                  </p:tgtEl>
+                </p:cond>
+              </p:nextCondLst>
+            </p:seq>
+          </p:childTnLst>
+        </p:cTn>
+      </p:par>
+    </p:tnLst>
+  </p:timing>
+</p:sld>
+</file>
+
+<file path=ppt/slides/slide4.xml><?xml version="1.0" encoding="utf-8"?>
+<p:sld xmlns:a="http://schemas.openxmlformats.org/drawingml/2006/main" xmlns:r="http://schemas.openxmlformats.org/officeDocument/2006/relationships" xmlns:mc="http://schemas.openxmlformats.org/markup-compatibility/2006" xmlns:mv="urn:schemas-microsoft-com:mac:vml" xmlns:p="http://schemas.openxmlformats.org/presentationml/2006/main" xmlns:c="http://schemas.openxmlformats.org/drawingml/2006/chart" xmlns:dgm="http://schemas.openxmlformats.org/drawingml/2006/diagram" xmlns:o="urn:schemas-microsoft-com:office:office" xmlns:v="urn:schemas-microsoft-com:vml" xmlns:pvml="urn:schemas-microsoft-com:office:powerpoint" xmlns:com="http://schemas.openxmlformats.org/drawingml/2006/compatibility" xmlns:p14="http://schemas.microsoft.com/office/powerpoint/2010/main" xmlns:p15="http://schemas.microsoft.com/office/powerpoint/2012/main">
+  <p:cSld>
+    <p:spTree>
+      <p:nvGrpSpPr>
+        <p:cNvPr id="97" name="Shape 97"/>
+        <p:cNvGrpSpPr/>
+        <p:nvPr/>
+      </p:nvGrpSpPr>
+      <p:grpSpPr>
+        <a:xfrm>
+          <a:off x="0" y="0"/>
+          <a:ext cx="0" cy="0"/>
+          <a:chOff x="0" y="0"/>
+          <a:chExt cx="0" cy="0"/>
+        </a:xfrm>
+      </p:grpSpPr>
+      <p:sp>
+        <p:nvSpPr>
+          <p:cNvPr id="98" name="Google Shape;98;p16"/>
+          <p:cNvSpPr/>
+          <p:nvPr/>
+        </p:nvSpPr>
+        <p:spPr>
+          <a:xfrm>
+            <a:off x="-179682" y="-308191"/>
+            <a:ext cx="9647400" cy="1688700"/>
+          </a:xfrm>
+          <a:prstGeom prst="rect">
+            <a:avLst/>
+          </a:prstGeom>
+          <a:solidFill>
+            <a:srgbClr val="002645"/>
+          </a:solidFill>
+          <a:ln>
+            <a:noFill/>
+          </a:ln>
+          <a:effectLst>
+            <a:outerShdw blurRad="50800" rotWithShape="0" dir="5400000" dist="38100">
+              <a:srgbClr val="000000">
+                <a:alpha val="40000"/>
+              </a:srgbClr>
+            </a:outerShdw>
+          </a:effectLst>
+        </p:spPr>
+        <p:txBody>
+          <a:bodyPr anchorCtr="0" anchor="ctr" bIns="34275" lIns="34275" spcFirstLastPara="1" rIns="34275" wrap="square" tIns="34275">
+            <a:noAutofit/>
+          </a:bodyPr>
+          <a:lstStyle/>
+          <a:p>
+            <a:pPr indent="0" lvl="0" marL="0" marR="0" rtl="0" algn="ctr">
+              <a:lnSpc>
+                <a:spcPct val="100000"/>
+              </a:lnSpc>
+              <a:spcBef>
+                <a:spcPts val="0"/>
+              </a:spcBef>
+              <a:spcAft>
+                <a:spcPts val="0"/>
+              </a:spcAft>
+              <a:buClr>
+                <a:srgbClr val="FFFFFF"/>
+              </a:buClr>
+              <a:buSzPts val="1400"/>
+              <a:buFont typeface="Calibri"/>
+              <a:buNone/>
+            </a:pPr>
+            <a:r>
+              <a:t/>
+            </a:r>
+            <a:endParaRPr b="0" i="0" sz="1400" u="none" cap="none" strike="noStrike">
+              <a:solidFill>
+                <a:srgbClr val="FFFFFF"/>
+              </a:solidFill>
+              <a:latin typeface="Calibri"/>
+              <a:ea typeface="Calibri"/>
+              <a:cs typeface="Calibri"/>
+              <a:sym typeface="Calibri"/>
+            </a:endParaRPr>
+          </a:p>
+        </p:txBody>
+      </p:sp>
+      <p:sp>
+        <p:nvSpPr>
+          <p:cNvPr id="99" name="Google Shape;99;p16"/>
+          <p:cNvSpPr/>
+          <p:nvPr/>
+        </p:nvSpPr>
+        <p:spPr>
+          <a:xfrm>
+            <a:off x="228600" y="331700"/>
+            <a:ext cx="8915400" cy="468600"/>
+          </a:xfrm>
+          <a:prstGeom prst="rect">
+            <a:avLst/>
+          </a:prstGeom>
+          <a:noFill/>
+          <a:ln>
+            <a:noFill/>
+          </a:ln>
+        </p:spPr>
+        <p:txBody>
+          <a:bodyPr anchorCtr="0" anchor="t" bIns="34275" lIns="34275" spcFirstLastPara="1" rIns="34275" wrap="square" tIns="34275">
+            <a:noAutofit/>
+          </a:bodyPr>
+          <a:lstStyle/>
+          <a:p>
+            <a:pPr indent="0" lvl="0" marL="0" marR="0" rtl="0" algn="l">
+              <a:lnSpc>
+                <a:spcPct val="100000"/>
+              </a:lnSpc>
+              <a:spcBef>
+                <a:spcPts val="0"/>
+              </a:spcBef>
+              <a:spcAft>
+                <a:spcPts val="0"/>
+              </a:spcAft>
+              <a:buClr>
+                <a:srgbClr val="F2F2F2"/>
+              </a:buClr>
+              <a:buSzPts val="2600"/>
+              <a:buFont typeface="Open Sans"/>
+              <a:buNone/>
+            </a:pPr>
+            <a:r>
+              <a:rPr b="1" lang="en" sz="2300">
+                <a:solidFill>
+                  <a:srgbClr val="F2F2F2"/>
+                </a:solidFill>
+                <a:latin typeface="Open Sans"/>
+                <a:ea typeface="Open Sans"/>
+                <a:cs typeface="Open Sans"/>
+                <a:sym typeface="Open Sans"/>
+              </a:rPr>
+              <a:t>AWS Machine Learning </a:t>
+            </a:r>
+            <a:r>
+              <a:rPr b="1" lang="en" sz="2300">
+                <a:solidFill>
+                  <a:srgbClr val="F2F2F2"/>
+                </a:solidFill>
+                <a:latin typeface="Open Sans"/>
+                <a:ea typeface="Open Sans"/>
+                <a:cs typeface="Open Sans"/>
+                <a:sym typeface="Open Sans"/>
+              </a:rPr>
+              <a:t>Exploratory</a:t>
+            </a:r>
+            <a:r>
+              <a:rPr b="1" lang="en" sz="2300">
+                <a:solidFill>
+                  <a:srgbClr val="F2F2F2"/>
+                </a:solidFill>
+                <a:latin typeface="Open Sans"/>
+                <a:ea typeface="Open Sans"/>
+                <a:cs typeface="Open Sans"/>
+                <a:sym typeface="Open Sans"/>
+              </a:rPr>
+              <a:t> Data Analysis Concepts</a:t>
+            </a:r>
+            <a:endParaRPr sz="2300"/>
+          </a:p>
+        </p:txBody>
+      </p:sp>
+      <p:sp>
+        <p:nvSpPr>
+          <p:cNvPr id="100" name="Google Shape;100;p16"/>
+          <p:cNvSpPr/>
+          <p:nvPr/>
+        </p:nvSpPr>
+        <p:spPr>
+          <a:xfrm>
+            <a:off x="313771" y="843754"/>
+            <a:ext cx="2789700" cy="34200"/>
+          </a:xfrm>
+          <a:prstGeom prst="rect">
+            <a:avLst/>
+          </a:prstGeom>
+          <a:solidFill>
+            <a:srgbClr val="DE6E22"/>
+          </a:solidFill>
+          <a:ln>
+            <a:noFill/>
+          </a:ln>
+        </p:spPr>
+        <p:txBody>
+          <a:bodyPr anchorCtr="0" anchor="ctr" bIns="34275" lIns="34275" spcFirstLastPara="1" rIns="34275" wrap="square" tIns="34275">
+            <a:noAutofit/>
+          </a:bodyPr>
+          <a:lstStyle/>
+          <a:p>
+            <a:pPr indent="0" lvl="0" marL="0" marR="0" rtl="0" algn="ctr">
+              <a:lnSpc>
+                <a:spcPct val="100000"/>
+              </a:lnSpc>
+              <a:spcBef>
+                <a:spcPts val="0"/>
+              </a:spcBef>
+              <a:spcAft>
+                <a:spcPts val="0"/>
+              </a:spcAft>
+              <a:buClr>
+                <a:srgbClr val="FFFFFF"/>
+              </a:buClr>
+              <a:buSzPts val="1400"/>
+              <a:buFont typeface="Calibri"/>
+              <a:buNone/>
+            </a:pPr>
+            <a:r>
+              <a:t/>
+            </a:r>
+            <a:endParaRPr b="0" i="0" sz="1400" u="none" cap="none" strike="noStrike">
+              <a:solidFill>
+                <a:srgbClr val="FFFFFF"/>
+              </a:solidFill>
+              <a:latin typeface="Calibri"/>
+              <a:ea typeface="Calibri"/>
+              <a:cs typeface="Calibri"/>
+              <a:sym typeface="Calibri"/>
+            </a:endParaRPr>
+          </a:p>
+        </p:txBody>
+      </p:sp>
+      <p:sp>
+        <p:nvSpPr>
+          <p:cNvPr id="101" name="Google Shape;101;p16"/>
+          <p:cNvSpPr/>
+          <p:nvPr/>
+        </p:nvSpPr>
+        <p:spPr>
+          <a:xfrm>
+            <a:off x="228600" y="952975"/>
+            <a:ext cx="4144200" cy="335100"/>
+          </a:xfrm>
+          <a:prstGeom prst="rect">
+            <a:avLst/>
+          </a:prstGeom>
+          <a:noFill/>
+          <a:ln>
+            <a:noFill/>
+          </a:ln>
+        </p:spPr>
+        <p:txBody>
+          <a:bodyPr anchorCtr="0" anchor="t" bIns="34275" lIns="34275" spcFirstLastPara="1" rIns="34275" wrap="square" tIns="34275">
+            <a:noAutofit/>
+          </a:bodyPr>
+          <a:lstStyle/>
+          <a:p>
+            <a:pPr indent="0" lvl="0" marL="0" marR="0" rtl="0" algn="l">
+              <a:lnSpc>
+                <a:spcPct val="100000"/>
+              </a:lnSpc>
+              <a:spcBef>
+                <a:spcPts val="0"/>
+              </a:spcBef>
+              <a:spcAft>
+                <a:spcPts val="0"/>
+              </a:spcAft>
+              <a:buClr>
+                <a:srgbClr val="D9D9D9"/>
+              </a:buClr>
+              <a:buSzPts val="1700"/>
+              <a:buFont typeface="Open Sans"/>
+              <a:buNone/>
+            </a:pPr>
+            <a:r>
+              <a:t/>
+            </a:r>
+            <a:endParaRPr sz="1100"/>
+          </a:p>
+        </p:txBody>
+      </p:sp>
+      <p:pic>
+        <p:nvPicPr>
+          <p:cNvPr id="102" name="Google Shape;102;p16"/>
+          <p:cNvPicPr preferRelativeResize="0"/>
+          <p:nvPr/>
+        </p:nvPicPr>
+        <p:blipFill>
+          <a:blip r:embed="rId3">
+            <a:alphaModFix/>
+          </a:blip>
+          <a:stretch>
+            <a:fillRect/>
+          </a:stretch>
+        </p:blipFill>
+        <p:spPr>
+          <a:xfrm>
+            <a:off x="8325525" y="4593059"/>
+            <a:ext cx="752475" cy="495300"/>
+          </a:xfrm>
+          <a:prstGeom prst="rect">
+            <a:avLst/>
+          </a:prstGeom>
+          <a:noFill/>
+          <a:ln>
+            <a:noFill/>
+          </a:ln>
+        </p:spPr>
+      </p:pic>
+      <p:sp>
+        <p:nvSpPr>
+          <p:cNvPr id="103" name="Google Shape;103;p16"/>
+          <p:cNvSpPr txBox="1"/>
+          <p:nvPr/>
+        </p:nvSpPr>
+        <p:spPr>
+          <a:xfrm>
+            <a:off x="460275" y="1726025"/>
+            <a:ext cx="6627900" cy="468600"/>
+          </a:xfrm>
+          <a:prstGeom prst="rect">
+            <a:avLst/>
+          </a:prstGeom>
+          <a:noFill/>
+          <a:ln>
+            <a:noFill/>
+          </a:ln>
+        </p:spPr>
+        <p:txBody>
+          <a:bodyPr anchorCtr="0" anchor="t" bIns="91425" lIns="91425" spcFirstLastPara="1" rIns="91425" wrap="square" tIns="91425">
+            <a:noAutofit/>
+          </a:bodyPr>
+          <a:lstStyle/>
+          <a:p>
+            <a:pPr indent="-317500" lvl="0" marL="457200" rtl="0" algn="l">
+              <a:spcBef>
+                <a:spcPts val="0"/>
+              </a:spcBef>
+              <a:spcAft>
+                <a:spcPts val="0"/>
+              </a:spcAft>
+              <a:buSzPts val="1400"/>
+              <a:buChar char="●"/>
+            </a:pPr>
+            <a:r>
+              <a:rPr lang="en"/>
+              <a:t>Basic data analysis concepts and terminology</a:t>
+            </a:r>
+            <a:endParaRPr/>
+          </a:p>
+        </p:txBody>
+      </p:sp>
+      <p:sp>
+        <p:nvSpPr>
+          <p:cNvPr id="104" name="Google Shape;104;p16"/>
+          <p:cNvSpPr txBox="1"/>
+          <p:nvPr/>
+        </p:nvSpPr>
+        <p:spPr>
+          <a:xfrm>
+            <a:off x="460275" y="2068875"/>
+            <a:ext cx="6627900" cy="468600"/>
+          </a:xfrm>
+          <a:prstGeom prst="rect">
+            <a:avLst/>
+          </a:prstGeom>
+          <a:noFill/>
+          <a:ln>
+            <a:noFill/>
+          </a:ln>
+        </p:spPr>
+        <p:txBody>
+          <a:bodyPr anchorCtr="0" anchor="t" bIns="91425" lIns="91425" spcFirstLastPara="1" rIns="91425" wrap="square" tIns="91425">
+            <a:noAutofit/>
+          </a:bodyPr>
+          <a:lstStyle/>
+          <a:p>
+            <a:pPr indent="-317500" lvl="0" marL="457200" rtl="0" algn="l">
+              <a:spcBef>
+                <a:spcPts val="0"/>
+              </a:spcBef>
+              <a:spcAft>
+                <a:spcPts val="0"/>
+              </a:spcAft>
+              <a:buSzPts val="1400"/>
+              <a:buChar char="●"/>
+            </a:pPr>
+            <a:r>
+              <a:rPr lang="en"/>
+              <a:t>Kinesis Data Streams</a:t>
+            </a:r>
+            <a:endParaRPr/>
+          </a:p>
+        </p:txBody>
+      </p:sp>
+      <p:sp>
+        <p:nvSpPr>
+          <p:cNvPr id="105" name="Google Shape;105;p16"/>
+          <p:cNvSpPr txBox="1"/>
+          <p:nvPr/>
+        </p:nvSpPr>
+        <p:spPr>
+          <a:xfrm>
+            <a:off x="460275" y="2411725"/>
+            <a:ext cx="7143000" cy="468600"/>
+          </a:xfrm>
+          <a:prstGeom prst="rect">
+            <a:avLst/>
+          </a:prstGeom>
+          <a:noFill/>
+          <a:ln>
+            <a:noFill/>
+          </a:ln>
+        </p:spPr>
+        <p:txBody>
+          <a:bodyPr anchorCtr="0" anchor="t" bIns="91425" lIns="91425" spcFirstLastPara="1" rIns="91425" wrap="square" tIns="91425">
+            <a:noAutofit/>
+          </a:bodyPr>
+          <a:lstStyle/>
+          <a:p>
+            <a:pPr indent="-317500" lvl="0" marL="457200" rtl="0" algn="l">
+              <a:spcBef>
+                <a:spcPts val="0"/>
+              </a:spcBef>
+              <a:spcAft>
+                <a:spcPts val="0"/>
+              </a:spcAft>
+              <a:buSzPts val="1400"/>
+              <a:buChar char="●"/>
+            </a:pPr>
+            <a:r>
+              <a:rPr lang="en"/>
+              <a:t>Kinesis Data Firehose</a:t>
+            </a:r>
+            <a:endParaRPr/>
+          </a:p>
+        </p:txBody>
+      </p:sp>
+      <p:sp>
+        <p:nvSpPr>
+          <p:cNvPr id="106" name="Google Shape;106;p16"/>
+          <p:cNvSpPr txBox="1"/>
+          <p:nvPr/>
+        </p:nvSpPr>
+        <p:spPr>
+          <a:xfrm>
+            <a:off x="460275" y="2754575"/>
+            <a:ext cx="7143000" cy="468600"/>
+          </a:xfrm>
+          <a:prstGeom prst="rect">
+            <a:avLst/>
+          </a:prstGeom>
+          <a:noFill/>
+          <a:ln>
+            <a:noFill/>
+          </a:ln>
+        </p:spPr>
+        <p:txBody>
+          <a:bodyPr anchorCtr="0" anchor="t" bIns="91425" lIns="91425" spcFirstLastPara="1" rIns="91425" wrap="square" tIns="91425">
+            <a:noAutofit/>
+          </a:bodyPr>
+          <a:lstStyle/>
+          <a:p>
+            <a:pPr indent="-317500" lvl="0" marL="457200" rtl="0" algn="l">
+              <a:spcBef>
+                <a:spcPts val="0"/>
+              </a:spcBef>
+              <a:spcAft>
+                <a:spcPts val="0"/>
+              </a:spcAft>
+              <a:buSzPts val="1400"/>
+              <a:buChar char="●"/>
+            </a:pPr>
+            <a:r>
+              <a:rPr lang="en"/>
+              <a:t>Kinesis Video Streams</a:t>
+            </a:r>
+            <a:endParaRPr/>
+          </a:p>
+        </p:txBody>
+      </p:sp>
+      <p:sp>
+        <p:nvSpPr>
+          <p:cNvPr id="107" name="Google Shape;107;p16"/>
+          <p:cNvSpPr txBox="1"/>
+          <p:nvPr/>
+        </p:nvSpPr>
+        <p:spPr>
+          <a:xfrm>
+            <a:off x="460275" y="3097425"/>
+            <a:ext cx="7143000" cy="468600"/>
+          </a:xfrm>
+          <a:prstGeom prst="rect">
+            <a:avLst/>
+          </a:prstGeom>
+          <a:noFill/>
+          <a:ln>
+            <a:noFill/>
+          </a:ln>
+        </p:spPr>
+        <p:txBody>
+          <a:bodyPr anchorCtr="0" anchor="t" bIns="91425" lIns="91425" spcFirstLastPara="1" rIns="91425" wrap="square" tIns="91425">
+            <a:noAutofit/>
+          </a:bodyPr>
+          <a:lstStyle/>
+          <a:p>
+            <a:pPr indent="-317500" lvl="0" marL="457200" rtl="0" algn="l">
+              <a:spcBef>
+                <a:spcPts val="0"/>
+              </a:spcBef>
+              <a:spcAft>
+                <a:spcPts val="0"/>
+              </a:spcAft>
+              <a:buSzPts val="1400"/>
+              <a:buChar char="●"/>
+            </a:pPr>
+            <a:r>
+              <a:rPr lang="en"/>
+              <a:t>Kinesis Data Analytics</a:t>
+            </a:r>
+            <a:endParaRPr/>
+          </a:p>
+        </p:txBody>
+      </p:sp>
+      <p:sp>
+        <p:nvSpPr>
+          <p:cNvPr id="108" name="Google Shape;108;p16"/>
+          <p:cNvSpPr txBox="1"/>
+          <p:nvPr/>
+        </p:nvSpPr>
+        <p:spPr>
+          <a:xfrm>
+            <a:off x="460275" y="3440275"/>
+            <a:ext cx="7143000" cy="468600"/>
+          </a:xfrm>
+          <a:prstGeom prst="rect">
+            <a:avLst/>
+          </a:prstGeom>
+          <a:noFill/>
+          <a:ln>
+            <a:noFill/>
+          </a:ln>
+        </p:spPr>
+        <p:txBody>
+          <a:bodyPr anchorCtr="0" anchor="t" bIns="91425" lIns="91425" spcFirstLastPara="1" rIns="91425" wrap="square" tIns="91425">
+            <a:noAutofit/>
+          </a:bodyPr>
+          <a:lstStyle/>
+          <a:p>
+            <a:pPr indent="-317500" lvl="0" marL="457200" rtl="0" algn="l">
+              <a:spcBef>
+                <a:spcPts val="0"/>
+              </a:spcBef>
+              <a:spcAft>
+                <a:spcPts val="0"/>
+              </a:spcAft>
+              <a:buSzPts val="1400"/>
+              <a:buChar char="●"/>
+            </a:pPr>
+            <a:r>
+              <a:rPr lang="en"/>
+              <a:t>Sanitize and prepare data for modeling</a:t>
+            </a:r>
+            <a:endParaRPr/>
+          </a:p>
+        </p:txBody>
+      </p:sp>
+      <p:sp>
+        <p:nvSpPr>
+          <p:cNvPr id="109" name="Google Shape;109;p16"/>
+          <p:cNvSpPr txBox="1"/>
+          <p:nvPr/>
+        </p:nvSpPr>
+        <p:spPr>
+          <a:xfrm>
+            <a:off x="460275" y="3783125"/>
+            <a:ext cx="7143000" cy="468600"/>
+          </a:xfrm>
+          <a:prstGeom prst="rect">
+            <a:avLst/>
+          </a:prstGeom>
+          <a:noFill/>
+          <a:ln>
+            <a:noFill/>
+          </a:ln>
+        </p:spPr>
+        <p:txBody>
+          <a:bodyPr anchorCtr="0" anchor="t" bIns="91425" lIns="91425" spcFirstLastPara="1" rIns="91425" wrap="square" tIns="91425">
+            <a:noAutofit/>
+          </a:bodyPr>
+          <a:lstStyle/>
+          <a:p>
+            <a:pPr indent="-317500" lvl="0" marL="457200" rtl="0" algn="l">
+              <a:spcBef>
+                <a:spcPts val="0"/>
+              </a:spcBef>
+              <a:spcAft>
+                <a:spcPts val="0"/>
+              </a:spcAft>
+              <a:buSzPts val="1400"/>
+              <a:buChar char="●"/>
+            </a:pPr>
+            <a:r>
+              <a:rPr lang="en"/>
+              <a:t>Feature engineering</a:t>
+            </a:r>
+            <a:endParaRPr/>
+          </a:p>
+        </p:txBody>
+      </p:sp>
+      <p:sp>
+        <p:nvSpPr>
+          <p:cNvPr id="110" name="Google Shape;110;p16"/>
+          <p:cNvSpPr txBox="1"/>
+          <p:nvPr/>
+        </p:nvSpPr>
+        <p:spPr>
+          <a:xfrm>
+            <a:off x="460275" y="4125975"/>
+            <a:ext cx="7143000" cy="468600"/>
+          </a:xfrm>
+          <a:prstGeom prst="rect">
+            <a:avLst/>
+          </a:prstGeom>
+          <a:noFill/>
+          <a:ln>
+            <a:noFill/>
+          </a:ln>
+        </p:spPr>
+        <p:txBody>
+          <a:bodyPr anchorCtr="0" anchor="t" bIns="91425" lIns="91425" spcFirstLastPara="1" rIns="91425" wrap="square" tIns="91425">
+            <a:noAutofit/>
+          </a:bodyPr>
+          <a:lstStyle/>
+          <a:p>
+            <a:pPr indent="-317500" lvl="0" marL="457200" rtl="0" algn="l">
+              <a:spcBef>
+                <a:spcPts val="0"/>
+              </a:spcBef>
+              <a:spcAft>
+                <a:spcPts val="0"/>
+              </a:spcAft>
+              <a:buSzPts val="1400"/>
+              <a:buChar char="●"/>
+            </a:pPr>
+            <a:r>
+              <a:rPr lang="en"/>
+              <a:t>Visualize data for machine learning</a:t>
+            </a:r>
+            <a:endParaRPr/>
+          </a:p>
+        </p:txBody>
+      </p:sp>
+      <p:pic>
+        <p:nvPicPr>
+          <p:cNvPr id="111" name="Google Shape;111;p16"/>
+          <p:cNvPicPr preferRelativeResize="0"/>
+          <p:nvPr/>
+        </p:nvPicPr>
+        <p:blipFill>
+          <a:blip r:embed="rId4">
+            <a:alphaModFix/>
+          </a:blip>
+          <a:stretch>
+            <a:fillRect/>
+          </a:stretch>
+        </p:blipFill>
+        <p:spPr>
+          <a:xfrm>
+            <a:off x="4817700" y="1549359"/>
+            <a:ext cx="1019175" cy="1247775"/>
+          </a:xfrm>
+          <a:prstGeom prst="rect">
+            <a:avLst/>
+          </a:prstGeom>
+          <a:noFill/>
+          <a:ln>
+            <a:noFill/>
+          </a:ln>
+        </p:spPr>
+      </p:pic>
+      <p:pic>
+        <p:nvPicPr>
+          <p:cNvPr id="112" name="Google Shape;112;p16"/>
+          <p:cNvPicPr preferRelativeResize="0"/>
+          <p:nvPr/>
+        </p:nvPicPr>
+        <p:blipFill>
+          <a:blip r:embed="rId5">
+            <a:alphaModFix/>
+          </a:blip>
+          <a:stretch>
+            <a:fillRect/>
+          </a:stretch>
+        </p:blipFill>
+        <p:spPr>
+          <a:xfrm>
+            <a:off x="6126200" y="2194634"/>
+            <a:ext cx="1019175" cy="1247775"/>
+          </a:xfrm>
+          <a:prstGeom prst="rect">
+            <a:avLst/>
+          </a:prstGeom>
+          <a:noFill/>
+          <a:ln>
+            <a:noFill/>
+          </a:ln>
+        </p:spPr>
+      </p:pic>
+      <p:pic>
+        <p:nvPicPr>
+          <p:cNvPr id="113" name="Google Shape;113;p16"/>
+          <p:cNvPicPr preferRelativeResize="0"/>
+          <p:nvPr/>
+        </p:nvPicPr>
+        <p:blipFill>
+          <a:blip r:embed="rId6">
+            <a:alphaModFix/>
+          </a:blip>
+          <a:stretch>
+            <a:fillRect/>
+          </a:stretch>
+        </p:blipFill>
+        <p:spPr>
+          <a:xfrm>
+            <a:off x="4572000" y="2797134"/>
+            <a:ext cx="1019175" cy="1247775"/>
+          </a:xfrm>
+          <a:prstGeom prst="rect">
+            <a:avLst/>
+          </a:prstGeom>
+          <a:noFill/>
+          <a:ln>
+            <a:noFill/>
+          </a:ln>
+        </p:spPr>
+      </p:pic>
+      <p:pic>
+        <p:nvPicPr>
+          <p:cNvPr id="114" name="Google Shape;114;p16"/>
+          <p:cNvPicPr preferRelativeResize="0"/>
+          <p:nvPr/>
+        </p:nvPicPr>
+        <p:blipFill>
+          <a:blip r:embed="rId7">
+            <a:alphaModFix/>
+          </a:blip>
+          <a:stretch>
+            <a:fillRect/>
+          </a:stretch>
+        </p:blipFill>
+        <p:spPr>
+          <a:xfrm>
+            <a:off x="7204300" y="2880334"/>
+            <a:ext cx="1019175" cy="1247775"/>
+          </a:xfrm>
+          <a:prstGeom prst="rect">
+            <a:avLst/>
+          </a:prstGeom>
+          <a:noFill/>
+          <a:ln>
+            <a:noFill/>
+          </a:ln>
+        </p:spPr>
+      </p:pic>
+      <p:pic>
+        <p:nvPicPr>
+          <p:cNvPr id="115" name="Google Shape;115;p16"/>
+          <p:cNvPicPr preferRelativeResize="0"/>
+          <p:nvPr/>
+        </p:nvPicPr>
+        <p:blipFill>
+          <a:blip r:embed="rId8">
+            <a:alphaModFix/>
+          </a:blip>
+          <a:stretch>
+            <a:fillRect/>
+          </a:stretch>
+        </p:blipFill>
+        <p:spPr>
+          <a:xfrm>
+            <a:off x="5479300" y="3566013"/>
+            <a:ext cx="1543050" cy="1323975"/>
+          </a:xfrm>
+          <a:prstGeom prst="rect">
+            <a:avLst/>
+          </a:prstGeom>
+          <a:noFill/>
+          <a:ln>
+            <a:noFill/>
+          </a:ln>
+        </p:spPr>
+      </p:pic>
+    </p:spTree>
+  </p:cSld>
+  <p:clrMapOvr>
+    <a:masterClrMapping/>
+  </p:clrMapOvr>
+  <p:timing>
+    <p:tnLst>
+      <p:par>
+        <p:cTn dur="indefinite" nodeType="tmRoot" restart="never">
+          <p:childTnLst>
+            <p:seq concurrent="1" nextAc="seek">
+              <p:cTn dur="indefinite" id="2" nodeType="mainSeq">
+                <p:childTnLst>
+                  <p:par>
+                    <p:cTn fill="hold">
+                      <p:stCondLst>
+                        <p:cond delay="indefinite"/>
+                      </p:stCondLst>
+                      <p:childTnLst>
+                        <p:par>
+                          <p:cTn fill="hold">
+                            <p:stCondLst>
+                              <p:cond delay="0"/>
+                            </p:stCondLst>
+                            <p:childTnLst>
+                              <p:par>
+                                <p:cTn fill="hold" nodeType="clickEffect" presetClass="entr" presetID="10" presetSubtype="0">
+                                  <p:stCondLst>
+                                    <p:cond delay="0"/>
+                                  </p:stCondLst>
+                                  <p:childTnLst>
+                                    <p:set>
+                                      <p:cBhvr>
+                                        <p:cTn dur="1" fill="hold">
+                                          <p:stCondLst>
+                                            <p:cond delay="0"/>
+                                          </p:stCondLst>
+                                        </p:cTn>
+                                        <p:tgtEl>
+                                          <p:spTgt spid="103"/>
+                                        </p:tgtEl>
+                                        <p:attrNameLst>
+                                          <p:attrName>style.visibility</p:attrName>
+                                        </p:attrNameLst>
+                                      </p:cBhvr>
+                                      <p:to>
+                                        <p:strVal val="visible"/>
+                                      </p:to>
+                                    </p:set>
+                                    <p:animEffect filter="fade" transition="in">
+                                      <p:cBhvr>
+                                        <p:cTn dur="1000"/>
+                                        <p:tgtEl>
+                                          <p:spTgt spid="103"/>
+                                        </p:tgtEl>
+                                      </p:cBhvr>
+                                    </p:animEffect>
+                                  </p:childTnLst>
+                                </p:cTn>
+                              </p:par>
+                            </p:childTnLst>
+                          </p:cTn>
+                        </p:par>
+                      </p:childTnLst>
+                    </p:cTn>
+                  </p:par>
+                  <p:par>
+                    <p:cTn fill="hold">
+                      <p:stCondLst>
+                        <p:cond delay="indefinite"/>
+                      </p:stCondLst>
+                      <p:childTnLst>
+                        <p:par>
+                          <p:cTn fill="hold">
+                            <p:stCondLst>
+                              <p:cond delay="0"/>
+                            </p:stCondLst>
+                            <p:childTnLst>
+                              <p:par>
+                                <p:cTn fill="hold" nodeType="clickEffect" presetClass="entr" presetID="10" presetSubtype="0">
+                                  <p:stCondLst>
+                                    <p:cond delay="0"/>
+                                  </p:stCondLst>
+                                  <p:childTnLst>
+                                    <p:set>
+                                      <p:cBhvr>
+                                        <p:cTn dur="1" fill="hold">
+                                          <p:stCondLst>
+                                            <p:cond delay="0"/>
+                                          </p:stCondLst>
+                                        </p:cTn>
+                                        <p:tgtEl>
+                                          <p:spTgt spid="104"/>
+                                        </p:tgtEl>
+                                        <p:attrNameLst>
+                                          <p:attrName>style.visibility</p:attrName>
+                                        </p:attrNameLst>
+                                      </p:cBhvr>
+                                      <p:to>
+                                        <p:strVal val="visible"/>
+                                      </p:to>
+                                    </p:set>
+                                    <p:animEffect filter="fade" transition="in">
+                                      <p:cBhvr>
+                                        <p:cTn dur="1000"/>
+                                        <p:tgtEl>
+                                          <p:spTgt spid="104"/>
+                                        </p:tgtEl>
+                                      </p:cBhvr>
+                                    </p:animEffect>
+                                  </p:childTnLst>
+                                </p:cTn>
+                              </p:par>
+                              <p:par>
+                                <p:cTn fill="hold" nodeType="withEffect" presetClass="entr" presetID="10" presetSubtype="0">
+                                  <p:stCondLst>
+                                    <p:cond delay="0"/>
+                                  </p:stCondLst>
+                                  <p:childTnLst>
+                                    <p:set>
+                                      <p:cBhvr>
+                                        <p:cTn dur="1" fill="hold">
+                                          <p:stCondLst>
+                                            <p:cond delay="0"/>
+                                          </p:stCondLst>
+                                        </p:cTn>
+                                        <p:tgtEl>
+                                          <p:spTgt spid="111"/>
+                                        </p:tgtEl>
+                                        <p:attrNameLst>
+                                          <p:attrName>style.visibility</p:attrName>
+                                        </p:attrNameLst>
+                                      </p:cBhvr>
+                                      <p:to>
+                                        <p:strVal val="visible"/>
+                                      </p:to>
+                                    </p:set>
+                                    <p:animEffect filter="fade" transition="in">
+                                      <p:cBhvr>
+                                        <p:cTn dur="1000"/>
+                                        <p:tgtEl>
+                                          <p:spTgt spid="111"/>
+                                        </p:tgtEl>
+                                      </p:cBhvr>
+                                    </p:animEffect>
+                                  </p:childTnLst>
+                                </p:cTn>
+                              </p:par>
+                            </p:childTnLst>
+                          </p:cTn>
+                        </p:par>
+                      </p:childTnLst>
+                    </p:cTn>
+                  </p:par>
+                  <p:par>
+                    <p:cTn fill="hold">
+                      <p:stCondLst>
+                        <p:cond delay="indefinite"/>
+                      </p:stCondLst>
+                      <p:childTnLst>
+                        <p:par>
+                          <p:cTn fill="hold">
+                            <p:stCondLst>
+                              <p:cond delay="0"/>
+                            </p:stCondLst>
+                            <p:childTnLst>
+                              <p:par>
+                                <p:cTn fill="hold" nodeType="clickEffect" presetClass="entr" presetID="10" presetSubtype="0">
+                                  <p:stCondLst>
+                                    <p:cond delay="0"/>
+                                  </p:stCondLst>
+                                  <p:childTnLst>
+                                    <p:set>
+                                      <p:cBhvr>
+                                        <p:cTn dur="1" fill="hold">
+                                          <p:stCondLst>
+                                            <p:cond delay="0"/>
+                                          </p:stCondLst>
+                                        </p:cTn>
+                                        <p:tgtEl>
+                                          <p:spTgt spid="105"/>
+                                        </p:tgtEl>
+                                        <p:attrNameLst>
+                                          <p:attrName>style.visibility</p:attrName>
+                                        </p:attrNameLst>
+                                      </p:cBhvr>
+                                      <p:to>
+                                        <p:strVal val="visible"/>
+                                      </p:to>
+                                    </p:set>
+                                    <p:animEffect filter="fade" transition="in">
+                                      <p:cBhvr>
+                                        <p:cTn dur="1000"/>
+                                        <p:tgtEl>
+                                          <p:spTgt spid="105"/>
+                                        </p:tgtEl>
+                                      </p:cBhvr>
+                                    </p:animEffect>
+                                  </p:childTnLst>
+                                </p:cTn>
+                              </p:par>
+                              <p:par>
+                                <p:cTn fill="hold" nodeType="withEffect" presetClass="entr" presetID="10" presetSubtype="0">
+                                  <p:stCondLst>
+                                    <p:cond delay="0"/>
+                                  </p:stCondLst>
+                                  <p:childTnLst>
+                                    <p:set>
+                                      <p:cBhvr>
+                                        <p:cTn dur="1" fill="hold">
+                                          <p:stCondLst>
+                                            <p:cond delay="0"/>
+                                          </p:stCondLst>
+                                        </p:cTn>
+                                        <p:tgtEl>
+                                          <p:spTgt spid="112"/>
+                                        </p:tgtEl>
+                                        <p:attrNameLst>
+                                          <p:attrName>style.visibility</p:attrName>
+                                        </p:attrNameLst>
+                                      </p:cBhvr>
+                                      <p:to>
+                                        <p:strVal val="visible"/>
+                                      </p:to>
+                                    </p:set>
+                                    <p:animEffect filter="fade" transition="in">
+                                      <p:cBhvr>
+                                        <p:cTn dur="1000"/>
+                                        <p:tgtEl>
+                                          <p:spTgt spid="112"/>
+                                        </p:tgtEl>
+                                      </p:cBhvr>
+                                    </p:animEffect>
+                                  </p:childTnLst>
+                                </p:cTn>
+                              </p:par>
+                            </p:childTnLst>
+                          </p:cTn>
+                        </p:par>
+                      </p:childTnLst>
+                    </p:cTn>
+                  </p:par>
+                  <p:par>
+                    <p:cTn fill="hold">
+                      <p:stCondLst>
+                        <p:cond delay="indefinite"/>
+                      </p:stCondLst>
+                      <p:childTnLst>
+                        <p:par>
+                          <p:cTn fill="hold">
+                            <p:stCondLst>
+                              <p:cond delay="0"/>
+                            </p:stCondLst>
+                            <p:childTnLst>
+                              <p:par>
+                                <p:cTn fill="hold" nodeType="clickEffect" presetClass="entr" presetID="10" presetSubtype="0">
+                                  <p:stCondLst>
+                                    <p:cond delay="0"/>
+                                  </p:stCondLst>
+                                  <p:childTnLst>
+                                    <p:set>
+                                      <p:cBhvr>
+                                        <p:cTn dur="1" fill="hold">
+                                          <p:stCondLst>
+                                            <p:cond delay="0"/>
+                                          </p:stCondLst>
+                                        </p:cTn>
+                                        <p:tgtEl>
+                                          <p:spTgt spid="106"/>
+                                        </p:tgtEl>
+                                        <p:attrNameLst>
+                                          <p:attrName>style.visibility</p:attrName>
+                                        </p:attrNameLst>
+                                      </p:cBhvr>
+                                      <p:to>
+                                        <p:strVal val="visible"/>
+                                      </p:to>
+                                    </p:set>
+                                    <p:animEffect filter="fade" transition="in">
+                                      <p:cBhvr>
+                                        <p:cTn dur="1000"/>
+                                        <p:tgtEl>
+                                          <p:spTgt spid="106"/>
+                                        </p:tgtEl>
+                                      </p:cBhvr>
+                                    </p:animEffect>
+                                  </p:childTnLst>
+                                </p:cTn>
+                              </p:par>
+                              <p:par>
+                                <p:cTn fill="hold" nodeType="withEffect" presetClass="entr" presetID="10" presetSubtype="0">
+                                  <p:stCondLst>
+                                    <p:cond delay="0"/>
+                                  </p:stCondLst>
+                                  <p:childTnLst>
+                                    <p:set>
+                                      <p:cBhvr>
+                                        <p:cTn dur="1" fill="hold">
+                                          <p:stCondLst>
+                                            <p:cond delay="0"/>
+                                          </p:stCondLst>
+                                        </p:cTn>
+                                        <p:tgtEl>
+                                          <p:spTgt spid="113"/>
+                                        </p:tgtEl>
+                                        <p:attrNameLst>
+                                          <p:attrName>style.visibility</p:attrName>
+                                        </p:attrNameLst>
+                                      </p:cBhvr>
+                                      <p:to>
+                                        <p:strVal val="visible"/>
+                                      </p:to>
+                                    </p:set>
+                                    <p:animEffect filter="fade" transition="in">
+                                      <p:cBhvr>
+                                        <p:cTn dur="1000"/>
+                                        <p:tgtEl>
+                                          <p:spTgt spid="113"/>
+                                        </p:tgtEl>
+                                      </p:cBhvr>
+                                    </p:animEffect>
+                                  </p:childTnLst>
+                                </p:cTn>
+                              </p:par>
+                            </p:childTnLst>
+                          </p:cTn>
+                        </p:par>
+                      </p:childTnLst>
+                    </p:cTn>
+                  </p:par>
+                  <p:par>
+                    <p:cTn fill="hold">
+                      <p:stCondLst>
+                        <p:cond delay="indefinite"/>
+                      </p:stCondLst>
+                      <p:childTnLst>
+                        <p:par>
+                          <p:cTn fill="hold">
+                            <p:stCondLst>
+                              <p:cond delay="0"/>
+                            </p:stCondLst>
+                            <p:childTnLst>
+                              <p:par>
+                                <p:cTn fill="hold" nodeType="clickEffect" presetClass="entr" presetID="10" presetSubtype="0">
+                                  <p:stCondLst>
+                                    <p:cond delay="0"/>
+                                  </p:stCondLst>
+                                  <p:childTnLst>
+                                    <p:set>
+                                      <p:cBhvr>
+                                        <p:cTn dur="1" fill="hold">
+                                          <p:stCondLst>
+                                            <p:cond delay="0"/>
+                                          </p:stCondLst>
+                                        </p:cTn>
+                                        <p:tgtEl>
+                                          <p:spTgt spid="107"/>
+                                        </p:tgtEl>
+                                        <p:attrNameLst>
+                                          <p:attrName>style.visibility</p:attrName>
+                                        </p:attrNameLst>
+                                      </p:cBhvr>
+                                      <p:to>
+                                        <p:strVal val="visible"/>
+                                      </p:to>
+                                    </p:set>
+                                    <p:animEffect filter="fade" transition="in">
+                                      <p:cBhvr>
+                                        <p:cTn dur="1000"/>
+                                        <p:tgtEl>
+                                          <p:spTgt spid="107"/>
+                                        </p:tgtEl>
+                                      </p:cBhvr>
+                                    </p:animEffect>
+                                  </p:childTnLst>
+                                </p:cTn>
+                              </p:par>
+                              <p:par>
+                                <p:cTn fill="hold" nodeType="withEffect" presetClass="entr" presetID="10" presetSubtype="0">
+                                  <p:stCondLst>
+                                    <p:cond delay="0"/>
+                                  </p:stCondLst>
+                                  <p:childTnLst>
+                                    <p:set>
+                                      <p:cBhvr>
+                                        <p:cTn dur="1" fill="hold">
+                                          <p:stCondLst>
+                                            <p:cond delay="0"/>
+                                          </p:stCondLst>
+                                        </p:cTn>
+                                        <p:tgtEl>
+                                          <p:spTgt spid="114"/>
+                                        </p:tgtEl>
+                                        <p:attrNameLst>
+                                          <p:attrName>style.visibility</p:attrName>
+                                        </p:attrNameLst>
+                                      </p:cBhvr>
+                                      <p:to>
+                                        <p:strVal val="visible"/>
+                                      </p:to>
+                                    </p:set>
+                                    <p:animEffect filter="fade" transition="in">
+                                      <p:cBhvr>
+                                        <p:cTn dur="1000"/>
+                                        <p:tgtEl>
+                                          <p:spTgt spid="114"/>
+                                        </p:tgtEl>
+                                      </p:cBhvr>
+                                    </p:animEffect>
+                                  </p:childTnLst>
+                                </p:cTn>
+                              </p:par>
+                            </p:childTnLst>
+                          </p:cTn>
+                        </p:par>
+                      </p:childTnLst>
+                    </p:cTn>
+                  </p:par>
+                  <p:par>
+                    <p:cTn fill="hold">
+                      <p:stCondLst>
+                        <p:cond delay="indefinite"/>
+                      </p:stCondLst>
+                      <p:childTnLst>
+                        <p:par>
+                          <p:cTn fill="hold">
+                            <p:stCondLst>
+                              <p:cond delay="0"/>
+                            </p:stCondLst>
+                            <p:childTnLst>
+                              <p:par>
+                                <p:cTn fill="hold" nodeType="clickEffect" presetClass="entr" presetID="10" presetSubtype="0">
+                                  <p:stCondLst>
+                                    <p:cond delay="0"/>
+                                  </p:stCondLst>
+                                  <p:childTnLst>
+                                    <p:set>
+                                      <p:cBhvr>
+                                        <p:cTn dur="1" fill="hold">
+                                          <p:stCondLst>
+                                            <p:cond delay="0"/>
+                                          </p:stCondLst>
+                                        </p:cTn>
+                                        <p:tgtEl>
+                                          <p:spTgt spid="108"/>
+                                        </p:tgtEl>
+                                        <p:attrNameLst>
+                                          <p:attrName>style.visibility</p:attrName>
+                                        </p:attrNameLst>
+                                      </p:cBhvr>
+                                      <p:to>
+                                        <p:strVal val="visible"/>
+                                      </p:to>
+                                    </p:set>
+                                    <p:animEffect filter="fade" transition="in">
+                                      <p:cBhvr>
+                                        <p:cTn dur="1000"/>
+                                        <p:tgtEl>
+                                          <p:spTgt spid="108"/>
+                                        </p:tgtEl>
+                                      </p:cBhvr>
+                                    </p:animEffect>
+                                  </p:childTnLst>
+                                </p:cTn>
+                              </p:par>
+                            </p:childTnLst>
+                          </p:cTn>
+                        </p:par>
+                      </p:childTnLst>
+                    </p:cTn>
+                  </p:par>
+                  <p:par>
+                    <p:cTn fill="hold">
+                      <p:stCondLst>
+                        <p:cond delay="indefinite"/>
+                      </p:stCondLst>
+                      <p:childTnLst>
+                        <p:par>
+                          <p:cTn fill="hold">
+                            <p:stCondLst>
+                              <p:cond delay="0"/>
+                            </p:stCondLst>
+                            <p:childTnLst>
+                              <p:par>
+                                <p:cTn fill="hold" nodeType="clickEffect" presetClass="entr" presetID="10" presetSubtype="0">
+                                  <p:stCondLst>
+                                    <p:cond delay="0"/>
+                                  </p:stCondLst>
+                                  <p:childTnLst>
+                                    <p:set>
+                                      <p:cBhvr>
+                                        <p:cTn dur="1" fill="hold">
+                                          <p:stCondLst>
+                                            <p:cond delay="0"/>
+                                          </p:stCondLst>
+                                        </p:cTn>
+                                        <p:tgtEl>
+                                          <p:spTgt spid="109"/>
+                                        </p:tgtEl>
+                                        <p:attrNameLst>
+                                          <p:attrName>style.visibility</p:attrName>
+                                        </p:attrNameLst>
+                                      </p:cBhvr>
+                                      <p:to>
+                                        <p:strVal val="visible"/>
+                                      </p:to>
+                                    </p:set>
+                                    <p:animEffect filter="fade" transition="in">
+                                      <p:cBhvr>
+                                        <p:cTn dur="1000"/>
+                                        <p:tgtEl>
+                                          <p:spTgt spid="109"/>
+                                        </p:tgtEl>
+                                      </p:cBhvr>
+                                    </p:animEffect>
+                                  </p:childTnLst>
+                                </p:cTn>
+                              </p:par>
+                            </p:childTnLst>
+                          </p:cTn>
+                        </p:par>
+                      </p:childTnLst>
+                    </p:cTn>
+                  </p:par>
+                  <p:par>
+                    <p:cTn fill="hold">
+                      <p:stCondLst>
+                        <p:cond delay="indefinite"/>
+                      </p:stCondLst>
+                      <p:childTnLst>
+                        <p:par>
+                          <p:cTn fill="hold">
+                            <p:stCondLst>
+                              <p:cond delay="0"/>
+                            </p:stCondLst>
+                            <p:childTnLst>
+                              <p:par>
+                                <p:cTn fill="hold" nodeType="clickEffect" presetClass="entr" presetID="10" presetSubtype="0">
+                                  <p:stCondLst>
+                                    <p:cond delay="0"/>
+                                  </p:stCondLst>
+                                  <p:childTnLst>
+                                    <p:set>
+                                      <p:cBhvr>
+                                        <p:cTn dur="1" fill="hold">
+                                          <p:stCondLst>
+                                            <p:cond delay="0"/>
+                                          </p:stCondLst>
+                                        </p:cTn>
+                                        <p:tgtEl>
+                                          <p:spTgt spid="110"/>
+                                        </p:tgtEl>
+                                        <p:attrNameLst>
+                                          <p:attrName>style.visibility</p:attrName>
+                                        </p:attrNameLst>
+                                      </p:cBhvr>
+                                      <p:to>
+                                        <p:strVal val="visible"/>
+                                      </p:to>
+                                    </p:set>
+                                    <p:animEffect filter="fade" transition="in">
+                                      <p:cBhvr>
+                                        <p:cTn dur="1000"/>
+                                        <p:tgtEl>
+                                          <p:spTgt spid="110"/>
+                                        </p:tgtEl>
+                                      </p:cBhvr>
+                                    </p:animEffect>
+                                  </p:childTnLst>
+                                </p:cTn>
+                              </p:par>
+                              <p:par>
+                                <p:cTn fill="hold" nodeType="withEffect" presetClass="entr" presetID="10" presetSubtype="0">
+                                  <p:stCondLst>
+                                    <p:cond delay="0"/>
+                                  </p:stCondLst>
+                                  <p:childTnLst>
+                                    <p:set>
+                                      <p:cBhvr>
+                                        <p:cTn dur="1" fill="hold">
+                                          <p:stCondLst>
+                                            <p:cond delay="0"/>
+                                          </p:stCondLst>
+                                        </p:cTn>
+                                        <p:tgtEl>
+                                          <p:spTgt spid="115"/>
+                                        </p:tgtEl>
+                                        <p:attrNameLst>
+                                          <p:attrName>style.visibility</p:attrName>
+                                        </p:attrNameLst>
+                                      </p:cBhvr>
+                                      <p:to>
+                                        <p:strVal val="visible"/>
+                                      </p:to>
+                                    </p:set>
+                                    <p:animEffect filter="fade" transition="in">
+                                      <p:cBhvr>
+                                        <p:cTn dur="1000"/>
+                                        <p:tgtEl>
+                                          <p:spTgt spid="115"/>
+                                        </p:tgtEl>
+                                      </p:cBhvr>
+                                    </p:animEffect>
+                                  </p:childTnLst>
+                                </p:cTn>
+                              </p:par>
+                            </p:childTnLst>
+                          </p:cTn>
+                        </p:par>
+                      </p:childTnLst>
+                    </p:cTn>
+                  </p:par>
+                </p:childTnLst>
+              </p:cTn>
+              <p:prevCondLst>
+                <p:cond evt="onPrev">
+                  <p:tgtEl>
+                    <p:sldTgt/>
+                  </p:tgtEl>
+                </p:cond>
+              </p:prevCondLst>
+              <p:nextCondLst>
+                <p:cond evt="onNext">
+                  <p:tgtEl>
+                    <p:sldTgt/>
+                  </p:tgtEl>
+                </p:cond>
+              </p:nextCondLst>
+            </p:seq>
+          </p:childTnLst>
+        </p:cTn>
+      </p:par>
+    </p:tnLst>
+  </p:timing>
+</p:sld>
+</file>
+
+<file path=ppt/slides/slide5.xml><?xml version="1.0" encoding="utf-8"?>
+<p:sld xmlns:a="http://schemas.openxmlformats.org/drawingml/2006/main" xmlns:r="http://schemas.openxmlformats.org/officeDocument/2006/relationships" xmlns:mc="http://schemas.openxmlformats.org/markup-compatibility/2006" xmlns:mv="urn:schemas-microsoft-com:mac:vml" xmlns:p="http://schemas.openxmlformats.org/presentationml/2006/main" xmlns:c="http://schemas.openxmlformats.org/drawingml/2006/chart" xmlns:dgm="http://schemas.openxmlformats.org/drawingml/2006/diagram" xmlns:o="urn:schemas-microsoft-com:office:office" xmlns:v="urn:schemas-microsoft-com:vml" xmlns:pvml="urn:schemas-microsoft-com:office:powerpoint" xmlns:com="http://schemas.openxmlformats.org/drawingml/2006/compatibility" xmlns:p14="http://schemas.microsoft.com/office/powerpoint/2010/main" xmlns:p15="http://schemas.microsoft.com/office/powerpoint/2012/main">
+  <p:cSld>
+    <p:spTree>
+      <p:nvGrpSpPr>
+        <p:cNvPr id="119" name="Shape 119"/>
+        <p:cNvGrpSpPr/>
+        <p:nvPr/>
+      </p:nvGrpSpPr>
+      <p:grpSpPr>
+        <a:xfrm>
+          <a:off x="0" y="0"/>
+          <a:ext cx="0" cy="0"/>
+          <a:chOff x="0" y="0"/>
+          <a:chExt cx="0" cy="0"/>
+        </a:xfrm>
+      </p:grpSpPr>
+      <p:sp>
+        <p:nvSpPr>
+          <p:cNvPr id="120" name="Google Shape;120;p17"/>
+          <p:cNvSpPr/>
+          <p:nvPr/>
+        </p:nvSpPr>
+        <p:spPr>
+          <a:xfrm>
+            <a:off x="-179682" y="-308191"/>
+            <a:ext cx="9647400" cy="1688700"/>
+          </a:xfrm>
+          <a:prstGeom prst="rect">
+            <a:avLst/>
+          </a:prstGeom>
+          <a:solidFill>
+            <a:srgbClr val="002645"/>
+          </a:solidFill>
+          <a:ln>
+            <a:noFill/>
+          </a:ln>
+          <a:effectLst>
+            <a:outerShdw blurRad="50800" rotWithShape="0" dir="5400000" dist="38100">
+              <a:srgbClr val="000000">
+                <a:alpha val="40000"/>
+              </a:srgbClr>
+            </a:outerShdw>
+          </a:effectLst>
+        </p:spPr>
+        <p:txBody>
+          <a:bodyPr anchorCtr="0" anchor="ctr" bIns="34275" lIns="34275" spcFirstLastPara="1" rIns="34275" wrap="square" tIns="34275">
+            <a:noAutofit/>
+          </a:bodyPr>
+          <a:lstStyle/>
+          <a:p>
+            <a:pPr indent="0" lvl="0" marL="0" marR="0" rtl="0" algn="ctr">
+              <a:lnSpc>
+                <a:spcPct val="100000"/>
+              </a:lnSpc>
+              <a:spcBef>
+                <a:spcPts val="0"/>
+              </a:spcBef>
+              <a:spcAft>
+                <a:spcPts val="0"/>
+              </a:spcAft>
+              <a:buClr>
+                <a:srgbClr val="FFFFFF"/>
+              </a:buClr>
+              <a:buSzPts val="1400"/>
+              <a:buFont typeface="Calibri"/>
+              <a:buNone/>
+            </a:pPr>
+            <a:r>
+              <a:t/>
+            </a:r>
+            <a:endParaRPr b="0" i="0" sz="1400" u="none" cap="none" strike="noStrike">
+              <a:solidFill>
+                <a:srgbClr val="FFFFFF"/>
+              </a:solidFill>
+              <a:latin typeface="Calibri"/>
+              <a:ea typeface="Calibri"/>
+              <a:cs typeface="Calibri"/>
+              <a:sym typeface="Calibri"/>
+            </a:endParaRPr>
+          </a:p>
+        </p:txBody>
+      </p:sp>
+      <p:sp>
+        <p:nvSpPr>
+          <p:cNvPr id="121" name="Google Shape;121;p17"/>
+          <p:cNvSpPr/>
+          <p:nvPr/>
+        </p:nvSpPr>
+        <p:spPr>
+          <a:xfrm>
+            <a:off x="228600" y="331700"/>
+            <a:ext cx="8915400" cy="468600"/>
+          </a:xfrm>
+          <a:prstGeom prst="rect">
+            <a:avLst/>
+          </a:prstGeom>
+          <a:noFill/>
+          <a:ln>
+            <a:noFill/>
+          </a:ln>
+        </p:spPr>
+        <p:txBody>
+          <a:bodyPr anchorCtr="0" anchor="t" bIns="34275" lIns="34275" spcFirstLastPara="1" rIns="34275" wrap="square" tIns="34275">
+            <a:noAutofit/>
+          </a:bodyPr>
+          <a:lstStyle/>
+          <a:p>
+            <a:pPr indent="0" lvl="0" marL="0" marR="0" rtl="0" algn="l">
+              <a:lnSpc>
+                <a:spcPct val="100000"/>
+              </a:lnSpc>
+              <a:spcBef>
+                <a:spcPts val="0"/>
+              </a:spcBef>
+              <a:spcAft>
+                <a:spcPts val="0"/>
+              </a:spcAft>
+              <a:buClr>
+                <a:srgbClr val="F2F2F2"/>
+              </a:buClr>
+              <a:buSzPts val="2600"/>
+              <a:buFont typeface="Open Sans"/>
+              <a:buNone/>
+            </a:pPr>
+            <a:r>
+              <a:rPr b="1" lang="en" sz="2400">
+                <a:solidFill>
+                  <a:srgbClr val="F2F2F2"/>
+                </a:solidFill>
+                <a:latin typeface="Open Sans"/>
+                <a:ea typeface="Open Sans"/>
+                <a:cs typeface="Open Sans"/>
+                <a:sym typeface="Open Sans"/>
+              </a:rPr>
+              <a:t>AWS Machine Learning Modeling Concepts</a:t>
+            </a:r>
+            <a:endParaRPr sz="2400"/>
+          </a:p>
+        </p:txBody>
+      </p:sp>
+      <p:sp>
+        <p:nvSpPr>
+          <p:cNvPr id="122" name="Google Shape;122;p17"/>
+          <p:cNvSpPr/>
+          <p:nvPr/>
+        </p:nvSpPr>
+        <p:spPr>
+          <a:xfrm>
+            <a:off x="313771" y="843754"/>
+            <a:ext cx="2789700" cy="34200"/>
+          </a:xfrm>
+          <a:prstGeom prst="rect">
+            <a:avLst/>
+          </a:prstGeom>
+          <a:solidFill>
+            <a:srgbClr val="DE6E22"/>
+          </a:solidFill>
+          <a:ln>
+            <a:noFill/>
+          </a:ln>
+        </p:spPr>
+        <p:txBody>
+          <a:bodyPr anchorCtr="0" anchor="ctr" bIns="34275" lIns="34275" spcFirstLastPara="1" rIns="34275" wrap="square" tIns="34275">
+            <a:noAutofit/>
+          </a:bodyPr>
+          <a:lstStyle/>
+          <a:p>
+            <a:pPr indent="0" lvl="0" marL="0" marR="0" rtl="0" algn="ctr">
+              <a:lnSpc>
+                <a:spcPct val="100000"/>
+              </a:lnSpc>
+              <a:spcBef>
+                <a:spcPts val="0"/>
+              </a:spcBef>
+              <a:spcAft>
+                <a:spcPts val="0"/>
+              </a:spcAft>
+              <a:buClr>
+                <a:srgbClr val="FFFFFF"/>
+              </a:buClr>
+              <a:buSzPts val="1400"/>
+              <a:buFont typeface="Calibri"/>
+              <a:buNone/>
+            </a:pPr>
+            <a:r>
+              <a:t/>
+            </a:r>
+            <a:endParaRPr b="0" i="0" sz="1400" u="none" cap="none" strike="noStrike">
+              <a:solidFill>
+                <a:srgbClr val="FFFFFF"/>
+              </a:solidFill>
+              <a:latin typeface="Calibri"/>
+              <a:ea typeface="Calibri"/>
+              <a:cs typeface="Calibri"/>
+              <a:sym typeface="Calibri"/>
+            </a:endParaRPr>
+          </a:p>
+        </p:txBody>
+      </p:sp>
+      <p:sp>
+        <p:nvSpPr>
+          <p:cNvPr id="123" name="Google Shape;123;p17"/>
+          <p:cNvSpPr/>
+          <p:nvPr/>
+        </p:nvSpPr>
+        <p:spPr>
+          <a:xfrm>
+            <a:off x="228600" y="952975"/>
+            <a:ext cx="4144200" cy="335100"/>
+          </a:xfrm>
+          <a:prstGeom prst="rect">
+            <a:avLst/>
+          </a:prstGeom>
+          <a:noFill/>
+          <a:ln>
+            <a:noFill/>
+          </a:ln>
+        </p:spPr>
+        <p:txBody>
+          <a:bodyPr anchorCtr="0" anchor="t" bIns="34275" lIns="34275" spcFirstLastPara="1" rIns="34275" wrap="square" tIns="34275">
+            <a:noAutofit/>
+          </a:bodyPr>
+          <a:lstStyle/>
+          <a:p>
+            <a:pPr indent="0" lvl="0" marL="0" marR="0" rtl="0" algn="l">
+              <a:lnSpc>
+                <a:spcPct val="100000"/>
+              </a:lnSpc>
+              <a:spcBef>
+                <a:spcPts val="0"/>
+              </a:spcBef>
+              <a:spcAft>
+                <a:spcPts val="0"/>
+              </a:spcAft>
+              <a:buClr>
+                <a:srgbClr val="D9D9D9"/>
+              </a:buClr>
+              <a:buSzPts val="1700"/>
+              <a:buFont typeface="Open Sans"/>
+              <a:buNone/>
+            </a:pPr>
+            <a:r>
+              <a:t/>
+            </a:r>
+            <a:endParaRPr sz="1100"/>
+          </a:p>
+        </p:txBody>
+      </p:sp>
+      <p:pic>
+        <p:nvPicPr>
+          <p:cNvPr id="124" name="Google Shape;124;p17"/>
+          <p:cNvPicPr preferRelativeResize="0"/>
+          <p:nvPr/>
+        </p:nvPicPr>
+        <p:blipFill>
+          <a:blip r:embed="rId3">
+            <a:alphaModFix/>
+          </a:blip>
+          <a:stretch>
+            <a:fillRect/>
+          </a:stretch>
+        </p:blipFill>
+        <p:spPr>
+          <a:xfrm>
+            <a:off x="8325525" y="4593059"/>
+            <a:ext cx="752475" cy="495300"/>
+          </a:xfrm>
+          <a:prstGeom prst="rect">
+            <a:avLst/>
+          </a:prstGeom>
+          <a:noFill/>
+          <a:ln>
+            <a:noFill/>
+          </a:ln>
+        </p:spPr>
+      </p:pic>
+      <p:sp>
+        <p:nvSpPr>
+          <p:cNvPr id="125" name="Google Shape;125;p17"/>
+          <p:cNvSpPr txBox="1"/>
+          <p:nvPr/>
+        </p:nvSpPr>
+        <p:spPr>
+          <a:xfrm>
+            <a:off x="460275" y="2030825"/>
+            <a:ext cx="6627900" cy="468600"/>
+          </a:xfrm>
+          <a:prstGeom prst="rect">
+            <a:avLst/>
+          </a:prstGeom>
+          <a:noFill/>
+          <a:ln>
+            <a:noFill/>
+          </a:ln>
+        </p:spPr>
+        <p:txBody>
+          <a:bodyPr anchorCtr="0" anchor="t" bIns="91425" lIns="91425" spcFirstLastPara="1" rIns="91425" wrap="square" tIns="91425">
+            <a:noAutofit/>
+          </a:bodyPr>
+          <a:lstStyle/>
+          <a:p>
+            <a:pPr indent="-317500" lvl="0" marL="457200" rtl="0" algn="l">
+              <a:spcBef>
+                <a:spcPts val="0"/>
+              </a:spcBef>
+              <a:spcAft>
+                <a:spcPts val="0"/>
+              </a:spcAft>
+              <a:buSzPts val="1400"/>
+              <a:buChar char="●"/>
+            </a:pPr>
+            <a:r>
+              <a:rPr lang="en"/>
+              <a:t>Select the appropriate model(s) for a given machine learning problem</a:t>
+            </a:r>
+            <a:endParaRPr/>
+          </a:p>
+        </p:txBody>
+      </p:sp>
+      <p:sp>
+        <p:nvSpPr>
+          <p:cNvPr id="126" name="Google Shape;126;p17"/>
+          <p:cNvSpPr txBox="1"/>
+          <p:nvPr/>
+        </p:nvSpPr>
+        <p:spPr>
+          <a:xfrm>
+            <a:off x="460275" y="2373675"/>
+            <a:ext cx="6627900" cy="468600"/>
+          </a:xfrm>
+          <a:prstGeom prst="rect">
+            <a:avLst/>
+          </a:prstGeom>
+          <a:noFill/>
+          <a:ln>
+            <a:noFill/>
+          </a:ln>
+        </p:spPr>
+        <p:txBody>
+          <a:bodyPr anchorCtr="0" anchor="t" bIns="91425" lIns="91425" spcFirstLastPara="1" rIns="91425" wrap="square" tIns="91425">
+            <a:noAutofit/>
+          </a:bodyPr>
+          <a:lstStyle/>
+          <a:p>
+            <a:pPr indent="-317500" lvl="0" marL="457200" rtl="0" algn="l">
+              <a:spcBef>
+                <a:spcPts val="0"/>
+              </a:spcBef>
+              <a:spcAft>
+                <a:spcPts val="0"/>
+              </a:spcAft>
+              <a:buSzPts val="1400"/>
+              <a:buChar char="●"/>
+            </a:pPr>
+            <a:r>
+              <a:rPr lang="en"/>
+              <a:t>Train machine learning models</a:t>
+            </a:r>
+            <a:endParaRPr/>
+          </a:p>
+        </p:txBody>
+      </p:sp>
+      <p:sp>
+        <p:nvSpPr>
+          <p:cNvPr id="127" name="Google Shape;127;p17"/>
+          <p:cNvSpPr txBox="1"/>
+          <p:nvPr/>
+        </p:nvSpPr>
+        <p:spPr>
+          <a:xfrm>
+            <a:off x="460275" y="2716525"/>
+            <a:ext cx="7143000" cy="468600"/>
+          </a:xfrm>
+          <a:prstGeom prst="rect">
+            <a:avLst/>
+          </a:prstGeom>
+          <a:noFill/>
+          <a:ln>
+            <a:noFill/>
+          </a:ln>
+        </p:spPr>
+        <p:txBody>
+          <a:bodyPr anchorCtr="0" anchor="t" bIns="91425" lIns="91425" spcFirstLastPara="1" rIns="91425" wrap="square" tIns="91425">
+            <a:noAutofit/>
+          </a:bodyPr>
+          <a:lstStyle/>
+          <a:p>
+            <a:pPr indent="-317500" lvl="0" marL="457200" rtl="0" algn="l">
+              <a:spcBef>
+                <a:spcPts val="0"/>
+              </a:spcBef>
+              <a:spcAft>
+                <a:spcPts val="0"/>
+              </a:spcAft>
+              <a:buSzPts val="1400"/>
+              <a:buChar char="●"/>
+            </a:pPr>
+            <a:r>
+              <a:rPr lang="en"/>
+              <a:t>Tune and optimize hyperparameters</a:t>
+            </a:r>
+            <a:endParaRPr/>
+          </a:p>
+        </p:txBody>
+      </p:sp>
+      <p:sp>
+        <p:nvSpPr>
+          <p:cNvPr id="128" name="Google Shape;128;p17"/>
+          <p:cNvSpPr txBox="1"/>
+          <p:nvPr/>
+        </p:nvSpPr>
+        <p:spPr>
+          <a:xfrm>
+            <a:off x="460275" y="3059375"/>
+            <a:ext cx="7143000" cy="468600"/>
+          </a:xfrm>
+          <a:prstGeom prst="rect">
+            <a:avLst/>
+          </a:prstGeom>
+          <a:noFill/>
+          <a:ln>
+            <a:noFill/>
+          </a:ln>
+        </p:spPr>
+        <p:txBody>
+          <a:bodyPr anchorCtr="0" anchor="t" bIns="91425" lIns="91425" spcFirstLastPara="1" rIns="91425" wrap="square" tIns="91425">
+            <a:noAutofit/>
+          </a:bodyPr>
+          <a:lstStyle/>
+          <a:p>
+            <a:pPr indent="-317500" lvl="0" marL="457200" rtl="0" algn="l">
+              <a:spcBef>
+                <a:spcPts val="0"/>
+              </a:spcBef>
+              <a:spcAft>
+                <a:spcPts val="0"/>
+              </a:spcAft>
+              <a:buSzPts val="1400"/>
+              <a:buChar char="●"/>
+            </a:pPr>
+            <a:r>
+              <a:rPr lang="en"/>
+              <a:t>Evaluate effectiveness of machine learning models</a:t>
+            </a:r>
+            <a:endParaRPr/>
+          </a:p>
+        </p:txBody>
+      </p:sp>
+      <p:pic>
+        <p:nvPicPr>
+          <p:cNvPr id="129" name="Google Shape;129;p17"/>
+          <p:cNvPicPr preferRelativeResize="0"/>
+          <p:nvPr/>
+        </p:nvPicPr>
+        <p:blipFill>
+          <a:blip r:embed="rId4">
+            <a:alphaModFix/>
+          </a:blip>
+          <a:stretch>
+            <a:fillRect/>
+          </a:stretch>
+        </p:blipFill>
+        <p:spPr>
+          <a:xfrm>
+            <a:off x="6629075" y="1824650"/>
+            <a:ext cx="1114425" cy="1095375"/>
+          </a:xfrm>
+          <a:prstGeom prst="rect">
+            <a:avLst/>
+          </a:prstGeom>
+          <a:noFill/>
+          <a:ln>
+            <a:noFill/>
+          </a:ln>
+        </p:spPr>
+      </p:pic>
+      <p:pic>
+        <p:nvPicPr>
+          <p:cNvPr id="130" name="Google Shape;130;p17"/>
+          <p:cNvPicPr preferRelativeResize="0"/>
+          <p:nvPr/>
+        </p:nvPicPr>
+        <p:blipFill>
+          <a:blip r:embed="rId5">
+            <a:alphaModFix/>
+          </a:blip>
+          <a:stretch>
+            <a:fillRect/>
+          </a:stretch>
+        </p:blipFill>
+        <p:spPr>
+          <a:xfrm>
+            <a:off x="4900875" y="2373675"/>
+            <a:ext cx="1028700" cy="771525"/>
+          </a:xfrm>
+          <a:prstGeom prst="rect">
+            <a:avLst/>
+          </a:prstGeom>
+          <a:noFill/>
+          <a:ln>
+            <a:noFill/>
+          </a:ln>
+        </p:spPr>
+      </p:pic>
+      <p:pic>
+        <p:nvPicPr>
+          <p:cNvPr id="131" name="Google Shape;131;p17"/>
+          <p:cNvPicPr preferRelativeResize="0"/>
+          <p:nvPr/>
+        </p:nvPicPr>
+        <p:blipFill>
+          <a:blip r:embed="rId6">
+            <a:alphaModFix/>
+          </a:blip>
+          <a:stretch>
+            <a:fillRect/>
+          </a:stretch>
+        </p:blipFill>
+        <p:spPr>
+          <a:xfrm>
+            <a:off x="5886838" y="2716513"/>
+            <a:ext cx="916633" cy="923525"/>
+          </a:xfrm>
+          <a:prstGeom prst="rect">
+            <a:avLst/>
+          </a:prstGeom>
+          <a:noFill/>
+          <a:ln>
+            <a:noFill/>
+          </a:ln>
+        </p:spPr>
+      </p:pic>
+      <p:pic>
+        <p:nvPicPr>
+          <p:cNvPr id="132" name="Google Shape;132;p17"/>
+          <p:cNvPicPr preferRelativeResize="0"/>
+          <p:nvPr/>
+        </p:nvPicPr>
+        <p:blipFill>
+          <a:blip r:embed="rId7">
+            <a:alphaModFix/>
+          </a:blip>
+          <a:stretch>
+            <a:fillRect/>
+          </a:stretch>
+        </p:blipFill>
+        <p:spPr>
+          <a:xfrm>
+            <a:off x="4958500" y="3471475"/>
+            <a:ext cx="695325" cy="742950"/>
+          </a:xfrm>
+          <a:prstGeom prst="rect">
+            <a:avLst/>
+          </a:prstGeom>
+          <a:noFill/>
+          <a:ln>
+            <a:noFill/>
+          </a:ln>
+        </p:spPr>
+      </p:pic>
+    </p:spTree>
+  </p:cSld>
+  <p:clrMapOvr>
+    <a:masterClrMapping/>
+  </p:clrMapOvr>
+  <p:timing>
+    <p:tnLst>
+      <p:par>
+        <p:cTn dur="indefinite" nodeType="tmRoot" restart="never">
+          <p:childTnLst>
+            <p:seq concurrent="1" nextAc="seek">
+              <p:cTn dur="indefinite" id="2" nodeType="mainSeq">
+                <p:childTnLst>
+                  <p:par>
+                    <p:cTn fill="hold">
+                      <p:stCondLst>
+                        <p:cond delay="indefinite"/>
+                      </p:stCondLst>
+                      <p:childTnLst>
+                        <p:par>
+                          <p:cTn fill="hold">
+                            <p:stCondLst>
+                              <p:cond delay="0"/>
+                            </p:stCondLst>
+                            <p:childTnLst>
+                              <p:par>
+                                <p:cTn fill="hold" nodeType="clickEffect" presetClass="entr" presetID="10" presetSubtype="0">
+                                  <p:stCondLst>
+                                    <p:cond delay="0"/>
+                                  </p:stCondLst>
+                                  <p:childTnLst>
+                                    <p:set>
+                                      <p:cBhvr>
+                                        <p:cTn dur="1" fill="hold">
+                                          <p:stCondLst>
+                                            <p:cond delay="0"/>
+                                          </p:stCondLst>
+                                        </p:cTn>
+                                        <p:tgtEl>
+                                          <p:spTgt spid="125"/>
+                                        </p:tgtEl>
+                                        <p:attrNameLst>
+                                          <p:attrName>style.visibility</p:attrName>
+                                        </p:attrNameLst>
+                                      </p:cBhvr>
+                                      <p:to>
+                                        <p:strVal val="visible"/>
+                                      </p:to>
+                                    </p:set>
+                                    <p:animEffect filter="fade" transition="in">
+                                      <p:cBhvr>
+                                        <p:cTn dur="1000"/>
+                                        <p:tgtEl>
+                                          <p:spTgt spid="125"/>
+                                        </p:tgtEl>
+                                      </p:cBhvr>
+                                    </p:animEffect>
+                                  </p:childTnLst>
+                                </p:cTn>
+                              </p:par>
+                              <p:par>
+                                <p:cTn fill="hold" nodeType="withEffect" presetClass="entr" presetID="10" presetSubtype="0">
+                                  <p:stCondLst>
+                                    <p:cond delay="0"/>
+                                  </p:stCondLst>
+                                  <p:childTnLst>
+                                    <p:set>
+                                      <p:cBhvr>
+                                        <p:cTn dur="1" fill="hold">
+                                          <p:stCondLst>
+                                            <p:cond delay="0"/>
+                                          </p:stCondLst>
+                                        </p:cTn>
+                                        <p:tgtEl>
+                                          <p:spTgt spid="129"/>
+                                        </p:tgtEl>
+                                        <p:attrNameLst>
+                                          <p:attrName>style.visibility</p:attrName>
+                                        </p:attrNameLst>
+                                      </p:cBhvr>
+                                      <p:to>
+                                        <p:strVal val="visible"/>
+                                      </p:to>
+                                    </p:set>
+                                    <p:animEffect filter="fade" transition="in">
+                                      <p:cBhvr>
+                                        <p:cTn dur="1000"/>
+                                        <p:tgtEl>
+                                          <p:spTgt spid="129"/>
+                                        </p:tgtEl>
+                                      </p:cBhvr>
+                                    </p:animEffect>
+                                  </p:childTnLst>
+                                </p:cTn>
+                              </p:par>
+                            </p:childTnLst>
+                          </p:cTn>
+                        </p:par>
+                      </p:childTnLst>
+                    </p:cTn>
+                  </p:par>
+                  <p:par>
+                    <p:cTn fill="hold">
+                      <p:stCondLst>
+                        <p:cond delay="indefinite"/>
+                      </p:stCondLst>
+                      <p:childTnLst>
+                        <p:par>
+                          <p:cTn fill="hold">
+                            <p:stCondLst>
+                              <p:cond delay="0"/>
+                            </p:stCondLst>
+                            <p:childTnLst>
+                              <p:par>
+                                <p:cTn fill="hold" nodeType="clickEffect" presetClass="entr" presetID="10" presetSubtype="0">
+                                  <p:stCondLst>
+                                    <p:cond delay="0"/>
+                                  </p:stCondLst>
+                                  <p:childTnLst>
+                                    <p:set>
+                                      <p:cBhvr>
+                                        <p:cTn dur="1" fill="hold">
+                                          <p:stCondLst>
+                                            <p:cond delay="0"/>
+                                          </p:stCondLst>
+                                        </p:cTn>
+                                        <p:tgtEl>
+                                          <p:spTgt spid="126"/>
+                                        </p:tgtEl>
+                                        <p:attrNameLst>
+                                          <p:attrName>style.visibility</p:attrName>
+                                        </p:attrNameLst>
+                                      </p:cBhvr>
+                                      <p:to>
+                                        <p:strVal val="visible"/>
+                                      </p:to>
+                                    </p:set>
+                                    <p:animEffect filter="fade" transition="in">
+                                      <p:cBhvr>
+                                        <p:cTn dur="1000"/>
+                                        <p:tgtEl>
+                                          <p:spTgt spid="126"/>
+                                        </p:tgtEl>
+                                      </p:cBhvr>
+                                    </p:animEffect>
+                                  </p:childTnLst>
+                                </p:cTn>
+                              </p:par>
+                              <p:par>
+                                <p:cTn fill="hold" nodeType="withEffect" presetClass="entr" presetID="10" presetSubtype="0">
+                                  <p:stCondLst>
+                                    <p:cond delay="0"/>
+                                  </p:stCondLst>
+                                  <p:childTnLst>
+                                    <p:set>
+                                      <p:cBhvr>
+                                        <p:cTn dur="1" fill="hold">
+                                          <p:stCondLst>
+                                            <p:cond delay="0"/>
+                                          </p:stCondLst>
+                                        </p:cTn>
+                                        <p:tgtEl>
+                                          <p:spTgt spid="130"/>
+                                        </p:tgtEl>
+                                        <p:attrNameLst>
+                                          <p:attrName>style.visibility</p:attrName>
+                                        </p:attrNameLst>
+                                      </p:cBhvr>
+                                      <p:to>
+                                        <p:strVal val="visible"/>
+                                      </p:to>
+                                    </p:set>
+                                    <p:animEffect filter="fade" transition="in">
+                                      <p:cBhvr>
+                                        <p:cTn dur="1000"/>
+                                        <p:tgtEl>
+                                          <p:spTgt spid="130"/>
+                                        </p:tgtEl>
+                                      </p:cBhvr>
+                                    </p:animEffect>
+                                  </p:childTnLst>
+                                </p:cTn>
+                              </p:par>
+                            </p:childTnLst>
+                          </p:cTn>
+                        </p:par>
+                      </p:childTnLst>
+                    </p:cTn>
+                  </p:par>
+                  <p:par>
+                    <p:cTn fill="hold">
+                      <p:stCondLst>
+                        <p:cond delay="indefinite"/>
+                      </p:stCondLst>
+                      <p:childTnLst>
+                        <p:par>
+                          <p:cTn fill="hold">
+                            <p:stCondLst>
+                              <p:cond delay="0"/>
+                            </p:stCondLst>
+                            <p:childTnLst>
+                              <p:par>
+                                <p:cTn fill="hold" nodeType="clickEffect" presetClass="entr" presetID="10" presetSubtype="0">
+                                  <p:stCondLst>
+                                    <p:cond delay="0"/>
+                                  </p:stCondLst>
+                                  <p:childTnLst>
+                                    <p:set>
+                                      <p:cBhvr>
+                                        <p:cTn dur="1" fill="hold">
+                                          <p:stCondLst>
+                                            <p:cond delay="0"/>
+                                          </p:stCondLst>
+                                        </p:cTn>
+                                        <p:tgtEl>
+                                          <p:spTgt spid="127"/>
+                                        </p:tgtEl>
+                                        <p:attrNameLst>
+                                          <p:attrName>style.visibility</p:attrName>
+                                        </p:attrNameLst>
+                                      </p:cBhvr>
+                                      <p:to>
+                                        <p:strVal val="visible"/>
+                                      </p:to>
+                                    </p:set>
+                                    <p:animEffect filter="fade" transition="in">
+                                      <p:cBhvr>
+                                        <p:cTn dur="1000"/>
+                                        <p:tgtEl>
+                                          <p:spTgt spid="127"/>
+                                        </p:tgtEl>
+                                      </p:cBhvr>
+                                    </p:animEffect>
+                                  </p:childTnLst>
+                                </p:cTn>
+                              </p:par>
+                              <p:par>
+                                <p:cTn fill="hold" nodeType="withEffect" presetClass="entr" presetID="10" presetSubtype="0">
+                                  <p:stCondLst>
+                                    <p:cond delay="0"/>
+                                  </p:stCondLst>
+                                  <p:childTnLst>
+                                    <p:set>
+                                      <p:cBhvr>
+                                        <p:cTn dur="1" fill="hold">
+                                          <p:stCondLst>
+                                            <p:cond delay="0"/>
+                                          </p:stCondLst>
+                                        </p:cTn>
+                                        <p:tgtEl>
+                                          <p:spTgt spid="131"/>
+                                        </p:tgtEl>
+                                        <p:attrNameLst>
+                                          <p:attrName>style.visibility</p:attrName>
+                                        </p:attrNameLst>
+                                      </p:cBhvr>
+                                      <p:to>
+                                        <p:strVal val="visible"/>
+                                      </p:to>
+                                    </p:set>
+                                    <p:animEffect filter="fade" transition="in">
+                                      <p:cBhvr>
+                                        <p:cTn dur="1000"/>
+                                        <p:tgtEl>
+                                          <p:spTgt spid="131"/>
+                                        </p:tgtEl>
+                                      </p:cBhvr>
+                                    </p:animEffect>
+                                  </p:childTnLst>
+                                </p:cTn>
+                              </p:par>
+                            </p:childTnLst>
+                          </p:cTn>
+                        </p:par>
+                      </p:childTnLst>
+                    </p:cTn>
+                  </p:par>
+                  <p:par>
+                    <p:cTn fill="hold">
+                      <p:stCondLst>
+                        <p:cond delay="indefinite"/>
+                      </p:stCondLst>
+                      <p:childTnLst>
+                        <p:par>
+                          <p:cTn fill="hold">
+                            <p:stCondLst>
+                              <p:cond delay="0"/>
+                            </p:stCondLst>
+                            <p:childTnLst>
+                              <p:par>
+                                <p:cTn fill="hold" nodeType="clickEffect" presetClass="entr" presetID="10" presetSubtype="0">
+                                  <p:stCondLst>
+                                    <p:cond delay="0"/>
+                                  </p:stCondLst>
+                                  <p:childTnLst>
+                                    <p:set>
+                                      <p:cBhvr>
+                                        <p:cTn dur="1" fill="hold">
+                                          <p:stCondLst>
+                                            <p:cond delay="0"/>
+                                          </p:stCondLst>
+                                        </p:cTn>
+                                        <p:tgtEl>
+                                          <p:spTgt spid="128"/>
+                                        </p:tgtEl>
+                                        <p:attrNameLst>
+                                          <p:attrName>style.visibility</p:attrName>
+                                        </p:attrNameLst>
+                                      </p:cBhvr>
+                                      <p:to>
+                                        <p:strVal val="visible"/>
+                                      </p:to>
+                                    </p:set>
+                                    <p:animEffect filter="fade" transition="in">
+                                      <p:cBhvr>
+                                        <p:cTn dur="1000"/>
+                                        <p:tgtEl>
+                                          <p:spTgt spid="128"/>
+                                        </p:tgtEl>
+                                      </p:cBhvr>
+                                    </p:animEffect>
+                                  </p:childTnLst>
+                                </p:cTn>
+                              </p:par>
+                              <p:par>
+                                <p:cTn fill="hold" nodeType="withEffect" presetClass="entr" presetID="10" presetSubtype="0">
+                                  <p:stCondLst>
+                                    <p:cond delay="0"/>
+                                  </p:stCondLst>
+                                  <p:childTnLst>
+                                    <p:set>
+                                      <p:cBhvr>
+                                        <p:cTn dur="1" fill="hold">
+                                          <p:stCondLst>
+                                            <p:cond delay="0"/>
+                                          </p:stCondLst>
+                                        </p:cTn>
+                                        <p:tgtEl>
+                                          <p:spTgt spid="132"/>
+                                        </p:tgtEl>
+                                        <p:attrNameLst>
+                                          <p:attrName>style.visibility</p:attrName>
+                                        </p:attrNameLst>
+                                      </p:cBhvr>
+                                      <p:to>
+                                        <p:strVal val="visible"/>
+                                      </p:to>
+                                    </p:set>
+                                    <p:animEffect filter="fade" transition="in">
+                                      <p:cBhvr>
+                                        <p:cTn dur="1000"/>
+                                        <p:tgtEl>
+                                          <p:spTgt spid="132"/>
+                                        </p:tgtEl>
+                                      </p:cBhvr>
+                                    </p:animEffect>
+                                  </p:childTnLst>
+                                </p:cTn>
+                              </p:par>
+                            </p:childTnLst>
+                          </p:cTn>
+                        </p:par>
+                      </p:childTnLst>
+                    </p:cTn>
+                  </p:par>
+                </p:childTnLst>
+              </p:cTn>
+              <p:prevCondLst>
+                <p:cond evt="onPrev">
+                  <p:tgtEl>
+                    <p:sldTgt/>
+                  </p:tgtEl>
+                </p:cond>
+              </p:prevCondLst>
+              <p:nextCondLst>
+                <p:cond evt="onNext">
+                  <p:tgtEl>
+                    <p:sldTgt/>
+                  </p:tgtEl>
+                </p:cond>
+              </p:nextCondLst>
+            </p:seq>
+          </p:childTnLst>
+        </p:cTn>
+      </p:par>
+    </p:tnLst>
+  </p:timing>
+</p:sld>
+</file>
+
+<file path=ppt/slides/slide6.xml><?xml version="1.0" encoding="utf-8"?>
+<p:sld xmlns:a="http://schemas.openxmlformats.org/drawingml/2006/main" xmlns:r="http://schemas.openxmlformats.org/officeDocument/2006/relationships" xmlns:mc="http://schemas.openxmlformats.org/markup-compatibility/2006" xmlns:mv="urn:schemas-microsoft-com:mac:vml" xmlns:p="http://schemas.openxmlformats.org/presentationml/2006/main" xmlns:c="http://schemas.openxmlformats.org/drawingml/2006/chart" xmlns:dgm="http://schemas.openxmlformats.org/drawingml/2006/diagram" xmlns:o="urn:schemas-microsoft-com:office:office" xmlns:v="urn:schemas-microsoft-com:vml" xmlns:pvml="urn:schemas-microsoft-com:office:powerpoint" xmlns:com="http://schemas.openxmlformats.org/drawingml/2006/compatibility" xmlns:p14="http://schemas.microsoft.com/office/powerpoint/2010/main" xmlns:p15="http://schemas.microsoft.com/office/powerpoint/2012/main">
+  <p:cSld>
+    <p:spTree>
+      <p:nvGrpSpPr>
+        <p:cNvPr id="136" name="Shape 136"/>
+        <p:cNvGrpSpPr/>
+        <p:nvPr/>
+      </p:nvGrpSpPr>
+      <p:grpSpPr>
+        <a:xfrm>
+          <a:off x="0" y="0"/>
+          <a:ext cx="0" cy="0"/>
+          <a:chOff x="0" y="0"/>
+          <a:chExt cx="0" cy="0"/>
+        </a:xfrm>
+      </p:grpSpPr>
+      <p:sp>
+        <p:nvSpPr>
+          <p:cNvPr id="137" name="Google Shape;137;p18"/>
+          <p:cNvSpPr/>
+          <p:nvPr/>
+        </p:nvSpPr>
+        <p:spPr>
+          <a:xfrm>
+            <a:off x="-179682" y="-308191"/>
+            <a:ext cx="9647400" cy="1688700"/>
+          </a:xfrm>
+          <a:prstGeom prst="rect">
+            <a:avLst/>
+          </a:prstGeom>
+          <a:solidFill>
+            <a:srgbClr val="002645"/>
+          </a:solidFill>
+          <a:ln>
+            <a:noFill/>
+          </a:ln>
+          <a:effectLst>
+            <a:outerShdw blurRad="50800" rotWithShape="0" dir="5400000" dist="38100">
+              <a:srgbClr val="000000">
+                <a:alpha val="40000"/>
+              </a:srgbClr>
+            </a:outerShdw>
+          </a:effectLst>
+        </p:spPr>
+        <p:txBody>
+          <a:bodyPr anchorCtr="0" anchor="ctr" bIns="34275" lIns="34275" spcFirstLastPara="1" rIns="34275" wrap="square" tIns="34275">
+            <a:noAutofit/>
+          </a:bodyPr>
+          <a:lstStyle/>
+          <a:p>
+            <a:pPr indent="0" lvl="0" marL="0" marR="0" rtl="0" algn="ctr">
+              <a:lnSpc>
+                <a:spcPct val="100000"/>
+              </a:lnSpc>
+              <a:spcBef>
+                <a:spcPts val="0"/>
+              </a:spcBef>
+              <a:spcAft>
+                <a:spcPts val="0"/>
+              </a:spcAft>
+              <a:buClr>
+                <a:srgbClr val="FFFFFF"/>
+              </a:buClr>
+              <a:buSzPts val="1400"/>
+              <a:buFont typeface="Calibri"/>
+              <a:buNone/>
+            </a:pPr>
+            <a:r>
+              <a:t/>
+            </a:r>
+            <a:endParaRPr b="0" i="0" sz="1400" u="none" cap="none" strike="noStrike">
+              <a:solidFill>
+                <a:srgbClr val="FFFFFF"/>
+              </a:solidFill>
+              <a:latin typeface="Calibri"/>
+              <a:ea typeface="Calibri"/>
+              <a:cs typeface="Calibri"/>
+              <a:sym typeface="Calibri"/>
+            </a:endParaRPr>
+          </a:p>
+        </p:txBody>
+      </p:sp>
+      <p:sp>
+        <p:nvSpPr>
+          <p:cNvPr id="138" name="Google Shape;138;p18"/>
+          <p:cNvSpPr/>
+          <p:nvPr/>
+        </p:nvSpPr>
+        <p:spPr>
+          <a:xfrm>
+            <a:off x="228600" y="331700"/>
+            <a:ext cx="8915400" cy="468600"/>
+          </a:xfrm>
+          <a:prstGeom prst="rect">
+            <a:avLst/>
+          </a:prstGeom>
+          <a:noFill/>
+          <a:ln>
+            <a:noFill/>
+          </a:ln>
+        </p:spPr>
+        <p:txBody>
+          <a:bodyPr anchorCtr="0" anchor="t" bIns="34275" lIns="34275" spcFirstLastPara="1" rIns="34275" wrap="square" tIns="34275">
+            <a:noAutofit/>
+          </a:bodyPr>
+          <a:lstStyle/>
+          <a:p>
+            <a:pPr indent="0" lvl="0" marL="0" marR="0" rtl="0" algn="l">
+              <a:lnSpc>
+                <a:spcPct val="100000"/>
+              </a:lnSpc>
+              <a:spcBef>
+                <a:spcPts val="0"/>
+              </a:spcBef>
+              <a:spcAft>
+                <a:spcPts val="0"/>
+              </a:spcAft>
+              <a:buClr>
+                <a:srgbClr val="F2F2F2"/>
+              </a:buClr>
+              <a:buSzPts val="2600"/>
+              <a:buFont typeface="Open Sans"/>
+              <a:buNone/>
+            </a:pPr>
+            <a:r>
+              <a:rPr b="1" lang="en" sz="2400">
+                <a:solidFill>
+                  <a:srgbClr val="F2F2F2"/>
+                </a:solidFill>
+                <a:latin typeface="Open Sans"/>
+                <a:ea typeface="Open Sans"/>
+                <a:cs typeface="Open Sans"/>
+                <a:sym typeface="Open Sans"/>
+              </a:rPr>
+              <a:t>AWS Machine Learning Algorithm Concepts</a:t>
+            </a:r>
+            <a:endParaRPr sz="2400"/>
+          </a:p>
+        </p:txBody>
+      </p:sp>
+      <p:sp>
+        <p:nvSpPr>
+          <p:cNvPr id="139" name="Google Shape;139;p18"/>
+          <p:cNvSpPr/>
+          <p:nvPr/>
+        </p:nvSpPr>
+        <p:spPr>
+          <a:xfrm>
+            <a:off x="313771" y="843754"/>
+            <a:ext cx="2789700" cy="34200"/>
+          </a:xfrm>
+          <a:prstGeom prst="rect">
+            <a:avLst/>
+          </a:prstGeom>
+          <a:solidFill>
+            <a:srgbClr val="DE6E22"/>
+          </a:solidFill>
+          <a:ln>
+            <a:noFill/>
+          </a:ln>
+        </p:spPr>
+        <p:txBody>
+          <a:bodyPr anchorCtr="0" anchor="ctr" bIns="34275" lIns="34275" spcFirstLastPara="1" rIns="34275" wrap="square" tIns="34275">
+            <a:noAutofit/>
+          </a:bodyPr>
+          <a:lstStyle/>
+          <a:p>
+            <a:pPr indent="0" lvl="0" marL="0" marR="0" rtl="0" algn="ctr">
+              <a:lnSpc>
+                <a:spcPct val="100000"/>
+              </a:lnSpc>
+              <a:spcBef>
+                <a:spcPts val="0"/>
+              </a:spcBef>
+              <a:spcAft>
+                <a:spcPts val="0"/>
+              </a:spcAft>
+              <a:buClr>
+                <a:srgbClr val="FFFFFF"/>
+              </a:buClr>
+              <a:buSzPts val="1400"/>
+              <a:buFont typeface="Calibri"/>
+              <a:buNone/>
+            </a:pPr>
+            <a:r>
+              <a:t/>
+            </a:r>
+            <a:endParaRPr b="0" i="0" sz="1400" u="none" cap="none" strike="noStrike">
+              <a:solidFill>
+                <a:srgbClr val="FFFFFF"/>
+              </a:solidFill>
+              <a:latin typeface="Calibri"/>
+              <a:ea typeface="Calibri"/>
+              <a:cs typeface="Calibri"/>
+              <a:sym typeface="Calibri"/>
+            </a:endParaRPr>
+          </a:p>
+        </p:txBody>
+      </p:sp>
+      <p:sp>
+        <p:nvSpPr>
+          <p:cNvPr id="140" name="Google Shape;140;p18"/>
+          <p:cNvSpPr/>
+          <p:nvPr/>
+        </p:nvSpPr>
+        <p:spPr>
+          <a:xfrm>
+            <a:off x="228600" y="952975"/>
+            <a:ext cx="4144200" cy="335100"/>
+          </a:xfrm>
+          <a:prstGeom prst="rect">
+            <a:avLst/>
+          </a:prstGeom>
+          <a:noFill/>
+          <a:ln>
+            <a:noFill/>
+          </a:ln>
+        </p:spPr>
+        <p:txBody>
+          <a:bodyPr anchorCtr="0" anchor="t" bIns="34275" lIns="34275" spcFirstLastPara="1" rIns="34275" wrap="square" tIns="34275">
+            <a:noAutofit/>
+          </a:bodyPr>
+          <a:lstStyle/>
+          <a:p>
+            <a:pPr indent="0" lvl="0" marL="0" marR="0" rtl="0" algn="l">
+              <a:lnSpc>
+                <a:spcPct val="100000"/>
+              </a:lnSpc>
+              <a:spcBef>
+                <a:spcPts val="0"/>
+              </a:spcBef>
+              <a:spcAft>
+                <a:spcPts val="0"/>
+              </a:spcAft>
+              <a:buClr>
+                <a:srgbClr val="D9D9D9"/>
+              </a:buClr>
+              <a:buSzPts val="1700"/>
+              <a:buFont typeface="Open Sans"/>
+              <a:buNone/>
+            </a:pPr>
+            <a:r>
+              <a:t/>
+            </a:r>
+            <a:endParaRPr sz="1100"/>
+          </a:p>
+        </p:txBody>
+      </p:sp>
+      <p:pic>
+        <p:nvPicPr>
+          <p:cNvPr id="141" name="Google Shape;141;p18"/>
+          <p:cNvPicPr preferRelativeResize="0"/>
+          <p:nvPr/>
+        </p:nvPicPr>
+        <p:blipFill>
+          <a:blip r:embed="rId3">
+            <a:alphaModFix/>
+          </a:blip>
+          <a:stretch>
+            <a:fillRect/>
+          </a:stretch>
+        </p:blipFill>
+        <p:spPr>
+          <a:xfrm>
+            <a:off x="8325525" y="4593059"/>
+            <a:ext cx="752475" cy="495300"/>
+          </a:xfrm>
+          <a:prstGeom prst="rect">
+            <a:avLst/>
+          </a:prstGeom>
+          <a:noFill/>
+          <a:ln>
+            <a:noFill/>
+          </a:ln>
+        </p:spPr>
+      </p:pic>
+      <p:sp>
+        <p:nvSpPr>
+          <p:cNvPr id="142" name="Google Shape;142;p18"/>
+          <p:cNvSpPr txBox="1"/>
+          <p:nvPr/>
+        </p:nvSpPr>
+        <p:spPr>
+          <a:xfrm>
+            <a:off x="460275" y="1726025"/>
+            <a:ext cx="6627900" cy="468600"/>
+          </a:xfrm>
+          <a:prstGeom prst="rect">
+            <a:avLst/>
+          </a:prstGeom>
+          <a:noFill/>
+          <a:ln>
+            <a:noFill/>
+          </a:ln>
+        </p:spPr>
+        <p:txBody>
+          <a:bodyPr anchorCtr="0" anchor="t" bIns="91425" lIns="91425" spcFirstLastPara="1" rIns="91425" wrap="square" tIns="91425">
+            <a:noAutofit/>
+          </a:bodyPr>
+          <a:lstStyle/>
+          <a:p>
+            <a:pPr indent="-317500" lvl="0" marL="457200" rtl="0" algn="l">
+              <a:spcBef>
+                <a:spcPts val="0"/>
+              </a:spcBef>
+              <a:spcAft>
+                <a:spcPts val="0"/>
+              </a:spcAft>
+              <a:buSzPts val="1400"/>
+              <a:buChar char="●"/>
+            </a:pPr>
+            <a:r>
+              <a:rPr lang="en"/>
+              <a:t>Basic algorithm concepts</a:t>
+            </a:r>
+            <a:endParaRPr/>
+          </a:p>
+        </p:txBody>
+      </p:sp>
+      <p:sp>
+        <p:nvSpPr>
+          <p:cNvPr id="143" name="Google Shape;143;p18"/>
+          <p:cNvSpPr txBox="1"/>
+          <p:nvPr/>
+        </p:nvSpPr>
+        <p:spPr>
+          <a:xfrm>
+            <a:off x="460275" y="2068875"/>
+            <a:ext cx="6627900" cy="468600"/>
+          </a:xfrm>
+          <a:prstGeom prst="rect">
+            <a:avLst/>
+          </a:prstGeom>
+          <a:noFill/>
+          <a:ln>
+            <a:noFill/>
+          </a:ln>
+        </p:spPr>
+        <p:txBody>
+          <a:bodyPr anchorCtr="0" anchor="t" bIns="91425" lIns="91425" spcFirstLastPara="1" rIns="91425" wrap="square" tIns="91425">
+            <a:noAutofit/>
+          </a:bodyPr>
+          <a:lstStyle/>
+          <a:p>
+            <a:pPr indent="-317500" lvl="0" marL="457200" rtl="0" algn="l">
+              <a:spcBef>
+                <a:spcPts val="0"/>
+              </a:spcBef>
+              <a:spcAft>
+                <a:spcPts val="0"/>
+              </a:spcAft>
+              <a:buSzPts val="1400"/>
+              <a:buChar char="●"/>
+            </a:pPr>
+            <a:r>
+              <a:rPr lang="en"/>
+              <a:t>Types of algorithms</a:t>
+            </a:r>
+            <a:endParaRPr/>
+          </a:p>
+        </p:txBody>
+      </p:sp>
+      <p:sp>
+        <p:nvSpPr>
+          <p:cNvPr id="144" name="Google Shape;144;p18"/>
+          <p:cNvSpPr txBox="1"/>
+          <p:nvPr/>
+        </p:nvSpPr>
+        <p:spPr>
+          <a:xfrm>
+            <a:off x="874450" y="2380175"/>
+            <a:ext cx="4740300" cy="335100"/>
+          </a:xfrm>
+          <a:prstGeom prst="rect">
+            <a:avLst/>
+          </a:prstGeom>
+          <a:noFill/>
+          <a:ln>
+            <a:noFill/>
+          </a:ln>
+        </p:spPr>
+        <p:txBody>
+          <a:bodyPr anchorCtr="0" anchor="t" bIns="91425" lIns="91425" spcFirstLastPara="1" rIns="91425" wrap="square" tIns="91425">
+            <a:noAutofit/>
+          </a:bodyPr>
+          <a:lstStyle/>
+          <a:p>
+            <a:pPr indent="-298450" lvl="0" marL="457200" rtl="0" algn="l">
+              <a:spcBef>
+                <a:spcPts val="0"/>
+              </a:spcBef>
+              <a:spcAft>
+                <a:spcPts val="0"/>
+              </a:spcAft>
+              <a:buSzPts val="1100"/>
+              <a:buChar char="●"/>
+            </a:pPr>
+            <a:r>
+              <a:rPr lang="en" sz="1100"/>
+              <a:t>Regression</a:t>
+            </a:r>
+            <a:endParaRPr sz="1100"/>
+          </a:p>
+        </p:txBody>
+      </p:sp>
+      <p:sp>
+        <p:nvSpPr>
+          <p:cNvPr id="145" name="Google Shape;145;p18"/>
+          <p:cNvSpPr txBox="1"/>
+          <p:nvPr/>
+        </p:nvSpPr>
+        <p:spPr>
+          <a:xfrm>
+            <a:off x="874450" y="2634275"/>
+            <a:ext cx="4740300" cy="335100"/>
+          </a:xfrm>
+          <a:prstGeom prst="rect">
+            <a:avLst/>
+          </a:prstGeom>
+          <a:noFill/>
+          <a:ln>
+            <a:noFill/>
+          </a:ln>
+        </p:spPr>
+        <p:txBody>
+          <a:bodyPr anchorCtr="0" anchor="t" bIns="91425" lIns="91425" spcFirstLastPara="1" rIns="91425" wrap="square" tIns="91425">
+            <a:noAutofit/>
+          </a:bodyPr>
+          <a:lstStyle/>
+          <a:p>
+            <a:pPr indent="-298450" lvl="0" marL="457200" rtl="0" algn="l">
+              <a:spcBef>
+                <a:spcPts val="0"/>
+              </a:spcBef>
+              <a:spcAft>
+                <a:spcPts val="0"/>
+              </a:spcAft>
+              <a:buSzPts val="1100"/>
+              <a:buChar char="●"/>
+            </a:pPr>
+            <a:r>
+              <a:rPr lang="en" sz="1100"/>
+              <a:t>Clustering</a:t>
+            </a:r>
+            <a:endParaRPr sz="1100"/>
+          </a:p>
+        </p:txBody>
+      </p:sp>
+      <p:sp>
+        <p:nvSpPr>
+          <p:cNvPr id="146" name="Google Shape;146;p18"/>
+          <p:cNvSpPr txBox="1"/>
+          <p:nvPr/>
+        </p:nvSpPr>
+        <p:spPr>
+          <a:xfrm>
+            <a:off x="874450" y="2888375"/>
+            <a:ext cx="4740300" cy="335100"/>
+          </a:xfrm>
+          <a:prstGeom prst="rect">
+            <a:avLst/>
+          </a:prstGeom>
+          <a:noFill/>
+          <a:ln>
+            <a:noFill/>
+          </a:ln>
+        </p:spPr>
+        <p:txBody>
+          <a:bodyPr anchorCtr="0" anchor="t" bIns="91425" lIns="91425" spcFirstLastPara="1" rIns="91425" wrap="square" tIns="91425">
+            <a:noAutofit/>
+          </a:bodyPr>
+          <a:lstStyle/>
+          <a:p>
+            <a:pPr indent="-298450" lvl="0" marL="457200" rtl="0" algn="l">
+              <a:spcBef>
+                <a:spcPts val="0"/>
+              </a:spcBef>
+              <a:spcAft>
+                <a:spcPts val="0"/>
+              </a:spcAft>
+              <a:buSzPts val="1100"/>
+              <a:buChar char="●"/>
+            </a:pPr>
+            <a:r>
+              <a:rPr lang="en" sz="1100"/>
+              <a:t>Classification</a:t>
+            </a:r>
+            <a:endParaRPr sz="1100"/>
+          </a:p>
+        </p:txBody>
+      </p:sp>
+      <p:sp>
+        <p:nvSpPr>
+          <p:cNvPr id="147" name="Google Shape;147;p18"/>
+          <p:cNvSpPr txBox="1"/>
+          <p:nvPr/>
+        </p:nvSpPr>
+        <p:spPr>
+          <a:xfrm>
+            <a:off x="874450" y="3142475"/>
+            <a:ext cx="4740300" cy="335100"/>
+          </a:xfrm>
+          <a:prstGeom prst="rect">
+            <a:avLst/>
+          </a:prstGeom>
+          <a:noFill/>
+          <a:ln>
+            <a:noFill/>
+          </a:ln>
+        </p:spPr>
+        <p:txBody>
+          <a:bodyPr anchorCtr="0" anchor="t" bIns="91425" lIns="91425" spcFirstLastPara="1" rIns="91425" wrap="square" tIns="91425">
+            <a:noAutofit/>
+          </a:bodyPr>
+          <a:lstStyle/>
+          <a:p>
+            <a:pPr indent="-298450" lvl="0" marL="457200" rtl="0" algn="l">
+              <a:spcBef>
+                <a:spcPts val="0"/>
+              </a:spcBef>
+              <a:spcAft>
+                <a:spcPts val="0"/>
+              </a:spcAft>
+              <a:buSzPts val="1100"/>
+              <a:buChar char="●"/>
+            </a:pPr>
+            <a:r>
+              <a:rPr lang="en" sz="1100"/>
+              <a:t>Image Analysis</a:t>
+            </a:r>
+            <a:endParaRPr sz="1100"/>
+          </a:p>
+        </p:txBody>
+      </p:sp>
+      <p:sp>
+        <p:nvSpPr>
+          <p:cNvPr id="148" name="Google Shape;148;p18"/>
+          <p:cNvSpPr txBox="1"/>
+          <p:nvPr/>
+        </p:nvSpPr>
+        <p:spPr>
+          <a:xfrm>
+            <a:off x="874450" y="3396575"/>
+            <a:ext cx="4740300" cy="335100"/>
+          </a:xfrm>
+          <a:prstGeom prst="rect">
+            <a:avLst/>
+          </a:prstGeom>
+          <a:noFill/>
+          <a:ln>
+            <a:noFill/>
+          </a:ln>
+        </p:spPr>
+        <p:txBody>
+          <a:bodyPr anchorCtr="0" anchor="t" bIns="91425" lIns="91425" spcFirstLastPara="1" rIns="91425" wrap="square" tIns="91425">
+            <a:noAutofit/>
+          </a:bodyPr>
+          <a:lstStyle/>
+          <a:p>
+            <a:pPr indent="-298450" lvl="0" marL="457200" rtl="0" algn="l">
+              <a:spcBef>
+                <a:spcPts val="0"/>
+              </a:spcBef>
+              <a:spcAft>
+                <a:spcPts val="0"/>
+              </a:spcAft>
+              <a:buSzPts val="1100"/>
+              <a:buChar char="●"/>
+            </a:pPr>
+            <a:r>
+              <a:rPr lang="en" sz="1100"/>
+              <a:t>Anomaly Detection</a:t>
+            </a:r>
+            <a:endParaRPr sz="1100"/>
+          </a:p>
+        </p:txBody>
+      </p:sp>
+      <p:sp>
+        <p:nvSpPr>
+          <p:cNvPr id="149" name="Google Shape;149;p18"/>
+          <p:cNvSpPr txBox="1"/>
+          <p:nvPr/>
+        </p:nvSpPr>
+        <p:spPr>
+          <a:xfrm>
+            <a:off x="874450" y="3650675"/>
+            <a:ext cx="4740300" cy="335100"/>
+          </a:xfrm>
+          <a:prstGeom prst="rect">
+            <a:avLst/>
+          </a:prstGeom>
+          <a:noFill/>
+          <a:ln>
+            <a:noFill/>
+          </a:ln>
+        </p:spPr>
+        <p:txBody>
+          <a:bodyPr anchorCtr="0" anchor="t" bIns="91425" lIns="91425" spcFirstLastPara="1" rIns="91425" wrap="square" tIns="91425">
+            <a:noAutofit/>
+          </a:bodyPr>
+          <a:lstStyle/>
+          <a:p>
+            <a:pPr indent="-298450" lvl="0" marL="457200" rtl="0" algn="l">
+              <a:spcBef>
+                <a:spcPts val="0"/>
+              </a:spcBef>
+              <a:spcAft>
+                <a:spcPts val="0"/>
+              </a:spcAft>
+              <a:buSzPts val="1100"/>
+              <a:buChar char="●"/>
+            </a:pPr>
+            <a:r>
+              <a:rPr lang="en" sz="1100"/>
+              <a:t>Text Analysis</a:t>
+            </a:r>
+            <a:endParaRPr sz="1100"/>
+          </a:p>
+        </p:txBody>
+      </p:sp>
+      <p:sp>
+        <p:nvSpPr>
+          <p:cNvPr id="150" name="Google Shape;150;p18"/>
+          <p:cNvSpPr txBox="1"/>
+          <p:nvPr/>
+        </p:nvSpPr>
+        <p:spPr>
+          <a:xfrm>
+            <a:off x="874450" y="3904775"/>
+            <a:ext cx="4740300" cy="335100"/>
+          </a:xfrm>
+          <a:prstGeom prst="rect">
+            <a:avLst/>
+          </a:prstGeom>
+          <a:noFill/>
+          <a:ln>
+            <a:noFill/>
+          </a:ln>
+        </p:spPr>
+        <p:txBody>
+          <a:bodyPr anchorCtr="0" anchor="t" bIns="91425" lIns="91425" spcFirstLastPara="1" rIns="91425" wrap="square" tIns="91425">
+            <a:noAutofit/>
+          </a:bodyPr>
+          <a:lstStyle/>
+          <a:p>
+            <a:pPr indent="-298450" lvl="0" marL="457200" rtl="0" algn="l">
+              <a:spcBef>
+                <a:spcPts val="0"/>
+              </a:spcBef>
+              <a:spcAft>
+                <a:spcPts val="0"/>
+              </a:spcAft>
+              <a:buSzPts val="1100"/>
+              <a:buChar char="●"/>
+            </a:pPr>
+            <a:r>
+              <a:rPr lang="en" sz="1100"/>
+              <a:t>Reinforcement Learning</a:t>
+            </a:r>
+            <a:endParaRPr sz="1100"/>
+          </a:p>
+        </p:txBody>
+      </p:sp>
+      <p:sp>
+        <p:nvSpPr>
+          <p:cNvPr id="151" name="Google Shape;151;p18"/>
+          <p:cNvSpPr txBox="1"/>
+          <p:nvPr/>
+        </p:nvSpPr>
+        <p:spPr>
+          <a:xfrm>
+            <a:off x="874450" y="4158875"/>
+            <a:ext cx="4740300" cy="335100"/>
+          </a:xfrm>
+          <a:prstGeom prst="rect">
+            <a:avLst/>
+          </a:prstGeom>
+          <a:noFill/>
+          <a:ln>
+            <a:noFill/>
+          </a:ln>
+        </p:spPr>
+        <p:txBody>
+          <a:bodyPr anchorCtr="0" anchor="t" bIns="91425" lIns="91425" spcFirstLastPara="1" rIns="91425" wrap="square" tIns="91425">
+            <a:noAutofit/>
+          </a:bodyPr>
+          <a:lstStyle/>
+          <a:p>
+            <a:pPr indent="-298450" lvl="0" marL="457200" rtl="0" algn="l">
+              <a:spcBef>
+                <a:spcPts val="0"/>
+              </a:spcBef>
+              <a:spcAft>
+                <a:spcPts val="0"/>
+              </a:spcAft>
+              <a:buSzPts val="1100"/>
+              <a:buChar char="●"/>
+            </a:pPr>
+            <a:r>
+              <a:rPr lang="en" sz="1100"/>
+              <a:t>Forecasting</a:t>
+            </a:r>
+            <a:endParaRPr sz="1100"/>
+          </a:p>
+        </p:txBody>
+      </p:sp>
+      <p:pic>
+        <p:nvPicPr>
+          <p:cNvPr id="152" name="Google Shape;152;p18"/>
+          <p:cNvPicPr preferRelativeResize="0"/>
+          <p:nvPr/>
+        </p:nvPicPr>
+        <p:blipFill>
+          <a:blip r:embed="rId4">
+            <a:alphaModFix/>
+          </a:blip>
+          <a:stretch>
+            <a:fillRect/>
+          </a:stretch>
+        </p:blipFill>
+        <p:spPr>
+          <a:xfrm>
+            <a:off x="2944525" y="2070623"/>
+            <a:ext cx="815623" cy="635837"/>
+          </a:xfrm>
+          <a:prstGeom prst="rect">
+            <a:avLst/>
+          </a:prstGeom>
+          <a:noFill/>
+          <a:ln>
+            <a:noFill/>
+          </a:ln>
+        </p:spPr>
+      </p:pic>
+      <p:pic>
+        <p:nvPicPr>
+          <p:cNvPr id="153" name="Google Shape;153;p18"/>
+          <p:cNvPicPr preferRelativeResize="0"/>
+          <p:nvPr/>
+        </p:nvPicPr>
+        <p:blipFill>
+          <a:blip r:embed="rId5">
+            <a:alphaModFix/>
+          </a:blip>
+          <a:stretch>
+            <a:fillRect/>
+          </a:stretch>
+        </p:blipFill>
+        <p:spPr>
+          <a:xfrm>
+            <a:off x="3103475" y="2776163"/>
+            <a:ext cx="815625" cy="635837"/>
+          </a:xfrm>
+          <a:prstGeom prst="rect">
+            <a:avLst/>
+          </a:prstGeom>
+          <a:noFill/>
+          <a:ln>
+            <a:noFill/>
+          </a:ln>
+        </p:spPr>
+      </p:pic>
+      <p:pic>
+        <p:nvPicPr>
+          <p:cNvPr id="154" name="Google Shape;154;p18"/>
+          <p:cNvPicPr preferRelativeResize="0"/>
+          <p:nvPr/>
+        </p:nvPicPr>
+        <p:blipFill>
+          <a:blip r:embed="rId6">
+            <a:alphaModFix/>
+          </a:blip>
+          <a:stretch>
+            <a:fillRect/>
+          </a:stretch>
+        </p:blipFill>
+        <p:spPr>
+          <a:xfrm>
+            <a:off x="4034850" y="3009975"/>
+            <a:ext cx="752475" cy="752475"/>
+          </a:xfrm>
+          <a:prstGeom prst="rect">
+            <a:avLst/>
+          </a:prstGeom>
+          <a:noFill/>
+          <a:ln>
+            <a:noFill/>
+          </a:ln>
+        </p:spPr>
+      </p:pic>
+      <p:pic>
+        <p:nvPicPr>
+          <p:cNvPr id="155" name="Google Shape;155;p18"/>
+          <p:cNvPicPr preferRelativeResize="0"/>
+          <p:nvPr/>
+        </p:nvPicPr>
+        <p:blipFill>
+          <a:blip r:embed="rId7">
+            <a:alphaModFix/>
+          </a:blip>
+          <a:stretch>
+            <a:fillRect/>
+          </a:stretch>
+        </p:blipFill>
+        <p:spPr>
+          <a:xfrm>
+            <a:off x="3185900" y="3546138"/>
+            <a:ext cx="650775" cy="544175"/>
+          </a:xfrm>
+          <a:prstGeom prst="rect">
+            <a:avLst/>
+          </a:prstGeom>
+          <a:noFill/>
+          <a:ln>
+            <a:noFill/>
+          </a:ln>
+        </p:spPr>
+      </p:pic>
+      <p:pic>
+        <p:nvPicPr>
+          <p:cNvPr id="156" name="Google Shape;156;p18"/>
+          <p:cNvPicPr preferRelativeResize="0"/>
+          <p:nvPr/>
+        </p:nvPicPr>
+        <p:blipFill>
+          <a:blip r:embed="rId8">
+            <a:alphaModFix/>
+          </a:blip>
+          <a:stretch>
+            <a:fillRect/>
+          </a:stretch>
+        </p:blipFill>
+        <p:spPr>
+          <a:xfrm>
+            <a:off x="3956600" y="3904775"/>
+            <a:ext cx="974073" cy="544175"/>
+          </a:xfrm>
+          <a:prstGeom prst="rect">
+            <a:avLst/>
+          </a:prstGeom>
+          <a:noFill/>
+          <a:ln>
+            <a:noFill/>
+          </a:ln>
+        </p:spPr>
+      </p:pic>
+      <p:pic>
+        <p:nvPicPr>
+          <p:cNvPr id="157" name="Google Shape;157;p18"/>
+          <p:cNvPicPr preferRelativeResize="0"/>
+          <p:nvPr/>
+        </p:nvPicPr>
+        <p:blipFill>
+          <a:blip r:embed="rId9">
+            <a:alphaModFix/>
+          </a:blip>
+          <a:stretch>
+            <a:fillRect/>
+          </a:stretch>
+        </p:blipFill>
+        <p:spPr>
+          <a:xfrm>
+            <a:off x="2781125" y="4315575"/>
+            <a:ext cx="1142418" cy="635825"/>
+          </a:xfrm>
+          <a:prstGeom prst="rect">
+            <a:avLst/>
+          </a:prstGeom>
+          <a:noFill/>
+          <a:ln>
+            <a:noFill/>
+          </a:ln>
+        </p:spPr>
+      </p:pic>
+    </p:spTree>
+  </p:cSld>
+  <p:clrMapOvr>
+    <a:masterClrMapping/>
+  </p:clrMapOvr>
+  <p:timing>
+    <p:tnLst>
+      <p:par>
+        <p:cTn dur="indefinite" nodeType="tmRoot" restart="never">
+          <p:childTnLst>
+            <p:seq concurrent="1" nextAc="seek">
+              <p:cTn dur="indefinite" id="2" nodeType="mainSeq">
+                <p:childTnLst>
+                  <p:par>
+                    <p:cTn fill="hold">
+                      <p:stCondLst>
+                        <p:cond delay="indefinite"/>
+                      </p:stCondLst>
+                      <p:childTnLst>
+                        <p:par>
+                          <p:cTn fill="hold">
+                            <p:stCondLst>
+                              <p:cond delay="0"/>
+                            </p:stCondLst>
+                            <p:childTnLst>
+                              <p:par>
+                                <p:cTn fill="hold" nodeType="clickEffect" presetClass="entr" presetID="10" presetSubtype="0">
+                                  <p:stCondLst>
+                                    <p:cond delay="0"/>
+                                  </p:stCondLst>
+                                  <p:childTnLst>
+                                    <p:set>
+                                      <p:cBhvr>
+                                        <p:cTn dur="1" fill="hold">
+                                          <p:stCondLst>
+                                            <p:cond delay="0"/>
+                                          </p:stCondLst>
+                                        </p:cTn>
+                                        <p:tgtEl>
+                                          <p:spTgt spid="142"/>
+                                        </p:tgtEl>
+                                        <p:attrNameLst>
+                                          <p:attrName>style.visibility</p:attrName>
+                                        </p:attrNameLst>
+                                      </p:cBhvr>
+                                      <p:to>
+                                        <p:strVal val="visible"/>
+                                      </p:to>
+                                    </p:set>
+                                    <p:animEffect filter="fade" transition="in">
+                                      <p:cBhvr>
+                                        <p:cTn dur="1000"/>
+                                        <p:tgtEl>
+                                          <p:spTgt spid="142"/>
+                                        </p:tgtEl>
+                                      </p:cBhvr>
+                                    </p:animEffect>
+                                  </p:childTnLst>
+                                </p:cTn>
+                              </p:par>
+                            </p:childTnLst>
+                          </p:cTn>
+                        </p:par>
+                      </p:childTnLst>
+                    </p:cTn>
+                  </p:par>
+                  <p:par>
+                    <p:cTn fill="hold">
+                      <p:stCondLst>
+                        <p:cond delay="indefinite"/>
+                      </p:stCondLst>
+                      <p:childTnLst>
+                        <p:par>
+                          <p:cTn fill="hold">
+                            <p:stCondLst>
+                              <p:cond delay="0"/>
+                            </p:stCondLst>
+                            <p:childTnLst>
+                              <p:par>
+                                <p:cTn fill="hold" nodeType="clickEffect" presetClass="entr" presetID="10" presetSubtype="0">
+                                  <p:stCondLst>
+                                    <p:cond delay="0"/>
+                                  </p:stCondLst>
+                                  <p:childTnLst>
+                                    <p:set>
+                                      <p:cBhvr>
+                                        <p:cTn dur="1" fill="hold">
+                                          <p:stCondLst>
+                                            <p:cond delay="0"/>
+                                          </p:stCondLst>
+                                        </p:cTn>
+                                        <p:tgtEl>
+                                          <p:spTgt spid="143"/>
+                                        </p:tgtEl>
+                                        <p:attrNameLst>
+                                          <p:attrName>style.visibility</p:attrName>
+                                        </p:attrNameLst>
+                                      </p:cBhvr>
+                                      <p:to>
+                                        <p:strVal val="visible"/>
+                                      </p:to>
+                                    </p:set>
+                                    <p:animEffect filter="fade" transition="in">
+                                      <p:cBhvr>
+                                        <p:cTn dur="1000"/>
+                                        <p:tgtEl>
+                                          <p:spTgt spid="143"/>
+                                        </p:tgtEl>
+                                      </p:cBhvr>
+                                    </p:animEffect>
+                                  </p:childTnLst>
+                                </p:cTn>
+                              </p:par>
+                            </p:childTnLst>
+                          </p:cTn>
+                        </p:par>
+                      </p:childTnLst>
+                    </p:cTn>
+                  </p:par>
+                  <p:par>
+                    <p:cTn fill="hold">
+                      <p:stCondLst>
+                        <p:cond delay="indefinite"/>
+                      </p:stCondLst>
+                      <p:childTnLst>
+                        <p:par>
+                          <p:cTn fill="hold">
+                            <p:stCondLst>
+                              <p:cond delay="0"/>
+                            </p:stCondLst>
+                            <p:childTnLst>
+                              <p:par>
+                                <p:cTn fill="hold" nodeType="clickEffect" presetClass="entr" presetID="10" presetSubtype="0">
+                                  <p:stCondLst>
+                                    <p:cond delay="0"/>
+                                  </p:stCondLst>
+                                  <p:childTnLst>
+                                    <p:set>
+                                      <p:cBhvr>
+                                        <p:cTn dur="1" fill="hold">
+                                          <p:stCondLst>
+                                            <p:cond delay="0"/>
+                                          </p:stCondLst>
+                                        </p:cTn>
+                                        <p:tgtEl>
+                                          <p:spTgt spid="144"/>
+                                        </p:tgtEl>
+                                        <p:attrNameLst>
+                                          <p:attrName>style.visibility</p:attrName>
+                                        </p:attrNameLst>
+                                      </p:cBhvr>
+                                      <p:to>
+                                        <p:strVal val="visible"/>
+                                      </p:to>
+                                    </p:set>
+                                    <p:animEffect filter="fade" transition="in">
+                                      <p:cBhvr>
+                                        <p:cTn dur="1000"/>
+                                        <p:tgtEl>
+                                          <p:spTgt spid="144"/>
+                                        </p:tgtEl>
+                                      </p:cBhvr>
+                                    </p:animEffect>
+                                  </p:childTnLst>
+                                </p:cTn>
+                              </p:par>
+                              <p:par>
+                                <p:cTn fill="hold" nodeType="withEffect" presetClass="entr" presetID="10" presetSubtype="0">
+                                  <p:stCondLst>
+                                    <p:cond delay="0"/>
+                                  </p:stCondLst>
+                                  <p:childTnLst>
+                                    <p:set>
+                                      <p:cBhvr>
+                                        <p:cTn dur="1" fill="hold">
+                                          <p:stCondLst>
+                                            <p:cond delay="0"/>
+                                          </p:stCondLst>
+                                        </p:cTn>
+                                        <p:tgtEl>
+                                          <p:spTgt spid="152"/>
+                                        </p:tgtEl>
+                                        <p:attrNameLst>
+                                          <p:attrName>style.visibility</p:attrName>
+                                        </p:attrNameLst>
+                                      </p:cBhvr>
+                                      <p:to>
+                                        <p:strVal val="visible"/>
+                                      </p:to>
+                                    </p:set>
+                                    <p:animEffect filter="fade" transition="in">
+                                      <p:cBhvr>
+                                        <p:cTn dur="1000"/>
+                                        <p:tgtEl>
+                                          <p:spTgt spid="152"/>
+                                        </p:tgtEl>
+                                      </p:cBhvr>
+                                    </p:animEffect>
+                                  </p:childTnLst>
+                                </p:cTn>
+                              </p:par>
+                            </p:childTnLst>
+                          </p:cTn>
+                        </p:par>
+                      </p:childTnLst>
+                    </p:cTn>
+                  </p:par>
+                  <p:par>
+                    <p:cTn fill="hold">
+                      <p:stCondLst>
+                        <p:cond delay="indefinite"/>
+                      </p:stCondLst>
+                      <p:childTnLst>
+                        <p:par>
+                          <p:cTn fill="hold">
+                            <p:stCondLst>
+                              <p:cond delay="0"/>
+                            </p:stCondLst>
+                            <p:childTnLst>
+                              <p:par>
+                                <p:cTn fill="hold" nodeType="clickEffect" presetClass="entr" presetID="10" presetSubtype="0">
+                                  <p:stCondLst>
+                                    <p:cond delay="0"/>
+                                  </p:stCondLst>
+                                  <p:childTnLst>
+                                    <p:set>
+                                      <p:cBhvr>
+                                        <p:cTn dur="1" fill="hold">
+                                          <p:stCondLst>
+                                            <p:cond delay="0"/>
+                                          </p:stCondLst>
+                                        </p:cTn>
+                                        <p:tgtEl>
+                                          <p:spTgt spid="145"/>
+                                        </p:tgtEl>
+                                        <p:attrNameLst>
+                                          <p:attrName>style.visibility</p:attrName>
+                                        </p:attrNameLst>
+                                      </p:cBhvr>
+                                      <p:to>
+                                        <p:strVal val="visible"/>
+                                      </p:to>
+                                    </p:set>
+                                    <p:animEffect filter="fade" transition="in">
+                                      <p:cBhvr>
+                                        <p:cTn dur="1000"/>
+                                        <p:tgtEl>
+                                          <p:spTgt spid="145"/>
+                                        </p:tgtEl>
+                                      </p:cBhvr>
+                                    </p:animEffect>
+                                  </p:childTnLst>
+                                </p:cTn>
+                              </p:par>
+                              <p:par>
+                                <p:cTn fill="hold" nodeType="withEffect" presetClass="entr" presetID="10" presetSubtype="0">
+                                  <p:stCondLst>
+                                    <p:cond delay="0"/>
+                                  </p:stCondLst>
+                                  <p:childTnLst>
+                                    <p:set>
+                                      <p:cBhvr>
+                                        <p:cTn dur="1" fill="hold">
+                                          <p:stCondLst>
+                                            <p:cond delay="0"/>
+                                          </p:stCondLst>
+                                        </p:cTn>
+                                        <p:tgtEl>
+                                          <p:spTgt spid="153"/>
+                                        </p:tgtEl>
+                                        <p:attrNameLst>
+                                          <p:attrName>style.visibility</p:attrName>
+                                        </p:attrNameLst>
+                                      </p:cBhvr>
+                                      <p:to>
+                                        <p:strVal val="visible"/>
+                                      </p:to>
+                                    </p:set>
+                                    <p:animEffect filter="fade" transition="in">
+                                      <p:cBhvr>
+                                        <p:cTn dur="1000"/>
+                                        <p:tgtEl>
+                                          <p:spTgt spid="153"/>
+                                        </p:tgtEl>
+                                      </p:cBhvr>
+                                    </p:animEffect>
+                                  </p:childTnLst>
+                                </p:cTn>
+                              </p:par>
+                            </p:childTnLst>
+                          </p:cTn>
+                        </p:par>
+                      </p:childTnLst>
+                    </p:cTn>
+                  </p:par>
+                  <p:par>
+                    <p:cTn fill="hold">
+                      <p:stCondLst>
+                        <p:cond delay="indefinite"/>
+                      </p:stCondLst>
+                      <p:childTnLst>
+                        <p:par>
+                          <p:cTn fill="hold">
+                            <p:stCondLst>
+                              <p:cond delay="0"/>
+                            </p:stCondLst>
+                            <p:childTnLst>
+                              <p:par>
+                                <p:cTn fill="hold" nodeType="clickEffect" presetClass="entr" presetID="10" presetSubtype="0">
+                                  <p:stCondLst>
+                                    <p:cond delay="0"/>
+                                  </p:stCondLst>
+                                  <p:childTnLst>
+                                    <p:set>
+                                      <p:cBhvr>
+                                        <p:cTn dur="1" fill="hold">
+                                          <p:stCondLst>
+                                            <p:cond delay="0"/>
+                                          </p:stCondLst>
+                                        </p:cTn>
+                                        <p:tgtEl>
+                                          <p:spTgt spid="146"/>
+                                        </p:tgtEl>
+                                        <p:attrNameLst>
+                                          <p:attrName>style.visibility</p:attrName>
+                                        </p:attrNameLst>
+                                      </p:cBhvr>
+                                      <p:to>
+                                        <p:strVal val="visible"/>
+                                      </p:to>
+                                    </p:set>
+                                    <p:animEffect filter="fade" transition="in">
+                                      <p:cBhvr>
+                                        <p:cTn dur="1000"/>
+                                        <p:tgtEl>
+                                          <p:spTgt spid="146"/>
+                                        </p:tgtEl>
+                                      </p:cBhvr>
+                                    </p:animEffect>
+                                  </p:childTnLst>
+                                </p:cTn>
+                              </p:par>
+                              <p:par>
+                                <p:cTn fill="hold" nodeType="withEffect" presetClass="entr" presetID="10" presetSubtype="0">
+                                  <p:stCondLst>
+                                    <p:cond delay="0"/>
+                                  </p:stCondLst>
+                                  <p:childTnLst>
+                                    <p:set>
+                                      <p:cBhvr>
+                                        <p:cTn dur="1" fill="hold">
+                                          <p:stCondLst>
+                                            <p:cond delay="0"/>
+                                          </p:stCondLst>
+                                        </p:cTn>
+                                        <p:tgtEl>
+                                          <p:spTgt spid="154"/>
+                                        </p:tgtEl>
+                                        <p:attrNameLst>
+                                          <p:attrName>style.visibility</p:attrName>
+                                        </p:attrNameLst>
+                                      </p:cBhvr>
+                                      <p:to>
+                                        <p:strVal val="visible"/>
+                                      </p:to>
+                                    </p:set>
+                                    <p:animEffect filter="fade" transition="in">
+                                      <p:cBhvr>
+                                        <p:cTn dur="1000"/>
+                                        <p:tgtEl>
+                                          <p:spTgt spid="154"/>
+                                        </p:tgtEl>
+                                      </p:cBhvr>
+                                    </p:animEffect>
+                                  </p:childTnLst>
+                                </p:cTn>
+                              </p:par>
+                            </p:childTnLst>
+                          </p:cTn>
+                        </p:par>
+                      </p:childTnLst>
+                    </p:cTn>
+                  </p:par>
+                  <p:par>
+                    <p:cTn fill="hold">
+                      <p:stCondLst>
+                        <p:cond delay="indefinite"/>
+                      </p:stCondLst>
+                      <p:childTnLst>
+                        <p:par>
+                          <p:cTn fill="hold">
+                            <p:stCondLst>
+                              <p:cond delay="0"/>
+                            </p:stCondLst>
+                            <p:childTnLst>
+                              <p:par>
+                                <p:cTn fill="hold" nodeType="clickEffect" presetClass="entr" presetID="10" presetSubtype="0">
+                                  <p:stCondLst>
+                                    <p:cond delay="0"/>
+                                  </p:stCondLst>
+                                  <p:childTnLst>
+                                    <p:set>
+                                      <p:cBhvr>
+                                        <p:cTn dur="1" fill="hold">
+                                          <p:stCondLst>
+                                            <p:cond delay="0"/>
+                                          </p:stCondLst>
+                                        </p:cTn>
+                                        <p:tgtEl>
+                                          <p:spTgt spid="147"/>
+                                        </p:tgtEl>
+                                        <p:attrNameLst>
+                                          <p:attrName>style.visibility</p:attrName>
+                                        </p:attrNameLst>
+                                      </p:cBhvr>
+                                      <p:to>
+                                        <p:strVal val="visible"/>
+                                      </p:to>
+                                    </p:set>
+                                    <p:animEffect filter="fade" transition="in">
+                                      <p:cBhvr>
+                                        <p:cTn dur="1000"/>
+                                        <p:tgtEl>
+                                          <p:spTgt spid="147"/>
+                                        </p:tgtEl>
+                                      </p:cBhvr>
+                                    </p:animEffect>
+                                  </p:childTnLst>
+                                </p:cTn>
+                              </p:par>
+                            </p:childTnLst>
+                          </p:cTn>
+                        </p:par>
+                      </p:childTnLst>
+                    </p:cTn>
+                  </p:par>
+                  <p:par>
+                    <p:cTn fill="hold">
+                      <p:stCondLst>
+                        <p:cond delay="indefinite"/>
+                      </p:stCondLst>
+                      <p:childTnLst>
+                        <p:par>
+                          <p:cTn fill="hold">
+                            <p:stCondLst>
+                              <p:cond delay="0"/>
+                            </p:stCondLst>
+                            <p:childTnLst>
+                              <p:par>
+                                <p:cTn fill="hold" nodeType="clickEffect" presetClass="entr" presetID="10" presetSubtype="0">
+                                  <p:stCondLst>
+                                    <p:cond delay="0"/>
+                                  </p:stCondLst>
+                                  <p:childTnLst>
+                                    <p:set>
+                                      <p:cBhvr>
+                                        <p:cTn dur="1" fill="hold">
+                                          <p:stCondLst>
+                                            <p:cond delay="0"/>
+                                          </p:stCondLst>
+                                        </p:cTn>
+                                        <p:tgtEl>
+                                          <p:spTgt spid="148"/>
+                                        </p:tgtEl>
+                                        <p:attrNameLst>
+                                          <p:attrName>style.visibility</p:attrName>
+                                        </p:attrNameLst>
+                                      </p:cBhvr>
+                                      <p:to>
+                                        <p:strVal val="visible"/>
+                                      </p:to>
+                                    </p:set>
+                                    <p:animEffect filter="fade" transition="in">
+                                      <p:cBhvr>
+                                        <p:cTn dur="1000"/>
+                                        <p:tgtEl>
+                                          <p:spTgt spid="148"/>
+                                        </p:tgtEl>
+                                      </p:cBhvr>
+                                    </p:animEffect>
+                                  </p:childTnLst>
+                                </p:cTn>
+                              </p:par>
+                              <p:par>
+                                <p:cTn fill="hold" nodeType="withEffect" presetClass="entr" presetID="10" presetSubtype="0">
+                                  <p:stCondLst>
+                                    <p:cond delay="0"/>
+                                  </p:stCondLst>
+                                  <p:childTnLst>
+                                    <p:set>
+                                      <p:cBhvr>
+                                        <p:cTn dur="1" fill="hold">
+                                          <p:stCondLst>
+                                            <p:cond delay="0"/>
+                                          </p:stCondLst>
+                                        </p:cTn>
+                                        <p:tgtEl>
+                                          <p:spTgt spid="155"/>
+                                        </p:tgtEl>
+                                        <p:attrNameLst>
+                                          <p:attrName>style.visibility</p:attrName>
+                                        </p:attrNameLst>
+                                      </p:cBhvr>
+                                      <p:to>
+                                        <p:strVal val="visible"/>
+                                      </p:to>
+                                    </p:set>
+                                    <p:animEffect filter="fade" transition="in">
+                                      <p:cBhvr>
+                                        <p:cTn dur="1000"/>
+                                        <p:tgtEl>
+                                          <p:spTgt spid="155"/>
+                                        </p:tgtEl>
+                                      </p:cBhvr>
+                                    </p:animEffect>
+                                  </p:childTnLst>
+                                </p:cTn>
+                              </p:par>
+                            </p:childTnLst>
+                          </p:cTn>
+                        </p:par>
+                      </p:childTnLst>
+                    </p:cTn>
+                  </p:par>
+                  <p:par>
+                    <p:cTn fill="hold">
+                      <p:stCondLst>
+                        <p:cond delay="indefinite"/>
+                      </p:stCondLst>
+                      <p:childTnLst>
+                        <p:par>
+                          <p:cTn fill="hold">
+                            <p:stCondLst>
+                              <p:cond delay="0"/>
+                            </p:stCondLst>
+                            <p:childTnLst>
+                              <p:par>
+                                <p:cTn fill="hold" nodeType="clickEffect" presetClass="entr" presetID="10" presetSubtype="0">
+                                  <p:stCondLst>
+                                    <p:cond delay="0"/>
+                                  </p:stCondLst>
+                                  <p:childTnLst>
+                                    <p:set>
+                                      <p:cBhvr>
+                                        <p:cTn dur="1" fill="hold">
+                                          <p:stCondLst>
+                                            <p:cond delay="0"/>
+                                          </p:stCondLst>
+                                        </p:cTn>
+                                        <p:tgtEl>
+                                          <p:spTgt spid="149"/>
+                                        </p:tgtEl>
+                                        <p:attrNameLst>
+                                          <p:attrName>style.visibility</p:attrName>
+                                        </p:attrNameLst>
+                                      </p:cBhvr>
+                                      <p:to>
+                                        <p:strVal val="visible"/>
+                                      </p:to>
+                                    </p:set>
+                                    <p:animEffect filter="fade" transition="in">
+                                      <p:cBhvr>
+                                        <p:cTn dur="1000"/>
+                                        <p:tgtEl>
+                                          <p:spTgt spid="149"/>
+                                        </p:tgtEl>
+                                      </p:cBhvr>
+                                    </p:animEffect>
+                                  </p:childTnLst>
+                                </p:cTn>
+                              </p:par>
+                            </p:childTnLst>
+                          </p:cTn>
+                        </p:par>
+                      </p:childTnLst>
+                    </p:cTn>
+                  </p:par>
+                  <p:par>
+                    <p:cTn fill="hold">
+                      <p:stCondLst>
+                        <p:cond delay="indefinite"/>
+                      </p:stCondLst>
+                      <p:childTnLst>
+                        <p:par>
+                          <p:cTn fill="hold">
+                            <p:stCondLst>
+                              <p:cond delay="0"/>
+                            </p:stCondLst>
+                            <p:childTnLst>
+                              <p:par>
+                                <p:cTn fill="hold" nodeType="clickEffect" presetClass="entr" presetID="10" presetSubtype="0">
+                                  <p:stCondLst>
+                                    <p:cond delay="0"/>
+                                  </p:stCondLst>
+                                  <p:childTnLst>
+                                    <p:set>
+                                      <p:cBhvr>
+                                        <p:cTn dur="1" fill="hold">
+                                          <p:stCondLst>
+                                            <p:cond delay="0"/>
+                                          </p:stCondLst>
+                                        </p:cTn>
+                                        <p:tgtEl>
+                                          <p:spTgt spid="150"/>
+                                        </p:tgtEl>
+                                        <p:attrNameLst>
+                                          <p:attrName>style.visibility</p:attrName>
+                                        </p:attrNameLst>
+                                      </p:cBhvr>
+                                      <p:to>
+                                        <p:strVal val="visible"/>
+                                      </p:to>
+                                    </p:set>
+                                    <p:animEffect filter="fade" transition="in">
+                                      <p:cBhvr>
+                                        <p:cTn dur="1000"/>
+                                        <p:tgtEl>
+                                          <p:spTgt spid="150"/>
+                                        </p:tgtEl>
+                                      </p:cBhvr>
+                                    </p:animEffect>
+                                  </p:childTnLst>
+                                </p:cTn>
+                              </p:par>
+                              <p:par>
+                                <p:cTn fill="hold" nodeType="withEffect" presetClass="entr" presetID="10" presetSubtype="0">
+                                  <p:stCondLst>
+                                    <p:cond delay="0"/>
+                                  </p:stCondLst>
+                                  <p:childTnLst>
+                                    <p:set>
+                                      <p:cBhvr>
+                                        <p:cTn dur="1" fill="hold">
+                                          <p:stCondLst>
+                                            <p:cond delay="0"/>
+                                          </p:stCondLst>
+                                        </p:cTn>
+                                        <p:tgtEl>
+                                          <p:spTgt spid="156"/>
+                                        </p:tgtEl>
+                                        <p:attrNameLst>
+                                          <p:attrName>style.visibility</p:attrName>
+                                        </p:attrNameLst>
+                                      </p:cBhvr>
+                                      <p:to>
+                                        <p:strVal val="visible"/>
+                                      </p:to>
+                                    </p:set>
+                                    <p:animEffect filter="fade" transition="in">
+                                      <p:cBhvr>
+                                        <p:cTn dur="1000"/>
+                                        <p:tgtEl>
+                                          <p:spTgt spid="156"/>
+                                        </p:tgtEl>
+                                      </p:cBhvr>
+                                    </p:animEffect>
+                                  </p:childTnLst>
+                                </p:cTn>
+                              </p:par>
+                            </p:childTnLst>
+                          </p:cTn>
+                        </p:par>
+                      </p:childTnLst>
+                    </p:cTn>
+                  </p:par>
+                  <p:par>
+                    <p:cTn fill="hold">
+                      <p:stCondLst>
+                        <p:cond delay="indefinite"/>
+                      </p:stCondLst>
+                      <p:childTnLst>
+                        <p:par>
+                          <p:cTn fill="hold">
+                            <p:stCondLst>
+                              <p:cond delay="0"/>
+                            </p:stCondLst>
+                            <p:childTnLst>
+                              <p:par>
+                                <p:cTn fill="hold" nodeType="clickEffect" presetClass="entr" presetID="10" presetSubtype="0">
+                                  <p:stCondLst>
+                                    <p:cond delay="0"/>
+                                  </p:stCondLst>
+                                  <p:childTnLst>
+                                    <p:set>
+                                      <p:cBhvr>
+                                        <p:cTn dur="1" fill="hold">
+                                          <p:stCondLst>
+                                            <p:cond delay="0"/>
+                                          </p:stCondLst>
+                                        </p:cTn>
+                                        <p:tgtEl>
+                                          <p:spTgt spid="151"/>
+                                        </p:tgtEl>
+                                        <p:attrNameLst>
+                                          <p:attrName>style.visibility</p:attrName>
+                                        </p:attrNameLst>
+                                      </p:cBhvr>
+                                      <p:to>
+                                        <p:strVal val="visible"/>
+                                      </p:to>
+                                    </p:set>
+                                    <p:animEffect filter="fade" transition="in">
+                                      <p:cBhvr>
+                                        <p:cTn dur="1000"/>
+                                        <p:tgtEl>
+                                          <p:spTgt spid="151"/>
+                                        </p:tgtEl>
+                                      </p:cBhvr>
+                                    </p:animEffect>
+                                  </p:childTnLst>
+                                </p:cTn>
+                              </p:par>
+                              <p:par>
+                                <p:cTn fill="hold" nodeType="withEffect" presetClass="entr" presetID="10" presetSubtype="0">
+                                  <p:stCondLst>
+                                    <p:cond delay="0"/>
+                                  </p:stCondLst>
+                                  <p:childTnLst>
+                                    <p:set>
+                                      <p:cBhvr>
+                                        <p:cTn dur="1" fill="hold">
+                                          <p:stCondLst>
+                                            <p:cond delay="0"/>
+                                          </p:stCondLst>
+                                        </p:cTn>
+                                        <p:tgtEl>
+                                          <p:spTgt spid="157"/>
+                                        </p:tgtEl>
+                                        <p:attrNameLst>
+                                          <p:attrName>style.visibility</p:attrName>
+                                        </p:attrNameLst>
+                                      </p:cBhvr>
+                                      <p:to>
+                                        <p:strVal val="visible"/>
+                                      </p:to>
+                                    </p:set>
+                                    <p:animEffect filter="fade" transition="in">
+                                      <p:cBhvr>
+                                        <p:cTn dur="1000"/>
+                                        <p:tgtEl>
+                                          <p:spTgt spid="157"/>
+                                        </p:tgtEl>
+                                      </p:cBhvr>
+                                    </p:animEffect>
+                                  </p:childTnLst>
+                                </p:cTn>
+                              </p:par>
+                            </p:childTnLst>
+                          </p:cTn>
+                        </p:par>
+                      </p:childTnLst>
+                    </p:cTn>
+                  </p:par>
+                </p:childTnLst>
+              </p:cTn>
+              <p:prevCondLst>
+                <p:cond evt="onPrev">
+                  <p:tgtEl>
+                    <p:sldTgt/>
+                  </p:tgtEl>
+                </p:cond>
+              </p:prevCondLst>
+              <p:nextCondLst>
+                <p:cond evt="onNext">
+                  <p:tgtEl>
+                    <p:sldTgt/>
+                  </p:tgtEl>
+                </p:cond>
+              </p:nextCondLst>
+            </p:seq>
+          </p:childTnLst>
+        </p:cTn>
+      </p:par>
+    </p:tnLst>
+  </p:timing>
+</p:sld>
+</file>
+
+<file path=ppt/slides/slide7.xml><?xml version="1.0" encoding="utf-8"?>
+<p:sld xmlns:a="http://schemas.openxmlformats.org/drawingml/2006/main" xmlns:r="http://schemas.openxmlformats.org/officeDocument/2006/relationships" xmlns:mc="http://schemas.openxmlformats.org/markup-compatibility/2006" xmlns:mv="urn:schemas-microsoft-com:mac:vml" xmlns:p="http://schemas.openxmlformats.org/presentationml/2006/main" xmlns:c="http://schemas.openxmlformats.org/drawingml/2006/chart" xmlns:dgm="http://schemas.openxmlformats.org/drawingml/2006/diagram" xmlns:o="urn:schemas-microsoft-com:office:office" xmlns:v="urn:schemas-microsoft-com:vml" xmlns:pvml="urn:schemas-microsoft-com:office:powerpoint" xmlns:com="http://schemas.openxmlformats.org/drawingml/2006/compatibility" xmlns:p14="http://schemas.microsoft.com/office/powerpoint/2010/main" xmlns:p15="http://schemas.microsoft.com/office/powerpoint/2012/main">
+  <p:cSld>
+    <p:spTree>
+      <p:nvGrpSpPr>
+        <p:cNvPr id="161" name="Shape 161"/>
+        <p:cNvGrpSpPr/>
+        <p:nvPr/>
+      </p:nvGrpSpPr>
+      <p:grpSpPr>
+        <a:xfrm>
+          <a:off x="0" y="0"/>
+          <a:ext cx="0" cy="0"/>
+          <a:chOff x="0" y="0"/>
+          <a:chExt cx="0" cy="0"/>
+        </a:xfrm>
+      </p:grpSpPr>
+      <p:sp>
+        <p:nvSpPr>
+          <p:cNvPr id="162" name="Google Shape;162;p19"/>
+          <p:cNvSpPr/>
+          <p:nvPr/>
+        </p:nvSpPr>
+        <p:spPr>
+          <a:xfrm>
+            <a:off x="-179682" y="-308191"/>
+            <a:ext cx="9647400" cy="1688700"/>
+          </a:xfrm>
+          <a:prstGeom prst="rect">
+            <a:avLst/>
+          </a:prstGeom>
+          <a:solidFill>
+            <a:srgbClr val="002645"/>
+          </a:solidFill>
+          <a:ln>
+            <a:noFill/>
+          </a:ln>
+          <a:effectLst>
+            <a:outerShdw blurRad="50800" rotWithShape="0" dir="5400000" dist="38100">
+              <a:srgbClr val="000000">
+                <a:alpha val="40000"/>
+              </a:srgbClr>
+            </a:outerShdw>
+          </a:effectLst>
+        </p:spPr>
+        <p:txBody>
+          <a:bodyPr anchorCtr="0" anchor="ctr" bIns="34275" lIns="34275" spcFirstLastPara="1" rIns="34275" wrap="square" tIns="34275">
+            <a:noAutofit/>
+          </a:bodyPr>
+          <a:lstStyle/>
+          <a:p>
+            <a:pPr indent="0" lvl="0" marL="0" marR="0" rtl="0" algn="ctr">
+              <a:lnSpc>
+                <a:spcPct val="100000"/>
+              </a:lnSpc>
+              <a:spcBef>
+                <a:spcPts val="0"/>
+              </a:spcBef>
+              <a:spcAft>
+                <a:spcPts val="0"/>
+              </a:spcAft>
+              <a:buClr>
+                <a:srgbClr val="FFFFFF"/>
+              </a:buClr>
+              <a:buSzPts val="1400"/>
+              <a:buFont typeface="Calibri"/>
+              <a:buNone/>
+            </a:pPr>
+            <a:r>
+              <a:t/>
+            </a:r>
+            <a:endParaRPr b="0" i="0" sz="1400" u="none" cap="none" strike="noStrike">
+              <a:solidFill>
+                <a:srgbClr val="FFFFFF"/>
+              </a:solidFill>
+              <a:latin typeface="Calibri"/>
+              <a:ea typeface="Calibri"/>
+              <a:cs typeface="Calibri"/>
+              <a:sym typeface="Calibri"/>
+            </a:endParaRPr>
+          </a:p>
+        </p:txBody>
+      </p:sp>
+      <p:sp>
+        <p:nvSpPr>
+          <p:cNvPr id="163" name="Google Shape;163;p19"/>
+          <p:cNvSpPr/>
+          <p:nvPr/>
+        </p:nvSpPr>
+        <p:spPr>
+          <a:xfrm>
+            <a:off x="228600" y="331700"/>
+            <a:ext cx="8915400" cy="468600"/>
+          </a:xfrm>
+          <a:prstGeom prst="rect">
+            <a:avLst/>
+          </a:prstGeom>
+          <a:noFill/>
+          <a:ln>
+            <a:noFill/>
+          </a:ln>
+        </p:spPr>
+        <p:txBody>
+          <a:bodyPr anchorCtr="0" anchor="t" bIns="34275" lIns="34275" spcFirstLastPara="1" rIns="34275" wrap="square" tIns="34275">
+            <a:noAutofit/>
+          </a:bodyPr>
+          <a:lstStyle/>
+          <a:p>
+            <a:pPr indent="0" lvl="0" marL="0" marR="0" rtl="0" algn="l">
+              <a:lnSpc>
+                <a:spcPct val="100000"/>
+              </a:lnSpc>
+              <a:spcBef>
+                <a:spcPts val="0"/>
+              </a:spcBef>
+              <a:spcAft>
+                <a:spcPts val="0"/>
+              </a:spcAft>
+              <a:buClr>
+                <a:srgbClr val="F2F2F2"/>
+              </a:buClr>
+              <a:buSzPts val="2600"/>
+              <a:buFont typeface="Open Sans"/>
+              <a:buNone/>
+            </a:pPr>
+            <a:r>
+              <a:rPr b="1" lang="en" sz="2100">
+                <a:solidFill>
+                  <a:srgbClr val="F2F2F2"/>
+                </a:solidFill>
+                <a:latin typeface="Open Sans"/>
+                <a:ea typeface="Open Sans"/>
+                <a:cs typeface="Open Sans"/>
+                <a:sym typeface="Open Sans"/>
+              </a:rPr>
+              <a:t>AWS Machine Learning Implementation and Operations  Concepts</a:t>
+            </a:r>
+            <a:endParaRPr sz="2100"/>
+          </a:p>
+        </p:txBody>
+      </p:sp>
+      <p:sp>
+        <p:nvSpPr>
+          <p:cNvPr id="164" name="Google Shape;164;p19"/>
+          <p:cNvSpPr/>
+          <p:nvPr/>
+        </p:nvSpPr>
+        <p:spPr>
+          <a:xfrm>
+            <a:off x="313771" y="843754"/>
+            <a:ext cx="2789700" cy="34200"/>
+          </a:xfrm>
+          <a:prstGeom prst="rect">
+            <a:avLst/>
+          </a:prstGeom>
+          <a:solidFill>
+            <a:srgbClr val="DE6E22"/>
+          </a:solidFill>
+          <a:ln>
+            <a:noFill/>
+          </a:ln>
+        </p:spPr>
+        <p:txBody>
+          <a:bodyPr anchorCtr="0" anchor="ctr" bIns="34275" lIns="34275" spcFirstLastPara="1" rIns="34275" wrap="square" tIns="34275">
+            <a:noAutofit/>
+          </a:bodyPr>
+          <a:lstStyle/>
+          <a:p>
+            <a:pPr indent="0" lvl="0" marL="0" marR="0" rtl="0" algn="ctr">
+              <a:lnSpc>
+                <a:spcPct val="100000"/>
+              </a:lnSpc>
+              <a:spcBef>
+                <a:spcPts val="0"/>
+              </a:spcBef>
+              <a:spcAft>
+                <a:spcPts val="0"/>
+              </a:spcAft>
+              <a:buClr>
+                <a:srgbClr val="FFFFFF"/>
+              </a:buClr>
+              <a:buSzPts val="1400"/>
+              <a:buFont typeface="Calibri"/>
+              <a:buNone/>
+            </a:pPr>
+            <a:r>
+              <a:t/>
+            </a:r>
+            <a:endParaRPr b="0" i="0" sz="1400" u="none" cap="none" strike="noStrike">
+              <a:solidFill>
+                <a:srgbClr val="FFFFFF"/>
+              </a:solidFill>
+              <a:latin typeface="Calibri"/>
+              <a:ea typeface="Calibri"/>
+              <a:cs typeface="Calibri"/>
+              <a:sym typeface="Calibri"/>
+            </a:endParaRPr>
+          </a:p>
+        </p:txBody>
+      </p:sp>
+      <p:sp>
+        <p:nvSpPr>
+          <p:cNvPr id="165" name="Google Shape;165;p19"/>
+          <p:cNvSpPr/>
+          <p:nvPr/>
+        </p:nvSpPr>
+        <p:spPr>
+          <a:xfrm>
+            <a:off x="228600" y="952975"/>
+            <a:ext cx="4144200" cy="335100"/>
+          </a:xfrm>
+          <a:prstGeom prst="rect">
+            <a:avLst/>
+          </a:prstGeom>
+          <a:noFill/>
+          <a:ln>
+            <a:noFill/>
+          </a:ln>
+        </p:spPr>
+        <p:txBody>
+          <a:bodyPr anchorCtr="0" anchor="t" bIns="34275" lIns="34275" spcFirstLastPara="1" rIns="34275" wrap="square" tIns="34275">
+            <a:noAutofit/>
+          </a:bodyPr>
+          <a:lstStyle/>
+          <a:p>
+            <a:pPr indent="0" lvl="0" marL="0" marR="0" rtl="0" algn="l">
+              <a:lnSpc>
+                <a:spcPct val="100000"/>
+              </a:lnSpc>
+              <a:spcBef>
+                <a:spcPts val="0"/>
+              </a:spcBef>
+              <a:spcAft>
+                <a:spcPts val="0"/>
+              </a:spcAft>
+              <a:buClr>
+                <a:srgbClr val="D9D9D9"/>
+              </a:buClr>
+              <a:buSzPts val="1700"/>
+              <a:buFont typeface="Open Sans"/>
+              <a:buNone/>
+            </a:pPr>
+            <a:r>
+              <a:t/>
+            </a:r>
+            <a:endParaRPr sz="1100"/>
+          </a:p>
+        </p:txBody>
+      </p:sp>
+      <p:pic>
+        <p:nvPicPr>
+          <p:cNvPr id="166" name="Google Shape;166;p19"/>
+          <p:cNvPicPr preferRelativeResize="0"/>
+          <p:nvPr/>
+        </p:nvPicPr>
+        <p:blipFill>
+          <a:blip r:embed="rId3">
+            <a:alphaModFix/>
+          </a:blip>
+          <a:stretch>
+            <a:fillRect/>
+          </a:stretch>
+        </p:blipFill>
+        <p:spPr>
+          <a:xfrm>
+            <a:off x="8325525" y="4593059"/>
+            <a:ext cx="752475" cy="495300"/>
+          </a:xfrm>
+          <a:prstGeom prst="rect">
+            <a:avLst/>
+          </a:prstGeom>
+          <a:noFill/>
+          <a:ln>
+            <a:noFill/>
+          </a:ln>
+        </p:spPr>
+      </p:pic>
+      <p:sp>
+        <p:nvSpPr>
+          <p:cNvPr id="167" name="Google Shape;167;p19"/>
+          <p:cNvSpPr txBox="1"/>
+          <p:nvPr/>
+        </p:nvSpPr>
+        <p:spPr>
+          <a:xfrm>
+            <a:off x="460275" y="1726025"/>
+            <a:ext cx="6627900" cy="468600"/>
+          </a:xfrm>
+          <a:prstGeom prst="rect">
+            <a:avLst/>
+          </a:prstGeom>
+          <a:noFill/>
+          <a:ln>
+            <a:noFill/>
+          </a:ln>
+        </p:spPr>
+        <p:txBody>
+          <a:bodyPr anchorCtr="0" anchor="t" bIns="91425" lIns="91425" spcFirstLastPara="1" rIns="91425" wrap="square" tIns="91425">
+            <a:noAutofit/>
+          </a:bodyPr>
+          <a:lstStyle/>
+          <a:p>
+            <a:pPr indent="-317500" lvl="0" marL="457200" rtl="0" algn="l">
+              <a:spcBef>
+                <a:spcPts val="0"/>
+              </a:spcBef>
+              <a:spcAft>
+                <a:spcPts val="0"/>
+              </a:spcAft>
+              <a:buSzPts val="1400"/>
+              <a:buChar char="●"/>
+            </a:pPr>
+            <a:r>
+              <a:rPr lang="en"/>
+              <a:t>Modeling concepts</a:t>
+            </a:r>
+            <a:endParaRPr/>
+          </a:p>
+        </p:txBody>
+      </p:sp>
+      <p:sp>
+        <p:nvSpPr>
+          <p:cNvPr id="168" name="Google Shape;168;p19"/>
+          <p:cNvSpPr txBox="1"/>
+          <p:nvPr/>
+        </p:nvSpPr>
+        <p:spPr>
+          <a:xfrm>
+            <a:off x="460275" y="2088325"/>
+            <a:ext cx="6627900" cy="468600"/>
+          </a:xfrm>
+          <a:prstGeom prst="rect">
+            <a:avLst/>
+          </a:prstGeom>
+          <a:noFill/>
+          <a:ln>
+            <a:noFill/>
+          </a:ln>
+        </p:spPr>
+        <p:txBody>
+          <a:bodyPr anchorCtr="0" anchor="t" bIns="91425" lIns="91425" spcFirstLastPara="1" rIns="91425" wrap="square" tIns="91425">
+            <a:noAutofit/>
+          </a:bodyPr>
+          <a:lstStyle/>
+          <a:p>
+            <a:pPr indent="-317500" lvl="0" marL="457200" rtl="0" algn="l">
+              <a:spcBef>
+                <a:spcPts val="0"/>
+              </a:spcBef>
+              <a:spcAft>
+                <a:spcPts val="0"/>
+              </a:spcAft>
+              <a:buSzPts val="1400"/>
+              <a:buChar char="●"/>
+            </a:pPr>
+            <a:r>
+              <a:rPr lang="en"/>
+              <a:t>B</a:t>
+            </a:r>
+            <a:r>
+              <a:rPr lang="en"/>
+              <a:t>uilding machine learning solutions that are performant available </a:t>
+            </a:r>
+            <a:r>
+              <a:rPr lang="en"/>
+              <a:t>scalable</a:t>
+            </a:r>
+            <a:r>
+              <a:rPr lang="en"/>
+              <a:t> resilient and fault tolerant</a:t>
+            </a:r>
+            <a:endParaRPr/>
+          </a:p>
+        </p:txBody>
+      </p:sp>
+      <p:sp>
+        <p:nvSpPr>
+          <p:cNvPr id="169" name="Google Shape;169;p19"/>
+          <p:cNvSpPr txBox="1"/>
+          <p:nvPr/>
+        </p:nvSpPr>
+        <p:spPr>
+          <a:xfrm>
+            <a:off x="460275" y="2603025"/>
+            <a:ext cx="6627900" cy="468600"/>
+          </a:xfrm>
+          <a:prstGeom prst="rect">
+            <a:avLst/>
+          </a:prstGeom>
+          <a:noFill/>
+          <a:ln>
+            <a:noFill/>
+          </a:ln>
+        </p:spPr>
+        <p:txBody>
+          <a:bodyPr anchorCtr="0" anchor="t" bIns="91425" lIns="91425" spcFirstLastPara="1" rIns="91425" wrap="square" tIns="91425">
+            <a:noAutofit/>
+          </a:bodyPr>
+          <a:lstStyle/>
+          <a:p>
+            <a:pPr indent="-317500" lvl="0" marL="457200" rtl="0" algn="l">
+              <a:spcBef>
+                <a:spcPts val="0"/>
+              </a:spcBef>
+              <a:spcAft>
+                <a:spcPts val="0"/>
+              </a:spcAft>
+              <a:buSzPts val="1400"/>
+              <a:buChar char="●"/>
+            </a:pPr>
+            <a:r>
+              <a:rPr lang="en"/>
+              <a:t>R</a:t>
+            </a:r>
+            <a:r>
+              <a:rPr lang="en"/>
+              <a:t>ecommending and implementing the appropriate machine learning services and features for a given problem,</a:t>
+            </a:r>
+            <a:endParaRPr/>
+          </a:p>
+        </p:txBody>
+      </p:sp>
+      <p:sp>
+        <p:nvSpPr>
+          <p:cNvPr id="170" name="Google Shape;170;p19"/>
+          <p:cNvSpPr txBox="1"/>
+          <p:nvPr/>
+        </p:nvSpPr>
+        <p:spPr>
+          <a:xfrm>
+            <a:off x="460275" y="3117725"/>
+            <a:ext cx="6627900" cy="468600"/>
+          </a:xfrm>
+          <a:prstGeom prst="rect">
+            <a:avLst/>
+          </a:prstGeom>
+          <a:noFill/>
+          <a:ln>
+            <a:noFill/>
+          </a:ln>
+        </p:spPr>
+        <p:txBody>
+          <a:bodyPr anchorCtr="0" anchor="t" bIns="91425" lIns="91425" spcFirstLastPara="1" rIns="91425" wrap="square" tIns="91425">
+            <a:noAutofit/>
+          </a:bodyPr>
+          <a:lstStyle/>
+          <a:p>
+            <a:pPr indent="-317500" lvl="0" marL="457200" rtl="0" algn="l">
+              <a:spcBef>
+                <a:spcPts val="0"/>
+              </a:spcBef>
+              <a:spcAft>
+                <a:spcPts val="0"/>
+              </a:spcAft>
+              <a:buSzPts val="1400"/>
+              <a:buChar char="●"/>
+            </a:pPr>
+            <a:r>
+              <a:rPr lang="en"/>
+              <a:t>A</a:t>
+            </a:r>
+            <a:r>
+              <a:rPr lang="en"/>
+              <a:t>pplying AWS security best practices to your machine learning solutions</a:t>
+            </a:r>
+            <a:endParaRPr/>
+          </a:p>
+        </p:txBody>
+      </p:sp>
+      <p:sp>
+        <p:nvSpPr>
+          <p:cNvPr id="171" name="Google Shape;171;p19"/>
+          <p:cNvSpPr txBox="1"/>
+          <p:nvPr/>
+        </p:nvSpPr>
+        <p:spPr>
+          <a:xfrm>
+            <a:off x="460275" y="3480025"/>
+            <a:ext cx="6627900" cy="468600"/>
+          </a:xfrm>
+          <a:prstGeom prst="rect">
+            <a:avLst/>
+          </a:prstGeom>
+          <a:noFill/>
+          <a:ln>
+            <a:noFill/>
+          </a:ln>
+        </p:spPr>
+        <p:txBody>
+          <a:bodyPr anchorCtr="0" anchor="t" bIns="91425" lIns="91425" spcFirstLastPara="1" rIns="91425" wrap="square" tIns="91425">
+            <a:noAutofit/>
+          </a:bodyPr>
+          <a:lstStyle/>
+          <a:p>
+            <a:pPr indent="-317500" lvl="0" marL="457200" rtl="0" algn="l">
+              <a:spcBef>
+                <a:spcPts val="0"/>
+              </a:spcBef>
+              <a:spcAft>
+                <a:spcPts val="0"/>
+              </a:spcAft>
+              <a:buSzPts val="1400"/>
+              <a:buChar char="●"/>
+            </a:pPr>
+            <a:r>
+              <a:rPr lang="en"/>
+              <a:t>D</a:t>
+            </a:r>
+            <a:r>
+              <a:rPr lang="en"/>
+              <a:t>eploying and operationalizing your machine learning solutions</a:t>
+            </a:r>
+            <a:endParaRPr/>
+          </a:p>
+        </p:txBody>
+      </p:sp>
+    </p:spTree>
+  </p:cSld>
+  <p:clrMapOvr>
+    <a:masterClrMapping/>
+  </p:clrMapOvr>
+  <p:timing>
+    <p:tnLst>
+      <p:par>
+        <p:cTn dur="indefinite" nodeType="tmRoot" restart="never">
+          <p:childTnLst>
+            <p:seq concurrent="1" nextAc="seek">
+              <p:cTn dur="indefinite" id="2" nodeType="mainSeq">
+                <p:childTnLst>
+                  <p:par>
+                    <p:cTn fill="hold">
+                      <p:stCondLst>
+                        <p:cond delay="indefinite"/>
+                      </p:stCondLst>
+                      <p:childTnLst>
+                        <p:par>
+                          <p:cTn fill="hold">
+                            <p:stCondLst>
+                              <p:cond delay="0"/>
+                            </p:stCondLst>
+                            <p:childTnLst>
+                              <p:par>
+                                <p:cTn fill="hold" nodeType="clickEffect" presetClass="entr" presetID="10" presetSubtype="0">
+                                  <p:stCondLst>
+                                    <p:cond delay="0"/>
+                                  </p:stCondLst>
+                                  <p:childTnLst>
+                                    <p:set>
+                                      <p:cBhvr>
+                                        <p:cTn dur="1" fill="hold">
+                                          <p:stCondLst>
+                                            <p:cond delay="0"/>
+                                          </p:stCondLst>
+                                        </p:cTn>
+                                        <p:tgtEl>
+                                          <p:spTgt spid="167"/>
+                                        </p:tgtEl>
+                                        <p:attrNameLst>
+                                          <p:attrName>style.visibility</p:attrName>
+                                        </p:attrNameLst>
+                                      </p:cBhvr>
+                                      <p:to>
+                                        <p:strVal val="visible"/>
+                                      </p:to>
+                                    </p:set>
+                                    <p:animEffect filter="fade" transition="in">
+                                      <p:cBhvr>
+                                        <p:cTn dur="1000"/>
+                                        <p:tgtEl>
+                                          <p:spTgt spid="167"/>
+                                        </p:tgtEl>
+                                      </p:cBhvr>
+                                    </p:animEffect>
+                                  </p:childTnLst>
+                                </p:cTn>
+                              </p:par>
+                            </p:childTnLst>
+                          </p:cTn>
+                        </p:par>
+                      </p:childTnLst>
+                    </p:cTn>
+                  </p:par>
+                  <p:par>
+                    <p:cTn fill="hold">
+                      <p:stCondLst>
+                        <p:cond delay="indefinite"/>
+                      </p:stCondLst>
+                      <p:childTnLst>
+                        <p:par>
+                          <p:cTn fill="hold">
+                            <p:stCondLst>
+                              <p:cond delay="0"/>
+                            </p:stCondLst>
+                            <p:childTnLst>
+                              <p:par>
+                                <p:cTn fill="hold" nodeType="clickEffect" presetClass="entr" presetID="10" presetSubtype="0">
+                                  <p:stCondLst>
+                                    <p:cond delay="0"/>
+                                  </p:stCondLst>
+                                  <p:childTnLst>
+                                    <p:set>
+                                      <p:cBhvr>
+                                        <p:cTn dur="1" fill="hold">
+                                          <p:stCondLst>
+                                            <p:cond delay="0"/>
+                                          </p:stCondLst>
+                                        </p:cTn>
+                                        <p:tgtEl>
+                                          <p:spTgt spid="168"/>
+                                        </p:tgtEl>
+                                        <p:attrNameLst>
+                                          <p:attrName>style.visibility</p:attrName>
+                                        </p:attrNameLst>
+                                      </p:cBhvr>
+                                      <p:to>
+                                        <p:strVal val="visible"/>
+                                      </p:to>
+                                    </p:set>
+                                    <p:animEffect filter="fade" transition="in">
+                                      <p:cBhvr>
+                                        <p:cTn dur="1000"/>
+                                        <p:tgtEl>
+                                          <p:spTgt spid="168"/>
+                                        </p:tgtEl>
+                                      </p:cBhvr>
+                                    </p:animEffect>
+                                  </p:childTnLst>
+                                </p:cTn>
+                              </p:par>
+                            </p:childTnLst>
+                          </p:cTn>
+                        </p:par>
+                      </p:childTnLst>
+                    </p:cTn>
+                  </p:par>
+                  <p:par>
+                    <p:cTn fill="hold">
+                      <p:stCondLst>
+                        <p:cond delay="indefinite"/>
+                      </p:stCondLst>
+                      <p:childTnLst>
+                        <p:par>
+                          <p:cTn fill="hold">
+                            <p:stCondLst>
+                              <p:cond delay="0"/>
+                            </p:stCondLst>
+                            <p:childTnLst>
+                              <p:par>
+                                <p:cTn fill="hold" nodeType="clickEffect" presetClass="entr" presetID="10" presetSubtype="0">
+                                  <p:stCondLst>
+                                    <p:cond delay="0"/>
+                                  </p:stCondLst>
+                                  <p:childTnLst>
+                                    <p:set>
+                                      <p:cBhvr>
+                                        <p:cTn dur="1" fill="hold">
+                                          <p:stCondLst>
+                                            <p:cond delay="0"/>
+                                          </p:stCondLst>
+                                        </p:cTn>
+                                        <p:tgtEl>
+                                          <p:spTgt spid="169"/>
+                                        </p:tgtEl>
+                                        <p:attrNameLst>
+                                          <p:attrName>style.visibility</p:attrName>
+                                        </p:attrNameLst>
+                                      </p:cBhvr>
+                                      <p:to>
+                                        <p:strVal val="visible"/>
+                                      </p:to>
+                                    </p:set>
+                                    <p:animEffect filter="fade" transition="in">
+                                      <p:cBhvr>
+                                        <p:cTn dur="1000"/>
+                                        <p:tgtEl>
+                                          <p:spTgt spid="169"/>
+                                        </p:tgtEl>
+                                      </p:cBhvr>
+                                    </p:animEffect>
+                                  </p:childTnLst>
+                                </p:cTn>
+                              </p:par>
+                            </p:childTnLst>
+                          </p:cTn>
+                        </p:par>
+                      </p:childTnLst>
+                    </p:cTn>
+                  </p:par>
+                  <p:par>
+                    <p:cTn fill="hold">
+                      <p:stCondLst>
+                        <p:cond delay="indefinite"/>
+                      </p:stCondLst>
+                      <p:childTnLst>
+                        <p:par>
+                          <p:cTn fill="hold">
+                            <p:stCondLst>
+                              <p:cond delay="0"/>
+                            </p:stCondLst>
+                            <p:childTnLst>
+                              <p:par>
+                                <p:cTn fill="hold" nodeType="clickEffect" presetClass="entr" presetID="10" presetSubtype="0">
+                                  <p:stCondLst>
+                                    <p:cond delay="0"/>
+                                  </p:stCondLst>
+                                  <p:childTnLst>
+                                    <p:set>
+                                      <p:cBhvr>
+                                        <p:cTn dur="1" fill="hold">
+                                          <p:stCondLst>
+                                            <p:cond delay="0"/>
+                                          </p:stCondLst>
+                                        </p:cTn>
+                                        <p:tgtEl>
+                                          <p:spTgt spid="170"/>
+                                        </p:tgtEl>
+                                        <p:attrNameLst>
+                                          <p:attrName>style.visibility</p:attrName>
+                                        </p:attrNameLst>
+                                      </p:cBhvr>
+                                      <p:to>
+                                        <p:strVal val="visible"/>
+                                      </p:to>
+                                    </p:set>
+                                    <p:animEffect filter="fade" transition="in">
+                                      <p:cBhvr>
+                                        <p:cTn dur="1000"/>
+                                        <p:tgtEl>
+                                          <p:spTgt spid="170"/>
+                                        </p:tgtEl>
+                                      </p:cBhvr>
+                                    </p:animEffect>
+                                  </p:childTnLst>
+                                </p:cTn>
+                              </p:par>
+                            </p:childTnLst>
+                          </p:cTn>
+                        </p:par>
+                      </p:childTnLst>
+                    </p:cTn>
+                  </p:par>
+                  <p:par>
+                    <p:cTn fill="hold">
+                      <p:stCondLst>
+                        <p:cond delay="indefinite"/>
+                      </p:stCondLst>
+                      <p:childTnLst>
+                        <p:par>
+                          <p:cTn fill="hold">
+                            <p:stCondLst>
+                              <p:cond delay="0"/>
+                            </p:stCondLst>
+                            <p:childTnLst>
+                              <p:par>
+                                <p:cTn fill="hold" nodeType="clickEffect" presetClass="entr" presetID="10" presetSubtype="0">
+                                  <p:stCondLst>
+                                    <p:cond delay="0"/>
+                                  </p:stCondLst>
+                                  <p:childTnLst>
+                                    <p:set>
+                                      <p:cBhvr>
+                                        <p:cTn dur="1" fill="hold">
+                                          <p:stCondLst>
+                                            <p:cond delay="0"/>
+                                          </p:stCondLst>
+                                        </p:cTn>
+                                        <p:tgtEl>
+                                          <p:spTgt spid="171"/>
+                                        </p:tgtEl>
+                                        <p:attrNameLst>
+                                          <p:attrName>style.visibility</p:attrName>
+                                        </p:attrNameLst>
+                                      </p:cBhvr>
+                                      <p:to>
+                                        <p:strVal val="visible"/>
+                                      </p:to>
+                                    </p:set>
+                                    <p:animEffect filter="fade" transition="in">
+                                      <p:cBhvr>
+                                        <p:cTn dur="1000"/>
+                                        <p:tgtEl>
+                                          <p:spTgt spid="171"/>
+                                        </p:tgtEl>
+                                      </p:cBhvr>
+                                    </p:animEffect>
+                                  </p:childTnLst>
+                                </p:cTn>
+                              </p:par>
+                            </p:childTnLst>
+                          </p:cTn>
+                        </p:par>
+                      </p:childTnLst>
+                    </p:cTn>
+                  </p:par>
+                </p:childTnLst>
+              </p:cTn>
+              <p:prevCondLst>
+                <p:cond evt="onPrev">
+                  <p:tgtEl>
+                    <p:sldTgt/>
+                  </p:tgtEl>
+                </p:cond>
+              </p:prevCondLst>
+              <p:nextCondLst>
+                <p:cond evt="onNext">
+                  <p:tgtEl>
+                    <p:sldTgt/>
+                  </p:tgtEl>
+                </p:cond>
+              </p:nextCondLst>
+            </p:seq>
+          </p:childTnLst>
+        </p:cTn>
+      </p:par>
+    </p:tnLst>
+  </p:timing>
+</p:sld>
+</file>
+
+<file path=ppt/slides/slide8.xml><?xml version="1.0" encoding="utf-8"?>
+<p:sld xmlns:a="http://schemas.openxmlformats.org/drawingml/2006/main" xmlns:r="http://schemas.openxmlformats.org/officeDocument/2006/relationships" xmlns:mc="http://schemas.openxmlformats.org/markup-compatibility/2006" xmlns:mv="urn:schemas-microsoft-com:mac:vml" xmlns:p="http://schemas.openxmlformats.org/presentationml/2006/main" xmlns:c="http://schemas.openxmlformats.org/drawingml/2006/chart" xmlns:dgm="http://schemas.openxmlformats.org/drawingml/2006/diagram" xmlns:o="urn:schemas-microsoft-com:office:office" xmlns:v="urn:schemas-microsoft-com:vml" xmlns:pvml="urn:schemas-microsoft-com:office:powerpoint" xmlns:com="http://schemas.openxmlformats.org/drawingml/2006/compatibility" xmlns:p14="http://schemas.microsoft.com/office/powerpoint/2010/main" xmlns:p15="http://schemas.microsoft.com/office/powerpoint/2012/main">
+  <p:cSld>
+    <p:spTree>
+      <p:nvGrpSpPr>
+        <p:cNvPr id="175" name="Shape 175"/>
+        <p:cNvGrpSpPr/>
+        <p:nvPr/>
+      </p:nvGrpSpPr>
+      <p:grpSpPr>
+        <a:xfrm>
+          <a:off x="0" y="0"/>
+          <a:ext cx="0" cy="0"/>
+          <a:chOff x="0" y="0"/>
+          <a:chExt cx="0" cy="0"/>
+        </a:xfrm>
+      </p:grpSpPr>
+      <p:sp>
+        <p:nvSpPr>
+          <p:cNvPr id="176" name="Google Shape;176;p20"/>
+          <p:cNvSpPr/>
+          <p:nvPr/>
+        </p:nvSpPr>
+        <p:spPr>
+          <a:xfrm>
+            <a:off x="-179682" y="-308191"/>
+            <a:ext cx="9647400" cy="1688700"/>
+          </a:xfrm>
+          <a:prstGeom prst="rect">
+            <a:avLst/>
+          </a:prstGeom>
+          <a:solidFill>
+            <a:srgbClr val="002645"/>
+          </a:solidFill>
+          <a:ln>
+            <a:noFill/>
+          </a:ln>
+          <a:effectLst>
+            <a:outerShdw blurRad="50800" rotWithShape="0" dir="5400000" dist="38100">
+              <a:srgbClr val="000000">
+                <a:alpha val="40000"/>
+              </a:srgbClr>
+            </a:outerShdw>
+          </a:effectLst>
+        </p:spPr>
+        <p:txBody>
+          <a:bodyPr anchorCtr="0" anchor="ctr" bIns="34275" lIns="34275" spcFirstLastPara="1" rIns="34275" wrap="square" tIns="34275">
+            <a:noAutofit/>
+          </a:bodyPr>
+          <a:lstStyle/>
+          <a:p>
+            <a:pPr indent="0" lvl="0" marL="0" marR="0" rtl="0" algn="ctr">
+              <a:lnSpc>
+                <a:spcPct val="100000"/>
+              </a:lnSpc>
+              <a:spcBef>
+                <a:spcPts val="0"/>
+              </a:spcBef>
+              <a:spcAft>
+                <a:spcPts val="0"/>
+              </a:spcAft>
+              <a:buClr>
+                <a:srgbClr val="FFFFFF"/>
+              </a:buClr>
+              <a:buSzPts val="1400"/>
+              <a:buFont typeface="Calibri"/>
+              <a:buNone/>
+            </a:pPr>
+            <a:r>
+              <a:t/>
+            </a:r>
+            <a:endParaRPr b="0" i="0" sz="1400" u="none" cap="none" strike="noStrike">
+              <a:solidFill>
+                <a:srgbClr val="FFFFFF"/>
+              </a:solidFill>
+              <a:latin typeface="Calibri"/>
+              <a:ea typeface="Calibri"/>
+              <a:cs typeface="Calibri"/>
+              <a:sym typeface="Calibri"/>
+            </a:endParaRPr>
+          </a:p>
+        </p:txBody>
+      </p:sp>
+      <p:sp>
+        <p:nvSpPr>
+          <p:cNvPr id="177" name="Google Shape;177;p20"/>
+          <p:cNvSpPr/>
+          <p:nvPr/>
+        </p:nvSpPr>
+        <p:spPr>
+          <a:xfrm>
+            <a:off x="228600" y="331700"/>
+            <a:ext cx="8915400" cy="468600"/>
+          </a:xfrm>
+          <a:prstGeom prst="rect">
+            <a:avLst/>
+          </a:prstGeom>
+          <a:noFill/>
+          <a:ln>
+            <a:noFill/>
+          </a:ln>
+        </p:spPr>
+        <p:txBody>
+          <a:bodyPr anchorCtr="0" anchor="t" bIns="34275" lIns="34275" spcFirstLastPara="1" rIns="34275" wrap="square" tIns="34275">
+            <a:noAutofit/>
+          </a:bodyPr>
+          <a:lstStyle/>
+          <a:p>
+            <a:pPr indent="0" lvl="0" marL="0" marR="0" rtl="0" algn="l">
+              <a:lnSpc>
+                <a:spcPct val="100000"/>
+              </a:lnSpc>
+              <a:spcBef>
+                <a:spcPts val="0"/>
+              </a:spcBef>
+              <a:spcAft>
+                <a:spcPts val="0"/>
+              </a:spcAft>
+              <a:buClr>
+                <a:srgbClr val="F2F2F2"/>
+              </a:buClr>
+              <a:buSzPts val="2600"/>
+              <a:buFont typeface="Open Sans"/>
+              <a:buNone/>
+            </a:pPr>
+            <a:r>
+              <a:rPr b="1" lang="en" sz="2100">
+                <a:solidFill>
+                  <a:srgbClr val="F2F2F2"/>
+                </a:solidFill>
+                <a:latin typeface="Open Sans"/>
+                <a:ea typeface="Open Sans"/>
+                <a:cs typeface="Open Sans"/>
+                <a:sym typeface="Open Sans"/>
+              </a:rPr>
+              <a:t>AWS Machine Learning Course Summary and Exam Tips</a:t>
+            </a:r>
+            <a:endParaRPr sz="2100"/>
+          </a:p>
+        </p:txBody>
+      </p:sp>
+      <p:sp>
+        <p:nvSpPr>
+          <p:cNvPr id="178" name="Google Shape;178;p20"/>
+          <p:cNvSpPr/>
+          <p:nvPr/>
+        </p:nvSpPr>
+        <p:spPr>
+          <a:xfrm>
+            <a:off x="313771" y="843754"/>
+            <a:ext cx="2789700" cy="34200"/>
+          </a:xfrm>
+          <a:prstGeom prst="rect">
+            <a:avLst/>
+          </a:prstGeom>
+          <a:solidFill>
+            <a:srgbClr val="DE6E22"/>
+          </a:solidFill>
+          <a:ln>
+            <a:noFill/>
+          </a:ln>
+        </p:spPr>
+        <p:txBody>
+          <a:bodyPr anchorCtr="0" anchor="ctr" bIns="34275" lIns="34275" spcFirstLastPara="1" rIns="34275" wrap="square" tIns="34275">
+            <a:noAutofit/>
+          </a:bodyPr>
+          <a:lstStyle/>
+          <a:p>
+            <a:pPr indent="0" lvl="0" marL="0" marR="0" rtl="0" algn="ctr">
+              <a:lnSpc>
+                <a:spcPct val="100000"/>
+              </a:lnSpc>
+              <a:spcBef>
+                <a:spcPts val="0"/>
+              </a:spcBef>
+              <a:spcAft>
+                <a:spcPts val="0"/>
+              </a:spcAft>
+              <a:buClr>
+                <a:srgbClr val="FFFFFF"/>
+              </a:buClr>
+              <a:buSzPts val="1400"/>
+              <a:buFont typeface="Calibri"/>
+              <a:buNone/>
+            </a:pPr>
+            <a:r>
+              <a:t/>
+            </a:r>
+            <a:endParaRPr b="0" i="0" sz="1400" u="none" cap="none" strike="noStrike">
+              <a:solidFill>
+                <a:srgbClr val="FFFFFF"/>
+              </a:solidFill>
+              <a:latin typeface="Calibri"/>
+              <a:ea typeface="Calibri"/>
+              <a:cs typeface="Calibri"/>
+              <a:sym typeface="Calibri"/>
+            </a:endParaRPr>
+          </a:p>
+        </p:txBody>
+      </p:sp>
+      <p:sp>
+        <p:nvSpPr>
+          <p:cNvPr id="179" name="Google Shape;179;p20"/>
+          <p:cNvSpPr/>
+          <p:nvPr/>
+        </p:nvSpPr>
+        <p:spPr>
+          <a:xfrm>
+            <a:off x="228600" y="952975"/>
+            <a:ext cx="4144200" cy="335100"/>
+          </a:xfrm>
+          <a:prstGeom prst="rect">
+            <a:avLst/>
+          </a:prstGeom>
+          <a:noFill/>
+          <a:ln>
+            <a:noFill/>
+          </a:ln>
+        </p:spPr>
+        <p:txBody>
+          <a:bodyPr anchorCtr="0" anchor="t" bIns="34275" lIns="34275" spcFirstLastPara="1" rIns="34275" wrap="square" tIns="34275">
+            <a:noAutofit/>
+          </a:bodyPr>
+          <a:lstStyle/>
+          <a:p>
+            <a:pPr indent="0" lvl="0" marL="0" marR="0" rtl="0" algn="l">
+              <a:lnSpc>
+                <a:spcPct val="100000"/>
+              </a:lnSpc>
+              <a:spcBef>
+                <a:spcPts val="0"/>
+              </a:spcBef>
+              <a:spcAft>
+                <a:spcPts val="0"/>
+              </a:spcAft>
+              <a:buClr>
+                <a:srgbClr val="D9D9D9"/>
+              </a:buClr>
+              <a:buSzPts val="1700"/>
+              <a:buFont typeface="Open Sans"/>
+              <a:buNone/>
+            </a:pPr>
+            <a:r>
+              <a:t/>
+            </a:r>
+            <a:endParaRPr sz="1100"/>
+          </a:p>
+        </p:txBody>
+      </p:sp>
+      <p:pic>
+        <p:nvPicPr>
+          <p:cNvPr id="180" name="Google Shape;180;p20"/>
+          <p:cNvPicPr preferRelativeResize="0"/>
+          <p:nvPr/>
+        </p:nvPicPr>
+        <p:blipFill>
+          <a:blip r:embed="rId3">
+            <a:alphaModFix/>
+          </a:blip>
+          <a:stretch>
+            <a:fillRect/>
+          </a:stretch>
+        </p:blipFill>
+        <p:spPr>
+          <a:xfrm>
+            <a:off x="8325525" y="4593059"/>
+            <a:ext cx="752475" cy="495300"/>
+          </a:xfrm>
+          <a:prstGeom prst="rect">
+            <a:avLst/>
+          </a:prstGeom>
+          <a:noFill/>
+          <a:ln>
+            <a:noFill/>
+          </a:ln>
+        </p:spPr>
+      </p:pic>
+      <p:sp>
+        <p:nvSpPr>
+          <p:cNvPr id="181" name="Google Shape;181;p20"/>
+          <p:cNvSpPr txBox="1"/>
+          <p:nvPr/>
+        </p:nvSpPr>
+        <p:spPr>
+          <a:xfrm>
+            <a:off x="460275" y="1726025"/>
+            <a:ext cx="6627900" cy="468600"/>
+          </a:xfrm>
+          <a:prstGeom prst="rect">
+            <a:avLst/>
+          </a:prstGeom>
+          <a:noFill/>
+          <a:ln>
+            <a:noFill/>
+          </a:ln>
+        </p:spPr>
+        <p:txBody>
+          <a:bodyPr anchorCtr="0" anchor="t" bIns="91425" lIns="91425" spcFirstLastPara="1" rIns="91425" wrap="square" tIns="91425">
+            <a:noAutofit/>
+          </a:bodyPr>
+          <a:lstStyle/>
+          <a:p>
+            <a:pPr indent="-317500" lvl="0" marL="457200" rtl="0" algn="l">
+              <a:spcBef>
+                <a:spcPts val="0"/>
+              </a:spcBef>
+              <a:spcAft>
+                <a:spcPts val="0"/>
+              </a:spcAft>
+              <a:buSzPts val="1400"/>
+              <a:buChar char="●"/>
+            </a:pPr>
+            <a:r>
+              <a:rPr lang="en"/>
+              <a:t>Course summary</a:t>
+            </a:r>
+            <a:endParaRPr/>
+          </a:p>
+        </p:txBody>
+      </p:sp>
+      <p:sp>
+        <p:nvSpPr>
+          <p:cNvPr id="182" name="Google Shape;182;p20"/>
+          <p:cNvSpPr txBox="1"/>
+          <p:nvPr/>
+        </p:nvSpPr>
+        <p:spPr>
+          <a:xfrm>
+            <a:off x="460275" y="2164525"/>
+            <a:ext cx="6627900" cy="468600"/>
+          </a:xfrm>
+          <a:prstGeom prst="rect">
+            <a:avLst/>
+          </a:prstGeom>
+          <a:noFill/>
+          <a:ln>
+            <a:noFill/>
+          </a:ln>
+        </p:spPr>
+        <p:txBody>
+          <a:bodyPr anchorCtr="0" anchor="t" bIns="91425" lIns="91425" spcFirstLastPara="1" rIns="91425" wrap="square" tIns="91425">
+            <a:noAutofit/>
+          </a:bodyPr>
+          <a:lstStyle/>
+          <a:p>
+            <a:pPr indent="-317500" lvl="0" marL="457200" rtl="0" algn="l">
+              <a:spcBef>
+                <a:spcPts val="0"/>
+              </a:spcBef>
+              <a:spcAft>
+                <a:spcPts val="0"/>
+              </a:spcAft>
+              <a:buSzPts val="1400"/>
+              <a:buChar char="●"/>
+            </a:pPr>
+            <a:r>
+              <a:rPr lang="en"/>
+              <a:t>Exam day details and tips</a:t>
+            </a:r>
+            <a:endParaRPr/>
+          </a:p>
+        </p:txBody>
+      </p:sp>
+      <p:sp>
+        <p:nvSpPr>
+          <p:cNvPr id="183" name="Google Shape;183;p20"/>
+          <p:cNvSpPr txBox="1"/>
+          <p:nvPr/>
+        </p:nvSpPr>
+        <p:spPr>
+          <a:xfrm>
+            <a:off x="460275" y="2603025"/>
+            <a:ext cx="6627900" cy="468600"/>
+          </a:xfrm>
+          <a:prstGeom prst="rect">
+            <a:avLst/>
+          </a:prstGeom>
+          <a:noFill/>
+          <a:ln>
+            <a:noFill/>
+          </a:ln>
+        </p:spPr>
+        <p:txBody>
+          <a:bodyPr anchorCtr="0" anchor="t" bIns="91425" lIns="91425" spcFirstLastPara="1" rIns="91425" wrap="square" tIns="91425">
+            <a:noAutofit/>
+          </a:bodyPr>
+          <a:lstStyle/>
+          <a:p>
+            <a:pPr indent="-317500" lvl="0" marL="457200" rtl="0" algn="l">
+              <a:spcBef>
+                <a:spcPts val="0"/>
+              </a:spcBef>
+              <a:spcAft>
+                <a:spcPts val="0"/>
+              </a:spcAft>
+              <a:buSzPts val="1400"/>
+              <a:buChar char="●"/>
+            </a:pPr>
+            <a:r>
+              <a:rPr lang="en"/>
+              <a:t>Section quiz</a:t>
+            </a:r>
+            <a:endParaRPr/>
+          </a:p>
+        </p:txBody>
+      </p:sp>
+    </p:spTree>
+  </p:cSld>
+  <p:clrMapOvr>
+    <a:masterClrMapping/>
+  </p:clrMapOvr>
+  <p:timing>
+    <p:tnLst>
+      <p:par>
+        <p:cTn dur="indefinite" nodeType="tmRoot" restart="never">
+          <p:childTnLst>
+            <p:seq concurrent="1" nextAc="seek">
+              <p:cTn dur="indefinite" id="2" nodeType="mainSeq">
+                <p:childTnLst>
+                  <p:par>
+                    <p:cTn fill="hold">
+                      <p:stCondLst>
+                        <p:cond delay="indefinite"/>
+                      </p:stCondLst>
+                      <p:childTnLst>
+                        <p:par>
+                          <p:cTn fill="hold">
+                            <p:stCondLst>
+                              <p:cond delay="0"/>
+                            </p:stCondLst>
+                            <p:childTnLst>
+                              <p:par>
+                                <p:cTn fill="hold" nodeType="clickEffect" presetClass="entr" presetID="10" presetSubtype="0">
+                                  <p:stCondLst>
+                                    <p:cond delay="0"/>
+                                  </p:stCondLst>
+                                  <p:childTnLst>
+                                    <p:set>
+                                      <p:cBhvr>
+                                        <p:cTn dur="1" fill="hold">
+                                          <p:stCondLst>
+                                            <p:cond delay="0"/>
+                                          </p:stCondLst>
+                                        </p:cTn>
+                                        <p:tgtEl>
+                                          <p:spTgt spid="181"/>
+                                        </p:tgtEl>
+                                        <p:attrNameLst>
+                                          <p:attrName>style.visibility</p:attrName>
+                                        </p:attrNameLst>
+                                      </p:cBhvr>
+                                      <p:to>
+                                        <p:strVal val="visible"/>
+                                      </p:to>
+                                    </p:set>
+                                    <p:animEffect filter="fade" transition="in">
+                                      <p:cBhvr>
+                                        <p:cTn dur="1000"/>
+                                        <p:tgtEl>
+                                          <p:spTgt spid="181"/>
+                                        </p:tgtEl>
+                                      </p:cBhvr>
+                                    </p:animEffect>
+                                  </p:childTnLst>
+                                </p:cTn>
+                              </p:par>
+                            </p:childTnLst>
+                          </p:cTn>
+                        </p:par>
+                      </p:childTnLst>
+                    </p:cTn>
+                  </p:par>
+                  <p:par>
+                    <p:cTn fill="hold">
+                      <p:stCondLst>
+                        <p:cond delay="indefinite"/>
+                      </p:stCondLst>
+                      <p:childTnLst>
+                        <p:par>
+                          <p:cTn fill="hold">
+                            <p:stCondLst>
+                              <p:cond delay="0"/>
+                            </p:stCondLst>
+                            <p:childTnLst>
+                              <p:par>
+                                <p:cTn fill="hold" nodeType="clickEffect" presetClass="entr" presetID="10" presetSubtype="0">
+                                  <p:stCondLst>
+                                    <p:cond delay="0"/>
+                                  </p:stCondLst>
+                                  <p:childTnLst>
+                                    <p:set>
+                                      <p:cBhvr>
+                                        <p:cTn dur="1" fill="hold">
+                                          <p:stCondLst>
+                                            <p:cond delay="0"/>
+                                          </p:stCondLst>
+                                        </p:cTn>
+                                        <p:tgtEl>
+                                          <p:spTgt spid="182"/>
+                                        </p:tgtEl>
+                                        <p:attrNameLst>
+                                          <p:attrName>style.visibility</p:attrName>
+                                        </p:attrNameLst>
+                                      </p:cBhvr>
+                                      <p:to>
+                                        <p:strVal val="visible"/>
+                                      </p:to>
+                                    </p:set>
+                                    <p:animEffect filter="fade" transition="in">
+                                      <p:cBhvr>
+                                        <p:cTn dur="1000"/>
+                                        <p:tgtEl>
+                                          <p:spTgt spid="182"/>
+                                        </p:tgtEl>
+                                      </p:cBhvr>
+                                    </p:animEffect>
+                                  </p:childTnLst>
+                                </p:cTn>
+                              </p:par>
+                            </p:childTnLst>
+                          </p:cTn>
+                        </p:par>
+                      </p:childTnLst>
+                    </p:cTn>
+                  </p:par>
+                  <p:par>
+                    <p:cTn fill="hold">
+                      <p:stCondLst>
+                        <p:cond delay="indefinite"/>
+                      </p:stCondLst>
+                      <p:childTnLst>
+                        <p:par>
+                          <p:cTn fill="hold">
+                            <p:stCondLst>
+                              <p:cond delay="0"/>
+                            </p:stCondLst>
+                            <p:childTnLst>
+                              <p:par>
+                                <p:cTn fill="hold" nodeType="clickEffect" presetClass="entr" presetID="10" presetSubtype="0">
+                                  <p:stCondLst>
+                                    <p:cond delay="0"/>
+                                  </p:stCondLst>
+                                  <p:childTnLst>
+                                    <p:set>
+                                      <p:cBhvr>
+                                        <p:cTn dur="1" fill="hold">
+                                          <p:stCondLst>
+                                            <p:cond delay="0"/>
+                                          </p:stCondLst>
+                                        </p:cTn>
+                                        <p:tgtEl>
+                                          <p:spTgt spid="183"/>
+                                        </p:tgtEl>
+                                        <p:attrNameLst>
+                                          <p:attrName>style.visibility</p:attrName>
+                                        </p:attrNameLst>
+                                      </p:cBhvr>
+                                      <p:to>
+                                        <p:strVal val="visible"/>
+                                      </p:to>
+                                    </p:set>
+                                    <p:animEffect filter="fade" transition="in">
+                                      <p:cBhvr>
+                                        <p:cTn dur="1000"/>
+                                        <p:tgtEl>
+                                          <p:spTgt spid="183"/>
+                                        </p:tgtEl>
+                                      </p:cBhvr>
+                                    </p:animEffect>
+                                  </p:childTnLst>
+                                </p:cTn>
+                              </p:par>
+                            </p:childTnLst>
+                          </p:cTn>
+                        </p:par>
+                      </p:childTnLst>
+                    </p:cTn>
+                  </p:par>
+                </p:childTnLst>
+              </p:cTn>
+              <p:prevCondLst>
+                <p:cond evt="onPrev">
+                  <p:tgtEl>
+                    <p:sldTgt/>
+                  </p:tgtEl>
+                </p:cond>
+              </p:prevCondLst>
+              <p:nextCondLst>
+                <p:cond evt="onNext">
+                  <p:tgtEl>
+                    <p:sldTgt/>
+                  </p:tgtEl>
+                </p:cond>
+              </p:nextCondLst>
+            </p:seq>
+          </p:childTnLst>
+        </p:cTn>
+      </p:par>
+    </p:tnLst>
+  </p:timing>
+</p:sld>
+</file>
+
 <file path=ppt/theme/theme1.xml><?xml version="1.0" encoding="utf-8"?>
 <a:theme xmlns:a="http://schemas.openxmlformats.org/drawingml/2006/main" xmlns:r="http://schemas.openxmlformats.org/officeDocument/2006/relationships">
   <a:themeElements>
